--- a/reference/ONDA_XX-Survival-Curve.pptx
+++ b/reference/ONDA_XX-Survival-Curve.pptx
@@ -2875,7 +2875,7 @@
           </p:nvSpPr>
           <p:spPr>
             <a:xfrm>
-              <a:off x="1545730" y="983989"/>
+              <a:off x="1580497" y="983989"/>
               <a:ext cx="0" cy="3185376"/>
             </a:xfrm>
             <a:custGeom>
@@ -2918,7 +2918,7 @@
           </p:nvSpPr>
           <p:spPr>
             <a:xfrm>
-              <a:off x="1893399" y="983989"/>
+              <a:off x="1858632" y="983989"/>
               <a:ext cx="0" cy="3185376"/>
             </a:xfrm>
             <a:custGeom>
@@ -2961,7 +2961,7 @@
           </p:nvSpPr>
           <p:spPr>
             <a:xfrm>
-              <a:off x="2241068" y="983989"/>
+              <a:off x="2136767" y="983989"/>
               <a:ext cx="0" cy="3185376"/>
             </a:xfrm>
             <a:custGeom>
@@ -3004,7 +3004,7 @@
           </p:nvSpPr>
           <p:spPr>
             <a:xfrm>
-              <a:off x="2588737" y="983989"/>
+              <a:off x="2414902" y="983989"/>
               <a:ext cx="0" cy="3185376"/>
             </a:xfrm>
             <a:custGeom>
@@ -3047,7 +3047,7 @@
           </p:nvSpPr>
           <p:spPr>
             <a:xfrm>
-              <a:off x="2936406" y="983989"/>
+              <a:off x="2693037" y="983989"/>
               <a:ext cx="0" cy="3185376"/>
             </a:xfrm>
             <a:custGeom>
@@ -3090,7 +3090,7 @@
           </p:nvSpPr>
           <p:spPr>
             <a:xfrm>
-              <a:off x="3284075" y="983989"/>
+              <a:off x="2971173" y="983989"/>
               <a:ext cx="0" cy="3185376"/>
             </a:xfrm>
             <a:custGeom>
@@ -3133,7 +3133,7 @@
           </p:nvSpPr>
           <p:spPr>
             <a:xfrm>
-              <a:off x="3631744" y="983989"/>
+              <a:off x="3249308" y="983989"/>
               <a:ext cx="0" cy="3185376"/>
             </a:xfrm>
             <a:custGeom>
@@ -3176,7 +3176,7 @@
           </p:nvSpPr>
           <p:spPr>
             <a:xfrm>
-              <a:off x="3979413" y="983989"/>
+              <a:off x="3527443" y="983989"/>
               <a:ext cx="0" cy="3185376"/>
             </a:xfrm>
             <a:custGeom>
@@ -3219,7 +3219,7 @@
           </p:nvSpPr>
           <p:spPr>
             <a:xfrm>
-              <a:off x="4327082" y="983989"/>
+              <a:off x="3805578" y="983989"/>
               <a:ext cx="0" cy="3185376"/>
             </a:xfrm>
             <a:custGeom>
@@ -3262,7 +3262,7 @@
           </p:nvSpPr>
           <p:spPr>
             <a:xfrm>
-              <a:off x="4674751" y="983989"/>
+              <a:off x="4083714" y="983989"/>
               <a:ext cx="0" cy="3185376"/>
             </a:xfrm>
             <a:custGeom>
@@ -3305,7 +3305,7 @@
           </p:nvSpPr>
           <p:spPr>
             <a:xfrm>
-              <a:off x="5022420" y="983989"/>
+              <a:off x="4361849" y="983989"/>
               <a:ext cx="0" cy="3185376"/>
             </a:xfrm>
             <a:custGeom>
@@ -3348,7 +3348,7 @@
           </p:nvSpPr>
           <p:spPr>
             <a:xfrm>
-              <a:off x="5370089" y="983989"/>
+              <a:off x="4639984" y="983989"/>
               <a:ext cx="0" cy="3185376"/>
             </a:xfrm>
             <a:custGeom>
@@ -3386,6 +3386,135 @@
         <p:sp>
           <p:nvSpPr>
             <p:cNvPr id="31" name="pl30"/>
+            <p:cNvSpPr/>
+            <p:nvPr/>
+          </p:nvSpPr>
+          <p:spPr>
+            <a:xfrm>
+              <a:off x="4918119" y="983989"/>
+              <a:ext cx="0" cy="3185376"/>
+            </a:xfrm>
+            <a:custGeom>
+              <a:avLst/>
+              <a:pathLst>
+                <a:path w="0" h="3185376">
+                  <a:moveTo>
+                    <a:pt x="0" y="3185376"/>
+                  </a:moveTo>
+                  <a:lnTo>
+                    <a:pt x="0" y="0"/>
+                  </a:lnTo>
+                  <a:lnTo>
+                    <a:pt x="0" y="0"/>
+                  </a:lnTo>
+                </a:path>
+              </a:pathLst>
+            </a:custGeom>
+            <a:ln w="6775" cap="flat">
+              <a:solidFill>
+                <a:srgbClr val="FFFFFF">
+                  <a:alpha val="100000"/>
+                </a:srgbClr>
+              </a:solidFill>
+              <a:prstDash val="solid"/>
+              <a:round/>
+            </a:ln>
+          </p:spPr>
+          <p:txBody>
+            <a:bodyPr/>
+            <a:lstStyle/>
+            <a:p/>
+          </p:txBody>
+        </p:sp>
+        <p:sp>
+          <p:nvSpPr>
+            <p:cNvPr id="32" name="pl31"/>
+            <p:cNvSpPr/>
+            <p:nvPr/>
+          </p:nvSpPr>
+          <p:spPr>
+            <a:xfrm>
+              <a:off x="5196254" y="983989"/>
+              <a:ext cx="0" cy="3185376"/>
+            </a:xfrm>
+            <a:custGeom>
+              <a:avLst/>
+              <a:pathLst>
+                <a:path w="0" h="3185376">
+                  <a:moveTo>
+                    <a:pt x="0" y="3185376"/>
+                  </a:moveTo>
+                  <a:lnTo>
+                    <a:pt x="0" y="0"/>
+                  </a:lnTo>
+                  <a:lnTo>
+                    <a:pt x="0" y="0"/>
+                  </a:lnTo>
+                </a:path>
+              </a:pathLst>
+            </a:custGeom>
+            <a:ln w="6775" cap="flat">
+              <a:solidFill>
+                <a:srgbClr val="FFFFFF">
+                  <a:alpha val="100000"/>
+                </a:srgbClr>
+              </a:solidFill>
+              <a:prstDash val="solid"/>
+              <a:round/>
+            </a:ln>
+          </p:spPr>
+          <p:txBody>
+            <a:bodyPr/>
+            <a:lstStyle/>
+            <a:p/>
+          </p:txBody>
+        </p:sp>
+        <p:sp>
+          <p:nvSpPr>
+            <p:cNvPr id="33" name="pl32"/>
+            <p:cNvSpPr/>
+            <p:nvPr/>
+          </p:nvSpPr>
+          <p:spPr>
+            <a:xfrm>
+              <a:off x="5474390" y="983989"/>
+              <a:ext cx="0" cy="3185376"/>
+            </a:xfrm>
+            <a:custGeom>
+              <a:avLst/>
+              <a:pathLst>
+                <a:path w="0" h="3185376">
+                  <a:moveTo>
+                    <a:pt x="0" y="3185376"/>
+                  </a:moveTo>
+                  <a:lnTo>
+                    <a:pt x="0" y="0"/>
+                  </a:lnTo>
+                  <a:lnTo>
+                    <a:pt x="0" y="0"/>
+                  </a:lnTo>
+                </a:path>
+              </a:pathLst>
+            </a:custGeom>
+            <a:ln w="6775" cap="flat">
+              <a:solidFill>
+                <a:srgbClr val="FFFFFF">
+                  <a:alpha val="100000"/>
+                </a:srgbClr>
+              </a:solidFill>
+              <a:prstDash val="solid"/>
+              <a:round/>
+            </a:ln>
+          </p:spPr>
+          <p:txBody>
+            <a:bodyPr/>
+            <a:lstStyle/>
+            <a:p/>
+          </p:txBody>
+        </p:sp>
+        <p:sp>
+          <p:nvSpPr>
+            <p:cNvPr id="34" name="pl33"/>
             <p:cNvSpPr/>
             <p:nvPr/>
           </p:nvSpPr>
@@ -3428,7 +3557,7 @@
         </p:sp>
         <p:sp>
           <p:nvSpPr>
-            <p:cNvPr id="32" name="pl31"/>
+            <p:cNvPr id="35" name="pl34"/>
             <p:cNvSpPr/>
             <p:nvPr/>
           </p:nvSpPr>
@@ -3471,7 +3600,7 @@
         </p:sp>
         <p:sp>
           <p:nvSpPr>
-            <p:cNvPr id="33" name="pl32"/>
+            <p:cNvPr id="36" name="pl35"/>
             <p:cNvSpPr/>
             <p:nvPr/>
           </p:nvSpPr>
@@ -3514,7 +3643,7 @@
         </p:sp>
         <p:sp>
           <p:nvSpPr>
-            <p:cNvPr id="34" name="pl33"/>
+            <p:cNvPr id="37" name="pl36"/>
             <p:cNvSpPr/>
             <p:nvPr/>
           </p:nvSpPr>
@@ -3557,7 +3686,7 @@
         </p:sp>
         <p:sp>
           <p:nvSpPr>
-            <p:cNvPr id="35" name="pl34"/>
+            <p:cNvPr id="38" name="pl37"/>
             <p:cNvSpPr/>
             <p:nvPr/>
           </p:nvSpPr>
@@ -3600,7 +3729,7 @@
         </p:sp>
         <p:sp>
           <p:nvSpPr>
-            <p:cNvPr id="36" name="pl35"/>
+            <p:cNvPr id="39" name="pl38"/>
             <p:cNvSpPr/>
             <p:nvPr/>
           </p:nvSpPr>
@@ -3643,7 +3772,7 @@
         </p:sp>
         <p:sp>
           <p:nvSpPr>
-            <p:cNvPr id="37" name="pl36"/>
+            <p:cNvPr id="40" name="pl39"/>
             <p:cNvSpPr/>
             <p:nvPr/>
           </p:nvSpPr>
@@ -3686,7 +3815,7 @@
         </p:sp>
         <p:sp>
           <p:nvSpPr>
-            <p:cNvPr id="38" name="pl37"/>
+            <p:cNvPr id="41" name="pl40"/>
             <p:cNvSpPr/>
             <p:nvPr/>
           </p:nvSpPr>
@@ -3729,7 +3858,7 @@
         </p:sp>
         <p:sp>
           <p:nvSpPr>
-            <p:cNvPr id="39" name="pl38"/>
+            <p:cNvPr id="42" name="pl41"/>
             <p:cNvSpPr/>
             <p:nvPr/>
           </p:nvSpPr>
@@ -3772,7 +3901,7 @@
         </p:sp>
         <p:sp>
           <p:nvSpPr>
-            <p:cNvPr id="40" name="pl39"/>
+            <p:cNvPr id="43" name="pl42"/>
             <p:cNvSpPr/>
             <p:nvPr/>
           </p:nvSpPr>
@@ -3815,7 +3944,7 @@
         </p:sp>
         <p:sp>
           <p:nvSpPr>
-            <p:cNvPr id="41" name="pl40"/>
+            <p:cNvPr id="44" name="pl43"/>
             <p:cNvSpPr/>
             <p:nvPr/>
           </p:nvSpPr>
@@ -3858,7 +3987,7 @@
         </p:sp>
         <p:sp>
           <p:nvSpPr>
-            <p:cNvPr id="42" name="pl41"/>
+            <p:cNvPr id="45" name="pl44"/>
             <p:cNvSpPr/>
             <p:nvPr/>
           </p:nvSpPr>
@@ -3901,13 +4030,13 @@
         </p:sp>
         <p:sp>
           <p:nvSpPr>
-            <p:cNvPr id="43" name="pl42"/>
-            <p:cNvSpPr/>
-            <p:nvPr/>
-          </p:nvSpPr>
-          <p:spPr>
-            <a:xfrm>
-              <a:off x="2067233" y="983989"/>
+            <p:cNvPr id="46" name="pl45"/>
+            <p:cNvSpPr/>
+            <p:nvPr/>
+          </p:nvSpPr>
+          <p:spPr>
+            <a:xfrm>
+              <a:off x="1997699" y="983989"/>
               <a:ext cx="0" cy="3185376"/>
             </a:xfrm>
             <a:custGeom>
@@ -3944,13 +4073,13 @@
         </p:sp>
         <p:sp>
           <p:nvSpPr>
-            <p:cNvPr id="44" name="pl43"/>
-            <p:cNvSpPr/>
-            <p:nvPr/>
-          </p:nvSpPr>
-          <p:spPr>
-            <a:xfrm>
-              <a:off x="2414902" y="983989"/>
+            <p:cNvPr id="47" name="pl46"/>
+            <p:cNvSpPr/>
+            <p:nvPr/>
+          </p:nvSpPr>
+          <p:spPr>
+            <a:xfrm>
+              <a:off x="2275835" y="983989"/>
               <a:ext cx="0" cy="3185376"/>
             </a:xfrm>
             <a:custGeom>
@@ -3987,13 +4116,13 @@
         </p:sp>
         <p:sp>
           <p:nvSpPr>
-            <p:cNvPr id="45" name="pl44"/>
-            <p:cNvSpPr/>
-            <p:nvPr/>
-          </p:nvSpPr>
-          <p:spPr>
-            <a:xfrm>
-              <a:off x="2762571" y="983989"/>
+            <p:cNvPr id="48" name="pl47"/>
+            <p:cNvSpPr/>
+            <p:nvPr/>
+          </p:nvSpPr>
+          <p:spPr>
+            <a:xfrm>
+              <a:off x="2553970" y="983989"/>
               <a:ext cx="0" cy="3185376"/>
             </a:xfrm>
             <a:custGeom>
@@ -4030,7 +4159,50 @@
         </p:sp>
         <p:sp>
           <p:nvSpPr>
-            <p:cNvPr id="46" name="pl45"/>
+            <p:cNvPr id="49" name="pl48"/>
+            <p:cNvSpPr/>
+            <p:nvPr/>
+          </p:nvSpPr>
+          <p:spPr>
+            <a:xfrm>
+              <a:off x="2832105" y="983989"/>
+              <a:ext cx="0" cy="3185376"/>
+            </a:xfrm>
+            <a:custGeom>
+              <a:avLst/>
+              <a:pathLst>
+                <a:path w="0" h="3185376">
+                  <a:moveTo>
+                    <a:pt x="0" y="3185376"/>
+                  </a:moveTo>
+                  <a:lnTo>
+                    <a:pt x="0" y="0"/>
+                  </a:lnTo>
+                  <a:lnTo>
+                    <a:pt x="0" y="0"/>
+                  </a:lnTo>
+                </a:path>
+              </a:pathLst>
+            </a:custGeom>
+            <a:ln w="13550" cap="flat">
+              <a:solidFill>
+                <a:srgbClr val="FFFFFF">
+                  <a:alpha val="100000"/>
+                </a:srgbClr>
+              </a:solidFill>
+              <a:prstDash val="solid"/>
+              <a:round/>
+            </a:ln>
+          </p:spPr>
+          <p:txBody>
+            <a:bodyPr/>
+            <a:lstStyle/>
+            <a:p/>
+          </p:txBody>
+        </p:sp>
+        <p:sp>
+          <p:nvSpPr>
+            <p:cNvPr id="50" name="pl49"/>
             <p:cNvSpPr/>
             <p:nvPr/>
           </p:nvSpPr>
@@ -4073,13 +4245,13 @@
         </p:sp>
         <p:sp>
           <p:nvSpPr>
-            <p:cNvPr id="47" name="pl46"/>
-            <p:cNvSpPr/>
-            <p:nvPr/>
-          </p:nvSpPr>
-          <p:spPr>
-            <a:xfrm>
-              <a:off x="3457909" y="983989"/>
+            <p:cNvPr id="51" name="pl50"/>
+            <p:cNvSpPr/>
+            <p:nvPr/>
+          </p:nvSpPr>
+          <p:spPr>
+            <a:xfrm>
+              <a:off x="3388375" y="983989"/>
               <a:ext cx="0" cy="3185376"/>
             </a:xfrm>
             <a:custGeom>
@@ -4116,13 +4288,13 @@
         </p:sp>
         <p:sp>
           <p:nvSpPr>
-            <p:cNvPr id="48" name="pl47"/>
-            <p:cNvSpPr/>
-            <p:nvPr/>
-          </p:nvSpPr>
-          <p:spPr>
-            <a:xfrm>
-              <a:off x="3805578" y="983989"/>
+            <p:cNvPr id="52" name="pl51"/>
+            <p:cNvSpPr/>
+            <p:nvPr/>
+          </p:nvSpPr>
+          <p:spPr>
+            <a:xfrm>
+              <a:off x="3666511" y="983989"/>
               <a:ext cx="0" cy="3185376"/>
             </a:xfrm>
             <a:custGeom>
@@ -4159,13 +4331,13 @@
         </p:sp>
         <p:sp>
           <p:nvSpPr>
-            <p:cNvPr id="49" name="pl48"/>
-            <p:cNvSpPr/>
-            <p:nvPr/>
-          </p:nvSpPr>
-          <p:spPr>
-            <a:xfrm>
-              <a:off x="4153247" y="983989"/>
+            <p:cNvPr id="53" name="pl52"/>
+            <p:cNvSpPr/>
+            <p:nvPr/>
+          </p:nvSpPr>
+          <p:spPr>
+            <a:xfrm>
+              <a:off x="3944646" y="983989"/>
               <a:ext cx="0" cy="3185376"/>
             </a:xfrm>
             <a:custGeom>
@@ -4202,7 +4374,50 @@
         </p:sp>
         <p:sp>
           <p:nvSpPr>
-            <p:cNvPr id="50" name="pl49"/>
+            <p:cNvPr id="54" name="pl53"/>
+            <p:cNvSpPr/>
+            <p:nvPr/>
+          </p:nvSpPr>
+          <p:spPr>
+            <a:xfrm>
+              <a:off x="4222781" y="983989"/>
+              <a:ext cx="0" cy="3185376"/>
+            </a:xfrm>
+            <a:custGeom>
+              <a:avLst/>
+              <a:pathLst>
+                <a:path w="0" h="3185376">
+                  <a:moveTo>
+                    <a:pt x="0" y="3185376"/>
+                  </a:moveTo>
+                  <a:lnTo>
+                    <a:pt x="0" y="0"/>
+                  </a:lnTo>
+                  <a:lnTo>
+                    <a:pt x="0" y="0"/>
+                  </a:lnTo>
+                </a:path>
+              </a:pathLst>
+            </a:custGeom>
+            <a:ln w="13550" cap="flat">
+              <a:solidFill>
+                <a:srgbClr val="FFFFFF">
+                  <a:alpha val="100000"/>
+                </a:srgbClr>
+              </a:solidFill>
+              <a:prstDash val="solid"/>
+              <a:round/>
+            </a:ln>
+          </p:spPr>
+          <p:txBody>
+            <a:bodyPr/>
+            <a:lstStyle/>
+            <a:p/>
+          </p:txBody>
+        </p:sp>
+        <p:sp>
+          <p:nvSpPr>
+            <p:cNvPr id="55" name="pl54"/>
             <p:cNvSpPr/>
             <p:nvPr/>
           </p:nvSpPr>
@@ -4245,13 +4460,13 @@
         </p:sp>
         <p:sp>
           <p:nvSpPr>
-            <p:cNvPr id="51" name="pl50"/>
-            <p:cNvSpPr/>
-            <p:nvPr/>
-          </p:nvSpPr>
-          <p:spPr>
-            <a:xfrm>
-              <a:off x="4848585" y="983989"/>
+            <p:cNvPr id="56" name="pl55"/>
+            <p:cNvSpPr/>
+            <p:nvPr/>
+          </p:nvSpPr>
+          <p:spPr>
+            <a:xfrm>
+              <a:off x="4779052" y="983989"/>
               <a:ext cx="0" cy="3185376"/>
             </a:xfrm>
             <a:custGeom>
@@ -4288,13 +4503,13 @@
         </p:sp>
         <p:sp>
           <p:nvSpPr>
-            <p:cNvPr id="52" name="pl51"/>
-            <p:cNvSpPr/>
-            <p:nvPr/>
-          </p:nvSpPr>
-          <p:spPr>
-            <a:xfrm>
-              <a:off x="5196254" y="983989"/>
+            <p:cNvPr id="57" name="pl56"/>
+            <p:cNvSpPr/>
+            <p:nvPr/>
+          </p:nvSpPr>
+          <p:spPr>
+            <a:xfrm>
+              <a:off x="5057187" y="983989"/>
               <a:ext cx="0" cy="3185376"/>
             </a:xfrm>
             <a:custGeom>
@@ -4331,13 +4546,13 @@
         </p:sp>
         <p:sp>
           <p:nvSpPr>
-            <p:cNvPr id="53" name="pl52"/>
-            <p:cNvSpPr/>
-            <p:nvPr/>
-          </p:nvSpPr>
-          <p:spPr>
-            <a:xfrm>
-              <a:off x="5543923" y="983989"/>
+            <p:cNvPr id="58" name="pl57"/>
+            <p:cNvSpPr/>
+            <p:nvPr/>
+          </p:nvSpPr>
+          <p:spPr>
+            <a:xfrm>
+              <a:off x="5335322" y="983989"/>
               <a:ext cx="0" cy="3185376"/>
             </a:xfrm>
             <a:custGeom>
@@ -4374,7 +4589,50 @@
         </p:sp>
         <p:sp>
           <p:nvSpPr>
-            <p:cNvPr id="54" name="pl53"/>
+            <p:cNvPr id="59" name="pl58"/>
+            <p:cNvSpPr/>
+            <p:nvPr/>
+          </p:nvSpPr>
+          <p:spPr>
+            <a:xfrm>
+              <a:off x="5613457" y="983989"/>
+              <a:ext cx="0" cy="3185376"/>
+            </a:xfrm>
+            <a:custGeom>
+              <a:avLst/>
+              <a:pathLst>
+                <a:path w="0" h="3185376">
+                  <a:moveTo>
+                    <a:pt x="0" y="3185376"/>
+                  </a:moveTo>
+                  <a:lnTo>
+                    <a:pt x="0" y="0"/>
+                  </a:lnTo>
+                  <a:lnTo>
+                    <a:pt x="0" y="0"/>
+                  </a:lnTo>
+                </a:path>
+              </a:pathLst>
+            </a:custGeom>
+            <a:ln w="13550" cap="flat">
+              <a:solidFill>
+                <a:srgbClr val="FFFFFF">
+                  <a:alpha val="100000"/>
+                </a:srgbClr>
+              </a:solidFill>
+              <a:prstDash val="solid"/>
+              <a:round/>
+            </a:ln>
+          </p:spPr>
+          <p:txBody>
+            <a:bodyPr/>
+            <a:lstStyle/>
+            <a:p/>
+          </p:txBody>
+        </p:sp>
+        <p:sp>
+          <p:nvSpPr>
+            <p:cNvPr id="60" name="pl59"/>
             <p:cNvSpPr/>
             <p:nvPr/>
           </p:nvSpPr>
@@ -4561,7 +4819,7 @@
         </p:sp>
         <p:sp>
           <p:nvSpPr>
-            <p:cNvPr id="55" name="tx54"/>
+            <p:cNvPr id="61" name="tx60"/>
             <p:cNvSpPr/>
             <p:nvPr/>
           </p:nvSpPr>
@@ -4607,7 +4865,7 @@
         </p:sp>
         <p:sp>
           <p:nvSpPr>
-            <p:cNvPr id="56" name="tx55"/>
+            <p:cNvPr id="62" name="tx61"/>
             <p:cNvSpPr/>
             <p:nvPr/>
           </p:nvSpPr>
@@ -4653,7 +4911,7 @@
         </p:sp>
         <p:sp>
           <p:nvSpPr>
-            <p:cNvPr id="57" name="tx56"/>
+            <p:cNvPr id="63" name="tx62"/>
             <p:cNvSpPr/>
             <p:nvPr/>
           </p:nvSpPr>
@@ -4699,7 +4957,7 @@
         </p:sp>
         <p:sp>
           <p:nvSpPr>
-            <p:cNvPr id="58" name="tx57"/>
+            <p:cNvPr id="64" name="tx63"/>
             <p:cNvSpPr/>
             <p:nvPr/>
           </p:nvSpPr>
@@ -4745,7 +5003,7 @@
         </p:sp>
         <p:sp>
           <p:nvSpPr>
-            <p:cNvPr id="59" name="tx58"/>
+            <p:cNvPr id="65" name="tx64"/>
             <p:cNvSpPr/>
             <p:nvPr/>
           </p:nvSpPr>
@@ -4791,7 +5049,7 @@
         </p:sp>
         <p:sp>
           <p:nvSpPr>
-            <p:cNvPr id="60" name="tx59"/>
+            <p:cNvPr id="66" name="tx65"/>
             <p:cNvSpPr/>
             <p:nvPr/>
           </p:nvSpPr>
@@ -4837,7 +5095,7 @@
         </p:sp>
         <p:sp>
           <p:nvSpPr>
-            <p:cNvPr id="61" name="tx60"/>
+            <p:cNvPr id="67" name="tx66"/>
             <p:cNvSpPr/>
             <p:nvPr/>
           </p:nvSpPr>
@@ -4883,7 +5141,7 @@
         </p:sp>
         <p:sp>
           <p:nvSpPr>
-            <p:cNvPr id="62" name="tx61"/>
+            <p:cNvPr id="68" name="tx67"/>
             <p:cNvSpPr/>
             <p:nvPr/>
           </p:nvSpPr>
@@ -4929,7 +5187,7 @@
         </p:sp>
         <p:sp>
           <p:nvSpPr>
-            <p:cNvPr id="63" name="tx62"/>
+            <p:cNvPr id="69" name="tx68"/>
             <p:cNvSpPr/>
             <p:nvPr/>
           </p:nvSpPr>
@@ -4975,7 +5233,7 @@
         </p:sp>
         <p:sp>
           <p:nvSpPr>
-            <p:cNvPr id="64" name="tx63"/>
+            <p:cNvPr id="70" name="tx69"/>
             <p:cNvSpPr/>
             <p:nvPr/>
           </p:nvSpPr>
@@ -5021,7 +5279,7 @@
         </p:sp>
         <p:sp>
           <p:nvSpPr>
-            <p:cNvPr id="65" name="tx64"/>
+            <p:cNvPr id="71" name="tx70"/>
             <p:cNvSpPr/>
             <p:nvPr/>
           </p:nvSpPr>
@@ -5067,7 +5325,7 @@
         </p:sp>
         <p:sp>
           <p:nvSpPr>
-            <p:cNvPr id="66" name="tx65"/>
+            <p:cNvPr id="72" name="tx71"/>
             <p:cNvSpPr/>
             <p:nvPr/>
           </p:nvSpPr>
@@ -5113,7 +5371,7 @@
         </p:sp>
         <p:sp>
           <p:nvSpPr>
-            <p:cNvPr id="67" name="pl66"/>
+            <p:cNvPr id="73" name="pl72"/>
             <p:cNvSpPr/>
             <p:nvPr/>
           </p:nvSpPr>
@@ -5153,7 +5411,7 @@
         </p:sp>
         <p:sp>
           <p:nvSpPr>
-            <p:cNvPr id="68" name="pl67"/>
+            <p:cNvPr id="74" name="pl73"/>
             <p:cNvSpPr/>
             <p:nvPr/>
           </p:nvSpPr>
@@ -5193,7 +5451,7 @@
         </p:sp>
         <p:sp>
           <p:nvSpPr>
-            <p:cNvPr id="69" name="pl68"/>
+            <p:cNvPr id="75" name="pl74"/>
             <p:cNvSpPr/>
             <p:nvPr/>
           </p:nvSpPr>
@@ -5233,7 +5491,7 @@
         </p:sp>
         <p:sp>
           <p:nvSpPr>
-            <p:cNvPr id="70" name="pl69"/>
+            <p:cNvPr id="76" name="pl75"/>
             <p:cNvSpPr/>
             <p:nvPr/>
           </p:nvSpPr>
@@ -5273,7 +5531,7 @@
         </p:sp>
         <p:sp>
           <p:nvSpPr>
-            <p:cNvPr id="71" name="pl70"/>
+            <p:cNvPr id="77" name="pl76"/>
             <p:cNvSpPr/>
             <p:nvPr/>
           </p:nvSpPr>
@@ -5313,7 +5571,7 @@
         </p:sp>
         <p:sp>
           <p:nvSpPr>
-            <p:cNvPr id="72" name="pl71"/>
+            <p:cNvPr id="78" name="pl77"/>
             <p:cNvSpPr/>
             <p:nvPr/>
           </p:nvSpPr>
@@ -5353,7 +5611,7 @@
         </p:sp>
         <p:sp>
           <p:nvSpPr>
-            <p:cNvPr id="73" name="pl72"/>
+            <p:cNvPr id="79" name="pl78"/>
             <p:cNvSpPr/>
             <p:nvPr/>
           </p:nvSpPr>
@@ -5393,7 +5651,7 @@
         </p:sp>
         <p:sp>
           <p:nvSpPr>
-            <p:cNvPr id="74" name="pl73"/>
+            <p:cNvPr id="80" name="pl79"/>
             <p:cNvSpPr/>
             <p:nvPr/>
           </p:nvSpPr>
@@ -5433,7 +5691,7 @@
         </p:sp>
         <p:sp>
           <p:nvSpPr>
-            <p:cNvPr id="75" name="pl74"/>
+            <p:cNvPr id="81" name="pl80"/>
             <p:cNvSpPr/>
             <p:nvPr/>
           </p:nvSpPr>
@@ -5473,7 +5731,7 @@
         </p:sp>
         <p:sp>
           <p:nvSpPr>
-            <p:cNvPr id="76" name="pl75"/>
+            <p:cNvPr id="82" name="pl81"/>
             <p:cNvSpPr/>
             <p:nvPr/>
           </p:nvSpPr>
@@ -5513,7 +5771,7 @@
         </p:sp>
         <p:sp>
           <p:nvSpPr>
-            <p:cNvPr id="77" name="pl76"/>
+            <p:cNvPr id="83" name="pl82"/>
             <p:cNvSpPr/>
             <p:nvPr/>
           </p:nvSpPr>
@@ -5553,7 +5811,7 @@
         </p:sp>
         <p:sp>
           <p:nvSpPr>
-            <p:cNvPr id="78" name="pl77"/>
+            <p:cNvPr id="84" name="pl83"/>
             <p:cNvSpPr/>
             <p:nvPr/>
           </p:nvSpPr>
@@ -5593,13 +5851,13 @@
         </p:sp>
         <p:sp>
           <p:nvSpPr>
-            <p:cNvPr id="79" name="pl78"/>
-            <p:cNvSpPr/>
-            <p:nvPr/>
-          </p:nvSpPr>
-          <p:spPr>
-            <a:xfrm>
-              <a:off x="2067233" y="4169365"/>
+            <p:cNvPr id="85" name="pl84"/>
+            <p:cNvSpPr/>
+            <p:nvPr/>
+          </p:nvSpPr>
+          <p:spPr>
+            <a:xfrm>
+              <a:off x="1997699" y="4169365"/>
               <a:ext cx="0" cy="34794"/>
             </a:xfrm>
             <a:custGeom>
@@ -5633,13 +5891,13 @@
         </p:sp>
         <p:sp>
           <p:nvSpPr>
-            <p:cNvPr id="80" name="pl79"/>
-            <p:cNvSpPr/>
-            <p:nvPr/>
-          </p:nvSpPr>
-          <p:spPr>
-            <a:xfrm>
-              <a:off x="2414902" y="4169365"/>
+            <p:cNvPr id="86" name="pl85"/>
+            <p:cNvSpPr/>
+            <p:nvPr/>
+          </p:nvSpPr>
+          <p:spPr>
+            <a:xfrm>
+              <a:off x="2275835" y="4169365"/>
               <a:ext cx="0" cy="34794"/>
             </a:xfrm>
             <a:custGeom>
@@ -5673,13 +5931,13 @@
         </p:sp>
         <p:sp>
           <p:nvSpPr>
-            <p:cNvPr id="81" name="pl80"/>
-            <p:cNvSpPr/>
-            <p:nvPr/>
-          </p:nvSpPr>
-          <p:spPr>
-            <a:xfrm>
-              <a:off x="2762571" y="4169365"/>
+            <p:cNvPr id="87" name="pl86"/>
+            <p:cNvSpPr/>
+            <p:nvPr/>
+          </p:nvSpPr>
+          <p:spPr>
+            <a:xfrm>
+              <a:off x="2553970" y="4169365"/>
               <a:ext cx="0" cy="34794"/>
             </a:xfrm>
             <a:custGeom>
@@ -5713,7 +5971,47 @@
         </p:sp>
         <p:sp>
           <p:nvSpPr>
-            <p:cNvPr id="82" name="pl81"/>
+            <p:cNvPr id="88" name="pl87"/>
+            <p:cNvSpPr/>
+            <p:nvPr/>
+          </p:nvSpPr>
+          <p:spPr>
+            <a:xfrm>
+              <a:off x="2832105" y="4169365"/>
+              <a:ext cx="0" cy="34794"/>
+            </a:xfrm>
+            <a:custGeom>
+              <a:avLst/>
+              <a:pathLst>
+                <a:path w="0" h="34794">
+                  <a:moveTo>
+                    <a:pt x="0" y="34794"/>
+                  </a:moveTo>
+                  <a:lnTo>
+                    <a:pt x="0" y="0"/>
+                  </a:lnTo>
+                </a:path>
+              </a:pathLst>
+            </a:custGeom>
+            <a:ln w="13550" cap="flat">
+              <a:solidFill>
+                <a:srgbClr val="000000">
+                  <a:alpha val="100000"/>
+                </a:srgbClr>
+              </a:solidFill>
+              <a:prstDash val="solid"/>
+              <a:round/>
+            </a:ln>
+          </p:spPr>
+          <p:txBody>
+            <a:bodyPr/>
+            <a:lstStyle/>
+            <a:p/>
+          </p:txBody>
+        </p:sp>
+        <p:sp>
+          <p:nvSpPr>
+            <p:cNvPr id="89" name="pl88"/>
             <p:cNvSpPr/>
             <p:nvPr/>
           </p:nvSpPr>
@@ -5753,13 +6051,13 @@
         </p:sp>
         <p:sp>
           <p:nvSpPr>
-            <p:cNvPr id="83" name="pl82"/>
-            <p:cNvSpPr/>
-            <p:nvPr/>
-          </p:nvSpPr>
-          <p:spPr>
-            <a:xfrm>
-              <a:off x="3457909" y="4169365"/>
+            <p:cNvPr id="90" name="pl89"/>
+            <p:cNvSpPr/>
+            <p:nvPr/>
+          </p:nvSpPr>
+          <p:spPr>
+            <a:xfrm>
+              <a:off x="3388375" y="4169365"/>
               <a:ext cx="0" cy="34794"/>
             </a:xfrm>
             <a:custGeom>
@@ -5793,13 +6091,13 @@
         </p:sp>
         <p:sp>
           <p:nvSpPr>
-            <p:cNvPr id="84" name="pl83"/>
-            <p:cNvSpPr/>
-            <p:nvPr/>
-          </p:nvSpPr>
-          <p:spPr>
-            <a:xfrm>
-              <a:off x="3805578" y="4169365"/>
+            <p:cNvPr id="91" name="pl90"/>
+            <p:cNvSpPr/>
+            <p:nvPr/>
+          </p:nvSpPr>
+          <p:spPr>
+            <a:xfrm>
+              <a:off x="3666511" y="4169365"/>
               <a:ext cx="0" cy="34794"/>
             </a:xfrm>
             <a:custGeom>
@@ -5833,13 +6131,13 @@
         </p:sp>
         <p:sp>
           <p:nvSpPr>
-            <p:cNvPr id="85" name="pl84"/>
-            <p:cNvSpPr/>
-            <p:nvPr/>
-          </p:nvSpPr>
-          <p:spPr>
-            <a:xfrm>
-              <a:off x="4153247" y="4169365"/>
+            <p:cNvPr id="92" name="pl91"/>
+            <p:cNvSpPr/>
+            <p:nvPr/>
+          </p:nvSpPr>
+          <p:spPr>
+            <a:xfrm>
+              <a:off x="3944646" y="4169365"/>
               <a:ext cx="0" cy="34794"/>
             </a:xfrm>
             <a:custGeom>
@@ -5873,7 +6171,47 @@
         </p:sp>
         <p:sp>
           <p:nvSpPr>
-            <p:cNvPr id="86" name="pl85"/>
+            <p:cNvPr id="93" name="pl92"/>
+            <p:cNvSpPr/>
+            <p:nvPr/>
+          </p:nvSpPr>
+          <p:spPr>
+            <a:xfrm>
+              <a:off x="4222781" y="4169365"/>
+              <a:ext cx="0" cy="34794"/>
+            </a:xfrm>
+            <a:custGeom>
+              <a:avLst/>
+              <a:pathLst>
+                <a:path w="0" h="34794">
+                  <a:moveTo>
+                    <a:pt x="0" y="34794"/>
+                  </a:moveTo>
+                  <a:lnTo>
+                    <a:pt x="0" y="0"/>
+                  </a:lnTo>
+                </a:path>
+              </a:pathLst>
+            </a:custGeom>
+            <a:ln w="13550" cap="flat">
+              <a:solidFill>
+                <a:srgbClr val="000000">
+                  <a:alpha val="100000"/>
+                </a:srgbClr>
+              </a:solidFill>
+              <a:prstDash val="solid"/>
+              <a:round/>
+            </a:ln>
+          </p:spPr>
+          <p:txBody>
+            <a:bodyPr/>
+            <a:lstStyle/>
+            <a:p/>
+          </p:txBody>
+        </p:sp>
+        <p:sp>
+          <p:nvSpPr>
+            <p:cNvPr id="94" name="pl93"/>
             <p:cNvSpPr/>
             <p:nvPr/>
           </p:nvSpPr>
@@ -5913,13 +6251,13 @@
         </p:sp>
         <p:sp>
           <p:nvSpPr>
-            <p:cNvPr id="87" name="pl86"/>
-            <p:cNvSpPr/>
-            <p:nvPr/>
-          </p:nvSpPr>
-          <p:spPr>
-            <a:xfrm>
-              <a:off x="4848585" y="4169365"/>
+            <p:cNvPr id="95" name="pl94"/>
+            <p:cNvSpPr/>
+            <p:nvPr/>
+          </p:nvSpPr>
+          <p:spPr>
+            <a:xfrm>
+              <a:off x="4779052" y="4169365"/>
               <a:ext cx="0" cy="34794"/>
             </a:xfrm>
             <a:custGeom>
@@ -5953,13 +6291,13 @@
         </p:sp>
         <p:sp>
           <p:nvSpPr>
-            <p:cNvPr id="88" name="pl87"/>
-            <p:cNvSpPr/>
-            <p:nvPr/>
-          </p:nvSpPr>
-          <p:spPr>
-            <a:xfrm>
-              <a:off x="5196254" y="4169365"/>
+            <p:cNvPr id="96" name="pl95"/>
+            <p:cNvSpPr/>
+            <p:nvPr/>
+          </p:nvSpPr>
+          <p:spPr>
+            <a:xfrm>
+              <a:off x="5057187" y="4169365"/>
               <a:ext cx="0" cy="34794"/>
             </a:xfrm>
             <a:custGeom>
@@ -5993,13 +6331,13 @@
         </p:sp>
         <p:sp>
           <p:nvSpPr>
-            <p:cNvPr id="89" name="pl88"/>
-            <p:cNvSpPr/>
-            <p:nvPr/>
-          </p:nvSpPr>
-          <p:spPr>
-            <a:xfrm>
-              <a:off x="5543923" y="4169365"/>
+            <p:cNvPr id="97" name="pl96"/>
+            <p:cNvSpPr/>
+            <p:nvPr/>
+          </p:nvSpPr>
+          <p:spPr>
+            <a:xfrm>
+              <a:off x="5335322" y="4169365"/>
               <a:ext cx="0" cy="34794"/>
             </a:xfrm>
             <a:custGeom>
@@ -6033,7 +6371,47 @@
         </p:sp>
         <p:sp>
           <p:nvSpPr>
-            <p:cNvPr id="90" name="tx89"/>
+            <p:cNvPr id="98" name="pl97"/>
+            <p:cNvSpPr/>
+            <p:nvPr/>
+          </p:nvSpPr>
+          <p:spPr>
+            <a:xfrm>
+              <a:off x="5613457" y="4169365"/>
+              <a:ext cx="0" cy="34794"/>
+            </a:xfrm>
+            <a:custGeom>
+              <a:avLst/>
+              <a:pathLst>
+                <a:path w="0" h="34794">
+                  <a:moveTo>
+                    <a:pt x="0" y="34794"/>
+                  </a:moveTo>
+                  <a:lnTo>
+                    <a:pt x="0" y="0"/>
+                  </a:lnTo>
+                </a:path>
+              </a:pathLst>
+            </a:custGeom>
+            <a:ln w="13550" cap="flat">
+              <a:solidFill>
+                <a:srgbClr val="000000">
+                  <a:alpha val="100000"/>
+                </a:srgbClr>
+              </a:solidFill>
+              <a:prstDash val="solid"/>
+              <a:round/>
+            </a:ln>
+          </p:spPr>
+          <p:txBody>
+            <a:bodyPr/>
+            <a:lstStyle/>
+            <a:p/>
+          </p:txBody>
+        </p:sp>
+        <p:sp>
+          <p:nvSpPr>
+            <p:cNvPr id="99" name="tx98"/>
             <p:cNvSpPr/>
             <p:nvPr/>
           </p:nvSpPr>
@@ -6079,14 +6457,14 @@
         </p:sp>
         <p:sp>
           <p:nvSpPr>
-            <p:cNvPr id="91" name="tx90"/>
-            <p:cNvSpPr/>
-            <p:nvPr/>
-          </p:nvSpPr>
-          <p:spPr>
-            <a:xfrm>
-              <a:off x="2031681" y="4230412"/>
-              <a:ext cx="71105" cy="83056"/>
+            <p:cNvPr id="100" name="tx99"/>
+            <p:cNvSpPr/>
+            <p:nvPr/>
+          </p:nvSpPr>
+          <p:spPr>
+            <a:xfrm>
+              <a:off x="1962147" y="4231995"/>
+              <a:ext cx="71105" cy="81473"/>
             </a:xfrm>
             <a:prstGeom prst="rect">
               <a:avLst/>
@@ -6118,21 +6496,21 @@
                   <a:latin typeface="DejaVu Sans"/>
                   <a:cs typeface="DejaVu Sans"/>
                 </a:rPr>
-                <a:t>5</a:t>
+                <a:t>4</a:t>
               </a:r>
             </a:p>
           </p:txBody>
         </p:sp>
         <p:sp>
           <p:nvSpPr>
-            <p:cNvPr id="92" name="tx91"/>
-            <p:cNvSpPr/>
-            <p:nvPr/>
-          </p:nvSpPr>
-          <p:spPr>
-            <a:xfrm>
-              <a:off x="2343797" y="4228939"/>
-              <a:ext cx="142210" cy="84529"/>
+            <p:cNvPr id="101" name="tx100"/>
+            <p:cNvSpPr/>
+            <p:nvPr/>
+          </p:nvSpPr>
+          <p:spPr>
+            <a:xfrm>
+              <a:off x="2240282" y="4228939"/>
+              <a:ext cx="71105" cy="84529"/>
             </a:xfrm>
             <a:prstGeom prst="rect">
               <a:avLst/>
@@ -6164,21 +6542,21 @@
                   <a:latin typeface="DejaVu Sans"/>
                   <a:cs typeface="DejaVu Sans"/>
                 </a:rPr>
-                <a:t>10</a:t>
+                <a:t>8</a:t>
               </a:r>
             </a:p>
           </p:txBody>
         </p:sp>
         <p:sp>
           <p:nvSpPr>
-            <p:cNvPr id="93" name="tx92"/>
-            <p:cNvSpPr/>
-            <p:nvPr/>
-          </p:nvSpPr>
-          <p:spPr>
-            <a:xfrm>
-              <a:off x="2691466" y="4230412"/>
-              <a:ext cx="142210" cy="83056"/>
+            <p:cNvPr id="102" name="tx101"/>
+            <p:cNvSpPr/>
+            <p:nvPr/>
+          </p:nvSpPr>
+          <p:spPr>
+            <a:xfrm>
+              <a:off x="2482865" y="4230522"/>
+              <a:ext cx="142210" cy="82946"/>
             </a:xfrm>
             <a:prstGeom prst="rect">
               <a:avLst/>
@@ -6210,14 +6588,60 @@
                   <a:latin typeface="DejaVu Sans"/>
                   <a:cs typeface="DejaVu Sans"/>
                 </a:rPr>
-                <a:t>15</a:t>
+                <a:t>12</a:t>
               </a:r>
             </a:p>
           </p:txBody>
         </p:sp>
         <p:sp>
           <p:nvSpPr>
-            <p:cNvPr id="94" name="tx93"/>
+            <p:cNvPr id="103" name="tx102"/>
+            <p:cNvSpPr/>
+            <p:nvPr/>
+          </p:nvSpPr>
+          <p:spPr>
+            <a:xfrm>
+              <a:off x="2761000" y="4228939"/>
+              <a:ext cx="142210" cy="84529"/>
+            </a:xfrm>
+            <a:prstGeom prst="rect">
+              <a:avLst/>
+            </a:prstGeom>
+            <a:noFill/>
+          </p:spPr>
+          <p:txBody>
+            <a:bodyPr lIns="0" rIns="0" tIns="0" bIns="0" anchorCtr="1" anchor="ctr" wrap="none"/>
+            <a:lstStyle/>
+            <a:p>
+              <a:pPr algn="l" marL="0" marR="0" indent="0">
+                <a:lnSpc>
+                  <a:spcPts val="880"/>
+                </a:lnSpc>
+                <a:spcBef>
+                  <a:spcPts val="0"/>
+                </a:spcBef>
+                <a:spcAft>
+                  <a:spcPts val="0"/>
+                </a:spcAft>
+              </a:pPr>
+              <a:r>
+                <a:rPr sz="880">
+                  <a:solidFill>
+                    <a:srgbClr val="4D4D4D">
+                      <a:alpha val="100000"/>
+                    </a:srgbClr>
+                  </a:solidFill>
+                  <a:latin typeface="DejaVu Sans"/>
+                  <a:cs typeface="DejaVu Sans"/>
+                </a:rPr>
+                <a:t>16</a:t>
+              </a:r>
+            </a:p>
+          </p:txBody>
+        </p:sp>
+        <p:sp>
+          <p:nvSpPr>
+            <p:cNvPr id="104" name="tx103"/>
             <p:cNvSpPr/>
             <p:nvPr/>
           </p:nvSpPr>
@@ -6263,14 +6687,14 @@
         </p:sp>
         <p:sp>
           <p:nvSpPr>
-            <p:cNvPr id="95" name="tx94"/>
-            <p:cNvSpPr/>
-            <p:nvPr/>
-          </p:nvSpPr>
-          <p:spPr>
-            <a:xfrm>
-              <a:off x="3386804" y="4228939"/>
-              <a:ext cx="142210" cy="84529"/>
+            <p:cNvPr id="105" name="tx104"/>
+            <p:cNvSpPr/>
+            <p:nvPr/>
+          </p:nvSpPr>
+          <p:spPr>
+            <a:xfrm>
+              <a:off x="3317270" y="4230522"/>
+              <a:ext cx="142210" cy="82946"/>
             </a:xfrm>
             <a:prstGeom prst="rect">
               <a:avLst/>
@@ -6302,20 +6726,20 @@
                   <a:latin typeface="DejaVu Sans"/>
                   <a:cs typeface="DejaVu Sans"/>
                 </a:rPr>
-                <a:t>25</a:t>
+                <a:t>24</a:t>
               </a:r>
             </a:p>
           </p:txBody>
         </p:sp>
         <p:sp>
           <p:nvSpPr>
-            <p:cNvPr id="96" name="tx95"/>
-            <p:cNvSpPr/>
-            <p:nvPr/>
-          </p:nvSpPr>
-          <p:spPr>
-            <a:xfrm>
-              <a:off x="3734473" y="4228939"/>
+            <p:cNvPr id="106" name="tx105"/>
+            <p:cNvSpPr/>
+            <p:nvPr/>
+          </p:nvSpPr>
+          <p:spPr>
+            <a:xfrm>
+              <a:off x="3595406" y="4228939"/>
               <a:ext cx="142210" cy="84529"/>
             </a:xfrm>
             <a:prstGeom prst="rect">
@@ -6348,20 +6772,20 @@
                   <a:latin typeface="DejaVu Sans"/>
                   <a:cs typeface="DejaVu Sans"/>
                 </a:rPr>
-                <a:t>30</a:t>
+                <a:t>28</a:t>
               </a:r>
             </a:p>
           </p:txBody>
         </p:sp>
         <p:sp>
           <p:nvSpPr>
-            <p:cNvPr id="97" name="tx96"/>
-            <p:cNvSpPr/>
-            <p:nvPr/>
-          </p:nvSpPr>
-          <p:spPr>
-            <a:xfrm>
-              <a:off x="4082142" y="4228939"/>
+            <p:cNvPr id="107" name="tx106"/>
+            <p:cNvSpPr/>
+            <p:nvPr/>
+          </p:nvSpPr>
+          <p:spPr>
+            <a:xfrm>
+              <a:off x="3873541" y="4228939"/>
               <a:ext cx="142210" cy="84529"/>
             </a:xfrm>
             <a:prstGeom prst="rect">
@@ -6394,14 +6818,60 @@
                   <a:latin typeface="DejaVu Sans"/>
                   <a:cs typeface="DejaVu Sans"/>
                 </a:rPr>
-                <a:t>35</a:t>
+                <a:t>32</a:t>
               </a:r>
             </a:p>
           </p:txBody>
         </p:sp>
         <p:sp>
           <p:nvSpPr>
-            <p:cNvPr id="98" name="tx97"/>
+            <p:cNvPr id="108" name="tx107"/>
+            <p:cNvSpPr/>
+            <p:nvPr/>
+          </p:nvSpPr>
+          <p:spPr>
+            <a:xfrm>
+              <a:off x="4151676" y="4228939"/>
+              <a:ext cx="142210" cy="84529"/>
+            </a:xfrm>
+            <a:prstGeom prst="rect">
+              <a:avLst/>
+            </a:prstGeom>
+            <a:noFill/>
+          </p:spPr>
+          <p:txBody>
+            <a:bodyPr lIns="0" rIns="0" tIns="0" bIns="0" anchorCtr="1" anchor="ctr" wrap="none"/>
+            <a:lstStyle/>
+            <a:p>
+              <a:pPr algn="l" marL="0" marR="0" indent="0">
+                <a:lnSpc>
+                  <a:spcPts val="880"/>
+                </a:lnSpc>
+                <a:spcBef>
+                  <a:spcPts val="0"/>
+                </a:spcBef>
+                <a:spcAft>
+                  <a:spcPts val="0"/>
+                </a:spcAft>
+              </a:pPr>
+              <a:r>
+                <a:rPr sz="880">
+                  <a:solidFill>
+                    <a:srgbClr val="4D4D4D">
+                      <a:alpha val="100000"/>
+                    </a:srgbClr>
+                  </a:solidFill>
+                  <a:latin typeface="DejaVu Sans"/>
+                  <a:cs typeface="DejaVu Sans"/>
+                </a:rPr>
+                <a:t>36</a:t>
+              </a:r>
+            </a:p>
+          </p:txBody>
+        </p:sp>
+        <p:sp>
+          <p:nvSpPr>
+            <p:cNvPr id="109" name="tx108"/>
             <p:cNvSpPr/>
             <p:nvPr/>
           </p:nvSpPr>
@@ -6447,14 +6917,14 @@
         </p:sp>
         <p:sp>
           <p:nvSpPr>
-            <p:cNvPr id="99" name="tx98"/>
-            <p:cNvSpPr/>
-            <p:nvPr/>
-          </p:nvSpPr>
-          <p:spPr>
-            <a:xfrm>
-              <a:off x="4777480" y="4230412"/>
-              <a:ext cx="142210" cy="83056"/>
+            <p:cNvPr id="110" name="tx109"/>
+            <p:cNvSpPr/>
+            <p:nvPr/>
+          </p:nvSpPr>
+          <p:spPr>
+            <a:xfrm>
+              <a:off x="4707946" y="4231995"/>
+              <a:ext cx="142210" cy="81473"/>
             </a:xfrm>
             <a:prstGeom prst="rect">
               <a:avLst/>
@@ -6486,20 +6956,20 @@
                   <a:latin typeface="DejaVu Sans"/>
                   <a:cs typeface="DejaVu Sans"/>
                 </a:rPr>
-                <a:t>45</a:t>
+                <a:t>44</a:t>
               </a:r>
             </a:p>
           </p:txBody>
         </p:sp>
         <p:sp>
           <p:nvSpPr>
-            <p:cNvPr id="100" name="tx99"/>
-            <p:cNvSpPr/>
-            <p:nvPr/>
-          </p:nvSpPr>
-          <p:spPr>
-            <a:xfrm>
-              <a:off x="5125149" y="4228939"/>
+            <p:cNvPr id="111" name="tx110"/>
+            <p:cNvSpPr/>
+            <p:nvPr/>
+          </p:nvSpPr>
+          <p:spPr>
+            <a:xfrm>
+              <a:off x="4986082" y="4228939"/>
               <a:ext cx="142210" cy="84529"/>
             </a:xfrm>
             <a:prstGeom prst="rect">
@@ -6532,21 +7002,21 @@
                   <a:latin typeface="DejaVu Sans"/>
                   <a:cs typeface="DejaVu Sans"/>
                 </a:rPr>
-                <a:t>50</a:t>
+                <a:t>48</a:t>
               </a:r>
             </a:p>
           </p:txBody>
         </p:sp>
         <p:sp>
           <p:nvSpPr>
-            <p:cNvPr id="101" name="tx100"/>
-            <p:cNvSpPr/>
-            <p:nvPr/>
-          </p:nvSpPr>
-          <p:spPr>
-            <a:xfrm>
-              <a:off x="5472818" y="4230412"/>
-              <a:ext cx="142210" cy="83056"/>
+            <p:cNvPr id="112" name="tx111"/>
+            <p:cNvSpPr/>
+            <p:nvPr/>
+          </p:nvSpPr>
+          <p:spPr>
+            <a:xfrm>
+              <a:off x="5264217" y="4228939"/>
+              <a:ext cx="142210" cy="84529"/>
             </a:xfrm>
             <a:prstGeom prst="rect">
               <a:avLst/>
@@ -6578,14 +7048,60 @@
                   <a:latin typeface="DejaVu Sans"/>
                   <a:cs typeface="DejaVu Sans"/>
                 </a:rPr>
-                <a:t>55</a:t>
+                <a:t>52</a:t>
               </a:r>
             </a:p>
           </p:txBody>
         </p:sp>
         <p:sp>
           <p:nvSpPr>
-            <p:cNvPr id="102" name="tx101"/>
+            <p:cNvPr id="113" name="tx112"/>
+            <p:cNvSpPr/>
+            <p:nvPr/>
+          </p:nvSpPr>
+          <p:spPr>
+            <a:xfrm>
+              <a:off x="5542352" y="4228939"/>
+              <a:ext cx="142210" cy="84529"/>
+            </a:xfrm>
+            <a:prstGeom prst="rect">
+              <a:avLst/>
+            </a:prstGeom>
+            <a:noFill/>
+          </p:spPr>
+          <p:txBody>
+            <a:bodyPr lIns="0" rIns="0" tIns="0" bIns="0" anchorCtr="1" anchor="ctr" wrap="none"/>
+            <a:lstStyle/>
+            <a:p>
+              <a:pPr algn="l" marL="0" marR="0" indent="0">
+                <a:lnSpc>
+                  <a:spcPts val="880"/>
+                </a:lnSpc>
+                <a:spcBef>
+                  <a:spcPts val="0"/>
+                </a:spcBef>
+                <a:spcAft>
+                  <a:spcPts val="0"/>
+                </a:spcAft>
+              </a:pPr>
+              <a:r>
+                <a:rPr sz="880">
+                  <a:solidFill>
+                    <a:srgbClr val="4D4D4D">
+                      <a:alpha val="100000"/>
+                    </a:srgbClr>
+                  </a:solidFill>
+                  <a:latin typeface="DejaVu Sans"/>
+                  <a:cs typeface="DejaVu Sans"/>
+                </a:rPr>
+                <a:t>56</a:t>
+              </a:r>
+            </a:p>
+          </p:txBody>
+        </p:sp>
+        <p:sp>
+          <p:nvSpPr>
+            <p:cNvPr id="114" name="tx113"/>
             <p:cNvSpPr/>
             <p:nvPr/>
           </p:nvSpPr>
@@ -6631,7 +7147,7 @@
         </p:sp>
         <p:sp>
           <p:nvSpPr>
-            <p:cNvPr id="103" name="tx102"/>
+            <p:cNvPr id="115" name="tx114"/>
             <p:cNvSpPr/>
             <p:nvPr/>
           </p:nvSpPr>
@@ -6677,7 +7193,7 @@
         </p:sp>
         <p:sp>
           <p:nvSpPr>
-            <p:cNvPr id="104" name="rc103"/>
+            <p:cNvPr id="116" name="rc115"/>
             <p:cNvSpPr/>
             <p:nvPr/>
           </p:nvSpPr>
@@ -6703,7 +7219,7 @@
         </p:sp>
         <p:sp>
           <p:nvSpPr>
-            <p:cNvPr id="105" name="tx104"/>
+            <p:cNvPr id="117" name="tx116"/>
             <p:cNvSpPr/>
             <p:nvPr/>
           </p:nvSpPr>
@@ -6749,7 +7265,7 @@
         </p:sp>
         <p:sp>
           <p:nvSpPr>
-            <p:cNvPr id="106" name="rc105"/>
+            <p:cNvPr id="118" name="rc117"/>
             <p:cNvSpPr/>
             <p:nvPr/>
           </p:nvSpPr>
@@ -6775,7 +7291,7 @@
         </p:sp>
         <p:sp>
           <p:nvSpPr>
-            <p:cNvPr id="107" name="pl106"/>
+            <p:cNvPr id="119" name="pl118"/>
             <p:cNvSpPr/>
             <p:nvPr/>
           </p:nvSpPr>
@@ -6815,7 +7331,7 @@
         </p:sp>
         <p:sp>
           <p:nvSpPr>
-            <p:cNvPr id="108" name="tx107"/>
+            <p:cNvPr id="120" name="tx119"/>
             <p:cNvSpPr/>
             <p:nvPr/>
           </p:nvSpPr>
@@ -6861,7 +7377,7 @@
         </p:sp>
         <p:sp>
           <p:nvSpPr>
-            <p:cNvPr id="109" name="tx108"/>
+            <p:cNvPr id="121" name="tx120"/>
             <p:cNvSpPr/>
             <p:nvPr/>
           </p:nvSpPr>

--- a/reference/ONDA_XX-Survival-Curve.pptx
+++ b/reference/ONDA_XX-Survival-Curve.pptx
@@ -2875,7 +2875,7 @@
           </p:nvSpPr>
           <p:spPr>
             <a:xfrm>
-              <a:off x="1580497" y="983989"/>
+              <a:off x="1545730" y="983989"/>
               <a:ext cx="0" cy="3185376"/>
             </a:xfrm>
             <a:custGeom>
@@ -2918,7 +2918,7 @@
           </p:nvSpPr>
           <p:spPr>
             <a:xfrm>
-              <a:off x="1858632" y="983989"/>
+              <a:off x="1893399" y="983989"/>
               <a:ext cx="0" cy="3185376"/>
             </a:xfrm>
             <a:custGeom>
@@ -2961,7 +2961,7 @@
           </p:nvSpPr>
           <p:spPr>
             <a:xfrm>
-              <a:off x="2136767" y="983989"/>
+              <a:off x="2241068" y="983989"/>
               <a:ext cx="0" cy="3185376"/>
             </a:xfrm>
             <a:custGeom>
@@ -3004,7 +3004,7 @@
           </p:nvSpPr>
           <p:spPr>
             <a:xfrm>
-              <a:off x="2414902" y="983989"/>
+              <a:off x="2588737" y="983989"/>
               <a:ext cx="0" cy="3185376"/>
             </a:xfrm>
             <a:custGeom>
@@ -3047,7 +3047,7 @@
           </p:nvSpPr>
           <p:spPr>
             <a:xfrm>
-              <a:off x="2693037" y="983989"/>
+              <a:off x="2936406" y="983989"/>
               <a:ext cx="0" cy="3185376"/>
             </a:xfrm>
             <a:custGeom>
@@ -3090,7 +3090,7 @@
           </p:nvSpPr>
           <p:spPr>
             <a:xfrm>
-              <a:off x="2971173" y="983989"/>
+              <a:off x="3284075" y="983989"/>
               <a:ext cx="0" cy="3185376"/>
             </a:xfrm>
             <a:custGeom>
@@ -3133,7 +3133,7 @@
           </p:nvSpPr>
           <p:spPr>
             <a:xfrm>
-              <a:off x="3249308" y="983989"/>
+              <a:off x="3631744" y="983989"/>
               <a:ext cx="0" cy="3185376"/>
             </a:xfrm>
             <a:custGeom>
@@ -3176,7 +3176,7 @@
           </p:nvSpPr>
           <p:spPr>
             <a:xfrm>
-              <a:off x="3527443" y="983989"/>
+              <a:off x="3979413" y="983989"/>
               <a:ext cx="0" cy="3185376"/>
             </a:xfrm>
             <a:custGeom>
@@ -3219,7 +3219,7 @@
           </p:nvSpPr>
           <p:spPr>
             <a:xfrm>
-              <a:off x="3805578" y="983989"/>
+              <a:off x="4327082" y="983989"/>
               <a:ext cx="0" cy="3185376"/>
             </a:xfrm>
             <a:custGeom>
@@ -3262,7 +3262,7 @@
           </p:nvSpPr>
           <p:spPr>
             <a:xfrm>
-              <a:off x="4083714" y="983989"/>
+              <a:off x="4674751" y="983989"/>
               <a:ext cx="0" cy="3185376"/>
             </a:xfrm>
             <a:custGeom>
@@ -3305,7 +3305,7 @@
           </p:nvSpPr>
           <p:spPr>
             <a:xfrm>
-              <a:off x="4361849" y="983989"/>
+              <a:off x="5022420" y="983989"/>
               <a:ext cx="0" cy="3185376"/>
             </a:xfrm>
             <a:custGeom>
@@ -3348,7 +3348,7 @@
           </p:nvSpPr>
           <p:spPr>
             <a:xfrm>
-              <a:off x="4639984" y="983989"/>
+              <a:off x="5370089" y="983989"/>
               <a:ext cx="0" cy="3185376"/>
             </a:xfrm>
             <a:custGeom>
@@ -3391,7 +3391,480 @@
           </p:nvSpPr>
           <p:spPr>
             <a:xfrm>
-              <a:off x="4918119" y="983989"/>
+              <a:off x="1531823" y="4024575"/>
+              <a:ext cx="4130307" cy="0"/>
+            </a:xfrm>
+            <a:custGeom>
+              <a:avLst/>
+              <a:pathLst>
+                <a:path w="4130307" h="0">
+                  <a:moveTo>
+                    <a:pt x="0" y="0"/>
+                  </a:moveTo>
+                  <a:lnTo>
+                    <a:pt x="4130307" y="0"/>
+                  </a:lnTo>
+                  <a:lnTo>
+                    <a:pt x="4130307" y="0"/>
+                  </a:lnTo>
+                </a:path>
+              </a:pathLst>
+            </a:custGeom>
+            <a:ln w="13550" cap="flat">
+              <a:solidFill>
+                <a:srgbClr val="FFFFFF">
+                  <a:alpha val="100000"/>
+                </a:srgbClr>
+              </a:solidFill>
+              <a:prstDash val="solid"/>
+              <a:round/>
+            </a:ln>
+          </p:spPr>
+          <p:txBody>
+            <a:bodyPr/>
+            <a:lstStyle/>
+            <a:p/>
+          </p:txBody>
+        </p:sp>
+        <p:sp>
+          <p:nvSpPr>
+            <p:cNvPr id="32" name="pl31"/>
+            <p:cNvSpPr/>
+            <p:nvPr/>
+          </p:nvSpPr>
+          <p:spPr>
+            <a:xfrm>
+              <a:off x="1531823" y="3734995"/>
+              <a:ext cx="4130307" cy="0"/>
+            </a:xfrm>
+            <a:custGeom>
+              <a:avLst/>
+              <a:pathLst>
+                <a:path w="4130307" h="0">
+                  <a:moveTo>
+                    <a:pt x="0" y="0"/>
+                  </a:moveTo>
+                  <a:lnTo>
+                    <a:pt x="4130307" y="0"/>
+                  </a:lnTo>
+                  <a:lnTo>
+                    <a:pt x="4130307" y="0"/>
+                  </a:lnTo>
+                </a:path>
+              </a:pathLst>
+            </a:custGeom>
+            <a:ln w="13550" cap="flat">
+              <a:solidFill>
+                <a:srgbClr val="FFFFFF">
+                  <a:alpha val="100000"/>
+                </a:srgbClr>
+              </a:solidFill>
+              <a:prstDash val="solid"/>
+              <a:round/>
+            </a:ln>
+          </p:spPr>
+          <p:txBody>
+            <a:bodyPr/>
+            <a:lstStyle/>
+            <a:p/>
+          </p:txBody>
+        </p:sp>
+        <p:sp>
+          <p:nvSpPr>
+            <p:cNvPr id="33" name="pl32"/>
+            <p:cNvSpPr/>
+            <p:nvPr/>
+          </p:nvSpPr>
+          <p:spPr>
+            <a:xfrm>
+              <a:off x="1531823" y="3445416"/>
+              <a:ext cx="4130307" cy="0"/>
+            </a:xfrm>
+            <a:custGeom>
+              <a:avLst/>
+              <a:pathLst>
+                <a:path w="4130307" h="0">
+                  <a:moveTo>
+                    <a:pt x="0" y="0"/>
+                  </a:moveTo>
+                  <a:lnTo>
+                    <a:pt x="4130307" y="0"/>
+                  </a:lnTo>
+                  <a:lnTo>
+                    <a:pt x="4130307" y="0"/>
+                  </a:lnTo>
+                </a:path>
+              </a:pathLst>
+            </a:custGeom>
+            <a:ln w="13550" cap="flat">
+              <a:solidFill>
+                <a:srgbClr val="FFFFFF">
+                  <a:alpha val="100000"/>
+                </a:srgbClr>
+              </a:solidFill>
+              <a:prstDash val="solid"/>
+              <a:round/>
+            </a:ln>
+          </p:spPr>
+          <p:txBody>
+            <a:bodyPr/>
+            <a:lstStyle/>
+            <a:p/>
+          </p:txBody>
+        </p:sp>
+        <p:sp>
+          <p:nvSpPr>
+            <p:cNvPr id="34" name="pl33"/>
+            <p:cNvSpPr/>
+            <p:nvPr/>
+          </p:nvSpPr>
+          <p:spPr>
+            <a:xfrm>
+              <a:off x="1531823" y="3155836"/>
+              <a:ext cx="4130307" cy="0"/>
+            </a:xfrm>
+            <a:custGeom>
+              <a:avLst/>
+              <a:pathLst>
+                <a:path w="4130307" h="0">
+                  <a:moveTo>
+                    <a:pt x="0" y="0"/>
+                  </a:moveTo>
+                  <a:lnTo>
+                    <a:pt x="4130307" y="0"/>
+                  </a:lnTo>
+                  <a:lnTo>
+                    <a:pt x="4130307" y="0"/>
+                  </a:lnTo>
+                </a:path>
+              </a:pathLst>
+            </a:custGeom>
+            <a:ln w="13550" cap="flat">
+              <a:solidFill>
+                <a:srgbClr val="FFFFFF">
+                  <a:alpha val="100000"/>
+                </a:srgbClr>
+              </a:solidFill>
+              <a:prstDash val="solid"/>
+              <a:round/>
+            </a:ln>
+          </p:spPr>
+          <p:txBody>
+            <a:bodyPr/>
+            <a:lstStyle/>
+            <a:p/>
+          </p:txBody>
+        </p:sp>
+        <p:sp>
+          <p:nvSpPr>
+            <p:cNvPr id="35" name="pl34"/>
+            <p:cNvSpPr/>
+            <p:nvPr/>
+          </p:nvSpPr>
+          <p:spPr>
+            <a:xfrm>
+              <a:off x="1531823" y="2866256"/>
+              <a:ext cx="4130307" cy="0"/>
+            </a:xfrm>
+            <a:custGeom>
+              <a:avLst/>
+              <a:pathLst>
+                <a:path w="4130307" h="0">
+                  <a:moveTo>
+                    <a:pt x="0" y="0"/>
+                  </a:moveTo>
+                  <a:lnTo>
+                    <a:pt x="4130307" y="0"/>
+                  </a:lnTo>
+                  <a:lnTo>
+                    <a:pt x="4130307" y="0"/>
+                  </a:lnTo>
+                </a:path>
+              </a:pathLst>
+            </a:custGeom>
+            <a:ln w="13550" cap="flat">
+              <a:solidFill>
+                <a:srgbClr val="FFFFFF">
+                  <a:alpha val="100000"/>
+                </a:srgbClr>
+              </a:solidFill>
+              <a:prstDash val="solid"/>
+              <a:round/>
+            </a:ln>
+          </p:spPr>
+          <p:txBody>
+            <a:bodyPr/>
+            <a:lstStyle/>
+            <a:p/>
+          </p:txBody>
+        </p:sp>
+        <p:sp>
+          <p:nvSpPr>
+            <p:cNvPr id="36" name="pl35"/>
+            <p:cNvSpPr/>
+            <p:nvPr/>
+          </p:nvSpPr>
+          <p:spPr>
+            <a:xfrm>
+              <a:off x="1531823" y="2576677"/>
+              <a:ext cx="4130307" cy="0"/>
+            </a:xfrm>
+            <a:custGeom>
+              <a:avLst/>
+              <a:pathLst>
+                <a:path w="4130307" h="0">
+                  <a:moveTo>
+                    <a:pt x="0" y="0"/>
+                  </a:moveTo>
+                  <a:lnTo>
+                    <a:pt x="4130307" y="0"/>
+                  </a:lnTo>
+                  <a:lnTo>
+                    <a:pt x="4130307" y="0"/>
+                  </a:lnTo>
+                </a:path>
+              </a:pathLst>
+            </a:custGeom>
+            <a:ln w="13550" cap="flat">
+              <a:solidFill>
+                <a:srgbClr val="FFFFFF">
+                  <a:alpha val="100000"/>
+                </a:srgbClr>
+              </a:solidFill>
+              <a:prstDash val="solid"/>
+              <a:round/>
+            </a:ln>
+          </p:spPr>
+          <p:txBody>
+            <a:bodyPr/>
+            <a:lstStyle/>
+            <a:p/>
+          </p:txBody>
+        </p:sp>
+        <p:sp>
+          <p:nvSpPr>
+            <p:cNvPr id="37" name="pl36"/>
+            <p:cNvSpPr/>
+            <p:nvPr/>
+          </p:nvSpPr>
+          <p:spPr>
+            <a:xfrm>
+              <a:off x="1531823" y="2287097"/>
+              <a:ext cx="4130307" cy="0"/>
+            </a:xfrm>
+            <a:custGeom>
+              <a:avLst/>
+              <a:pathLst>
+                <a:path w="4130307" h="0">
+                  <a:moveTo>
+                    <a:pt x="0" y="0"/>
+                  </a:moveTo>
+                  <a:lnTo>
+                    <a:pt x="4130307" y="0"/>
+                  </a:lnTo>
+                  <a:lnTo>
+                    <a:pt x="4130307" y="0"/>
+                  </a:lnTo>
+                </a:path>
+              </a:pathLst>
+            </a:custGeom>
+            <a:ln w="13550" cap="flat">
+              <a:solidFill>
+                <a:srgbClr val="FFFFFF">
+                  <a:alpha val="100000"/>
+                </a:srgbClr>
+              </a:solidFill>
+              <a:prstDash val="solid"/>
+              <a:round/>
+            </a:ln>
+          </p:spPr>
+          <p:txBody>
+            <a:bodyPr/>
+            <a:lstStyle/>
+            <a:p/>
+          </p:txBody>
+        </p:sp>
+        <p:sp>
+          <p:nvSpPr>
+            <p:cNvPr id="38" name="pl37"/>
+            <p:cNvSpPr/>
+            <p:nvPr/>
+          </p:nvSpPr>
+          <p:spPr>
+            <a:xfrm>
+              <a:off x="1531823" y="1997517"/>
+              <a:ext cx="4130307" cy="0"/>
+            </a:xfrm>
+            <a:custGeom>
+              <a:avLst/>
+              <a:pathLst>
+                <a:path w="4130307" h="0">
+                  <a:moveTo>
+                    <a:pt x="0" y="0"/>
+                  </a:moveTo>
+                  <a:lnTo>
+                    <a:pt x="4130307" y="0"/>
+                  </a:lnTo>
+                  <a:lnTo>
+                    <a:pt x="4130307" y="0"/>
+                  </a:lnTo>
+                </a:path>
+              </a:pathLst>
+            </a:custGeom>
+            <a:ln w="13550" cap="flat">
+              <a:solidFill>
+                <a:srgbClr val="FFFFFF">
+                  <a:alpha val="100000"/>
+                </a:srgbClr>
+              </a:solidFill>
+              <a:prstDash val="solid"/>
+              <a:round/>
+            </a:ln>
+          </p:spPr>
+          <p:txBody>
+            <a:bodyPr/>
+            <a:lstStyle/>
+            <a:p/>
+          </p:txBody>
+        </p:sp>
+        <p:sp>
+          <p:nvSpPr>
+            <p:cNvPr id="39" name="pl38"/>
+            <p:cNvSpPr/>
+            <p:nvPr/>
+          </p:nvSpPr>
+          <p:spPr>
+            <a:xfrm>
+              <a:off x="1531823" y="1707938"/>
+              <a:ext cx="4130307" cy="0"/>
+            </a:xfrm>
+            <a:custGeom>
+              <a:avLst/>
+              <a:pathLst>
+                <a:path w="4130307" h="0">
+                  <a:moveTo>
+                    <a:pt x="0" y="0"/>
+                  </a:moveTo>
+                  <a:lnTo>
+                    <a:pt x="4130307" y="0"/>
+                  </a:lnTo>
+                  <a:lnTo>
+                    <a:pt x="4130307" y="0"/>
+                  </a:lnTo>
+                </a:path>
+              </a:pathLst>
+            </a:custGeom>
+            <a:ln w="13550" cap="flat">
+              <a:solidFill>
+                <a:srgbClr val="FFFFFF">
+                  <a:alpha val="100000"/>
+                </a:srgbClr>
+              </a:solidFill>
+              <a:prstDash val="solid"/>
+              <a:round/>
+            </a:ln>
+          </p:spPr>
+          <p:txBody>
+            <a:bodyPr/>
+            <a:lstStyle/>
+            <a:p/>
+          </p:txBody>
+        </p:sp>
+        <p:sp>
+          <p:nvSpPr>
+            <p:cNvPr id="40" name="pl39"/>
+            <p:cNvSpPr/>
+            <p:nvPr/>
+          </p:nvSpPr>
+          <p:spPr>
+            <a:xfrm>
+              <a:off x="1531823" y="1418358"/>
+              <a:ext cx="4130307" cy="0"/>
+            </a:xfrm>
+            <a:custGeom>
+              <a:avLst/>
+              <a:pathLst>
+                <a:path w="4130307" h="0">
+                  <a:moveTo>
+                    <a:pt x="0" y="0"/>
+                  </a:moveTo>
+                  <a:lnTo>
+                    <a:pt x="4130307" y="0"/>
+                  </a:lnTo>
+                  <a:lnTo>
+                    <a:pt x="4130307" y="0"/>
+                  </a:lnTo>
+                </a:path>
+              </a:pathLst>
+            </a:custGeom>
+            <a:ln w="13550" cap="flat">
+              <a:solidFill>
+                <a:srgbClr val="FFFFFF">
+                  <a:alpha val="100000"/>
+                </a:srgbClr>
+              </a:solidFill>
+              <a:prstDash val="solid"/>
+              <a:round/>
+            </a:ln>
+          </p:spPr>
+          <p:txBody>
+            <a:bodyPr/>
+            <a:lstStyle/>
+            <a:p/>
+          </p:txBody>
+        </p:sp>
+        <p:sp>
+          <p:nvSpPr>
+            <p:cNvPr id="41" name="pl40"/>
+            <p:cNvSpPr/>
+            <p:nvPr/>
+          </p:nvSpPr>
+          <p:spPr>
+            <a:xfrm>
+              <a:off x="1531823" y="1128778"/>
+              <a:ext cx="4130307" cy="0"/>
+            </a:xfrm>
+            <a:custGeom>
+              <a:avLst/>
+              <a:pathLst>
+                <a:path w="4130307" h="0">
+                  <a:moveTo>
+                    <a:pt x="0" y="0"/>
+                  </a:moveTo>
+                  <a:lnTo>
+                    <a:pt x="4130307" y="0"/>
+                  </a:lnTo>
+                  <a:lnTo>
+                    <a:pt x="4130307" y="0"/>
+                  </a:lnTo>
+                </a:path>
+              </a:pathLst>
+            </a:custGeom>
+            <a:ln w="13550" cap="flat">
+              <a:solidFill>
+                <a:srgbClr val="FFFFFF">
+                  <a:alpha val="100000"/>
+                </a:srgbClr>
+              </a:solidFill>
+              <a:prstDash val="solid"/>
+              <a:round/>
+            </a:ln>
+          </p:spPr>
+          <p:txBody>
+            <a:bodyPr/>
+            <a:lstStyle/>
+            <a:p/>
+          </p:txBody>
+        </p:sp>
+        <p:sp>
+          <p:nvSpPr>
+            <p:cNvPr id="42" name="pl41"/>
+            <p:cNvSpPr/>
+            <p:nvPr/>
+          </p:nvSpPr>
+          <p:spPr>
+            <a:xfrm>
+              <a:off x="1719564" y="983989"/>
               <a:ext cx="0" cy="3185376"/>
             </a:xfrm>
             <a:custGeom>
@@ -3410,7 +3883,7 @@
                 </a:path>
               </a:pathLst>
             </a:custGeom>
-            <a:ln w="6775" cap="flat">
+            <a:ln w="13550" cap="flat">
               <a:solidFill>
                 <a:srgbClr val="FFFFFF">
                   <a:alpha val="100000"/>
@@ -3428,13 +3901,13 @@
         </p:sp>
         <p:sp>
           <p:nvSpPr>
-            <p:cNvPr id="32" name="pl31"/>
-            <p:cNvSpPr/>
-            <p:nvPr/>
-          </p:nvSpPr>
-          <p:spPr>
-            <a:xfrm>
-              <a:off x="5196254" y="983989"/>
+            <p:cNvPr id="43" name="pl42"/>
+            <p:cNvSpPr/>
+            <p:nvPr/>
+          </p:nvSpPr>
+          <p:spPr>
+            <a:xfrm>
+              <a:off x="2067233" y="983989"/>
               <a:ext cx="0" cy="3185376"/>
             </a:xfrm>
             <a:custGeom>
@@ -3453,7 +3926,7 @@
                 </a:path>
               </a:pathLst>
             </a:custGeom>
-            <a:ln w="6775" cap="flat">
+            <a:ln w="13550" cap="flat">
               <a:solidFill>
                 <a:srgbClr val="FFFFFF">
                   <a:alpha val="100000"/>
@@ -3471,13 +3944,13 @@
         </p:sp>
         <p:sp>
           <p:nvSpPr>
-            <p:cNvPr id="33" name="pl32"/>
-            <p:cNvSpPr/>
-            <p:nvPr/>
-          </p:nvSpPr>
-          <p:spPr>
-            <a:xfrm>
-              <a:off x="5474390" y="983989"/>
+            <p:cNvPr id="44" name="pl43"/>
+            <p:cNvSpPr/>
+            <p:nvPr/>
+          </p:nvSpPr>
+          <p:spPr>
+            <a:xfrm>
+              <a:off x="2414902" y="983989"/>
               <a:ext cx="0" cy="3185376"/>
             </a:xfrm>
             <a:custGeom>
@@ -3496,7 +3969,7 @@
                 </a:path>
               </a:pathLst>
             </a:custGeom>
-            <a:ln w="6775" cap="flat">
+            <a:ln w="13550" cap="flat">
               <a:solidFill>
                 <a:srgbClr val="FFFFFF">
                   <a:alpha val="100000"/>
@@ -3514,486 +3987,13 @@
         </p:sp>
         <p:sp>
           <p:nvSpPr>
-            <p:cNvPr id="34" name="pl33"/>
-            <p:cNvSpPr/>
-            <p:nvPr/>
-          </p:nvSpPr>
-          <p:spPr>
-            <a:xfrm>
-              <a:off x="1531823" y="4024575"/>
-              <a:ext cx="4130307" cy="0"/>
-            </a:xfrm>
-            <a:custGeom>
-              <a:avLst/>
-              <a:pathLst>
-                <a:path w="4130307" h="0">
-                  <a:moveTo>
-                    <a:pt x="0" y="0"/>
-                  </a:moveTo>
-                  <a:lnTo>
-                    <a:pt x="4130307" y="0"/>
-                  </a:lnTo>
-                  <a:lnTo>
-                    <a:pt x="4130307" y="0"/>
-                  </a:lnTo>
-                </a:path>
-              </a:pathLst>
-            </a:custGeom>
-            <a:ln w="13550" cap="flat">
-              <a:solidFill>
-                <a:srgbClr val="FFFFFF">
-                  <a:alpha val="100000"/>
-                </a:srgbClr>
-              </a:solidFill>
-              <a:prstDash val="solid"/>
-              <a:round/>
-            </a:ln>
-          </p:spPr>
-          <p:txBody>
-            <a:bodyPr/>
-            <a:lstStyle/>
-            <a:p/>
-          </p:txBody>
-        </p:sp>
-        <p:sp>
-          <p:nvSpPr>
-            <p:cNvPr id="35" name="pl34"/>
-            <p:cNvSpPr/>
-            <p:nvPr/>
-          </p:nvSpPr>
-          <p:spPr>
-            <a:xfrm>
-              <a:off x="1531823" y="3734995"/>
-              <a:ext cx="4130307" cy="0"/>
-            </a:xfrm>
-            <a:custGeom>
-              <a:avLst/>
-              <a:pathLst>
-                <a:path w="4130307" h="0">
-                  <a:moveTo>
-                    <a:pt x="0" y="0"/>
-                  </a:moveTo>
-                  <a:lnTo>
-                    <a:pt x="4130307" y="0"/>
-                  </a:lnTo>
-                  <a:lnTo>
-                    <a:pt x="4130307" y="0"/>
-                  </a:lnTo>
-                </a:path>
-              </a:pathLst>
-            </a:custGeom>
-            <a:ln w="13550" cap="flat">
-              <a:solidFill>
-                <a:srgbClr val="FFFFFF">
-                  <a:alpha val="100000"/>
-                </a:srgbClr>
-              </a:solidFill>
-              <a:prstDash val="solid"/>
-              <a:round/>
-            </a:ln>
-          </p:spPr>
-          <p:txBody>
-            <a:bodyPr/>
-            <a:lstStyle/>
-            <a:p/>
-          </p:txBody>
-        </p:sp>
-        <p:sp>
-          <p:nvSpPr>
-            <p:cNvPr id="36" name="pl35"/>
-            <p:cNvSpPr/>
-            <p:nvPr/>
-          </p:nvSpPr>
-          <p:spPr>
-            <a:xfrm>
-              <a:off x="1531823" y="3445416"/>
-              <a:ext cx="4130307" cy="0"/>
-            </a:xfrm>
-            <a:custGeom>
-              <a:avLst/>
-              <a:pathLst>
-                <a:path w="4130307" h="0">
-                  <a:moveTo>
-                    <a:pt x="0" y="0"/>
-                  </a:moveTo>
-                  <a:lnTo>
-                    <a:pt x="4130307" y="0"/>
-                  </a:lnTo>
-                  <a:lnTo>
-                    <a:pt x="4130307" y="0"/>
-                  </a:lnTo>
-                </a:path>
-              </a:pathLst>
-            </a:custGeom>
-            <a:ln w="13550" cap="flat">
-              <a:solidFill>
-                <a:srgbClr val="FFFFFF">
-                  <a:alpha val="100000"/>
-                </a:srgbClr>
-              </a:solidFill>
-              <a:prstDash val="solid"/>
-              <a:round/>
-            </a:ln>
-          </p:spPr>
-          <p:txBody>
-            <a:bodyPr/>
-            <a:lstStyle/>
-            <a:p/>
-          </p:txBody>
-        </p:sp>
-        <p:sp>
-          <p:nvSpPr>
-            <p:cNvPr id="37" name="pl36"/>
-            <p:cNvSpPr/>
-            <p:nvPr/>
-          </p:nvSpPr>
-          <p:spPr>
-            <a:xfrm>
-              <a:off x="1531823" y="3155836"/>
-              <a:ext cx="4130307" cy="0"/>
-            </a:xfrm>
-            <a:custGeom>
-              <a:avLst/>
-              <a:pathLst>
-                <a:path w="4130307" h="0">
-                  <a:moveTo>
-                    <a:pt x="0" y="0"/>
-                  </a:moveTo>
-                  <a:lnTo>
-                    <a:pt x="4130307" y="0"/>
-                  </a:lnTo>
-                  <a:lnTo>
-                    <a:pt x="4130307" y="0"/>
-                  </a:lnTo>
-                </a:path>
-              </a:pathLst>
-            </a:custGeom>
-            <a:ln w="13550" cap="flat">
-              <a:solidFill>
-                <a:srgbClr val="FFFFFF">
-                  <a:alpha val="100000"/>
-                </a:srgbClr>
-              </a:solidFill>
-              <a:prstDash val="solid"/>
-              <a:round/>
-            </a:ln>
-          </p:spPr>
-          <p:txBody>
-            <a:bodyPr/>
-            <a:lstStyle/>
-            <a:p/>
-          </p:txBody>
-        </p:sp>
-        <p:sp>
-          <p:nvSpPr>
-            <p:cNvPr id="38" name="pl37"/>
-            <p:cNvSpPr/>
-            <p:nvPr/>
-          </p:nvSpPr>
-          <p:spPr>
-            <a:xfrm>
-              <a:off x="1531823" y="2866256"/>
-              <a:ext cx="4130307" cy="0"/>
-            </a:xfrm>
-            <a:custGeom>
-              <a:avLst/>
-              <a:pathLst>
-                <a:path w="4130307" h="0">
-                  <a:moveTo>
-                    <a:pt x="0" y="0"/>
-                  </a:moveTo>
-                  <a:lnTo>
-                    <a:pt x="4130307" y="0"/>
-                  </a:lnTo>
-                  <a:lnTo>
-                    <a:pt x="4130307" y="0"/>
-                  </a:lnTo>
-                </a:path>
-              </a:pathLst>
-            </a:custGeom>
-            <a:ln w="13550" cap="flat">
-              <a:solidFill>
-                <a:srgbClr val="FFFFFF">
-                  <a:alpha val="100000"/>
-                </a:srgbClr>
-              </a:solidFill>
-              <a:prstDash val="solid"/>
-              <a:round/>
-            </a:ln>
-          </p:spPr>
-          <p:txBody>
-            <a:bodyPr/>
-            <a:lstStyle/>
-            <a:p/>
-          </p:txBody>
-        </p:sp>
-        <p:sp>
-          <p:nvSpPr>
-            <p:cNvPr id="39" name="pl38"/>
-            <p:cNvSpPr/>
-            <p:nvPr/>
-          </p:nvSpPr>
-          <p:spPr>
-            <a:xfrm>
-              <a:off x="1531823" y="2576677"/>
-              <a:ext cx="4130307" cy="0"/>
-            </a:xfrm>
-            <a:custGeom>
-              <a:avLst/>
-              <a:pathLst>
-                <a:path w="4130307" h="0">
-                  <a:moveTo>
-                    <a:pt x="0" y="0"/>
-                  </a:moveTo>
-                  <a:lnTo>
-                    <a:pt x="4130307" y="0"/>
-                  </a:lnTo>
-                  <a:lnTo>
-                    <a:pt x="4130307" y="0"/>
-                  </a:lnTo>
-                </a:path>
-              </a:pathLst>
-            </a:custGeom>
-            <a:ln w="13550" cap="flat">
-              <a:solidFill>
-                <a:srgbClr val="FFFFFF">
-                  <a:alpha val="100000"/>
-                </a:srgbClr>
-              </a:solidFill>
-              <a:prstDash val="solid"/>
-              <a:round/>
-            </a:ln>
-          </p:spPr>
-          <p:txBody>
-            <a:bodyPr/>
-            <a:lstStyle/>
-            <a:p/>
-          </p:txBody>
-        </p:sp>
-        <p:sp>
-          <p:nvSpPr>
-            <p:cNvPr id="40" name="pl39"/>
-            <p:cNvSpPr/>
-            <p:nvPr/>
-          </p:nvSpPr>
-          <p:spPr>
-            <a:xfrm>
-              <a:off x="1531823" y="2287097"/>
-              <a:ext cx="4130307" cy="0"/>
-            </a:xfrm>
-            <a:custGeom>
-              <a:avLst/>
-              <a:pathLst>
-                <a:path w="4130307" h="0">
-                  <a:moveTo>
-                    <a:pt x="0" y="0"/>
-                  </a:moveTo>
-                  <a:lnTo>
-                    <a:pt x="4130307" y="0"/>
-                  </a:lnTo>
-                  <a:lnTo>
-                    <a:pt x="4130307" y="0"/>
-                  </a:lnTo>
-                </a:path>
-              </a:pathLst>
-            </a:custGeom>
-            <a:ln w="13550" cap="flat">
-              <a:solidFill>
-                <a:srgbClr val="FFFFFF">
-                  <a:alpha val="100000"/>
-                </a:srgbClr>
-              </a:solidFill>
-              <a:prstDash val="solid"/>
-              <a:round/>
-            </a:ln>
-          </p:spPr>
-          <p:txBody>
-            <a:bodyPr/>
-            <a:lstStyle/>
-            <a:p/>
-          </p:txBody>
-        </p:sp>
-        <p:sp>
-          <p:nvSpPr>
-            <p:cNvPr id="41" name="pl40"/>
-            <p:cNvSpPr/>
-            <p:nvPr/>
-          </p:nvSpPr>
-          <p:spPr>
-            <a:xfrm>
-              <a:off x="1531823" y="1997517"/>
-              <a:ext cx="4130307" cy="0"/>
-            </a:xfrm>
-            <a:custGeom>
-              <a:avLst/>
-              <a:pathLst>
-                <a:path w="4130307" h="0">
-                  <a:moveTo>
-                    <a:pt x="0" y="0"/>
-                  </a:moveTo>
-                  <a:lnTo>
-                    <a:pt x="4130307" y="0"/>
-                  </a:lnTo>
-                  <a:lnTo>
-                    <a:pt x="4130307" y="0"/>
-                  </a:lnTo>
-                </a:path>
-              </a:pathLst>
-            </a:custGeom>
-            <a:ln w="13550" cap="flat">
-              <a:solidFill>
-                <a:srgbClr val="FFFFFF">
-                  <a:alpha val="100000"/>
-                </a:srgbClr>
-              </a:solidFill>
-              <a:prstDash val="solid"/>
-              <a:round/>
-            </a:ln>
-          </p:spPr>
-          <p:txBody>
-            <a:bodyPr/>
-            <a:lstStyle/>
-            <a:p/>
-          </p:txBody>
-        </p:sp>
-        <p:sp>
-          <p:nvSpPr>
-            <p:cNvPr id="42" name="pl41"/>
-            <p:cNvSpPr/>
-            <p:nvPr/>
-          </p:nvSpPr>
-          <p:spPr>
-            <a:xfrm>
-              <a:off x="1531823" y="1707938"/>
-              <a:ext cx="4130307" cy="0"/>
-            </a:xfrm>
-            <a:custGeom>
-              <a:avLst/>
-              <a:pathLst>
-                <a:path w="4130307" h="0">
-                  <a:moveTo>
-                    <a:pt x="0" y="0"/>
-                  </a:moveTo>
-                  <a:lnTo>
-                    <a:pt x="4130307" y="0"/>
-                  </a:lnTo>
-                  <a:lnTo>
-                    <a:pt x="4130307" y="0"/>
-                  </a:lnTo>
-                </a:path>
-              </a:pathLst>
-            </a:custGeom>
-            <a:ln w="13550" cap="flat">
-              <a:solidFill>
-                <a:srgbClr val="FFFFFF">
-                  <a:alpha val="100000"/>
-                </a:srgbClr>
-              </a:solidFill>
-              <a:prstDash val="solid"/>
-              <a:round/>
-            </a:ln>
-          </p:spPr>
-          <p:txBody>
-            <a:bodyPr/>
-            <a:lstStyle/>
-            <a:p/>
-          </p:txBody>
-        </p:sp>
-        <p:sp>
-          <p:nvSpPr>
-            <p:cNvPr id="43" name="pl42"/>
-            <p:cNvSpPr/>
-            <p:nvPr/>
-          </p:nvSpPr>
-          <p:spPr>
-            <a:xfrm>
-              <a:off x="1531823" y="1418358"/>
-              <a:ext cx="4130307" cy="0"/>
-            </a:xfrm>
-            <a:custGeom>
-              <a:avLst/>
-              <a:pathLst>
-                <a:path w="4130307" h="0">
-                  <a:moveTo>
-                    <a:pt x="0" y="0"/>
-                  </a:moveTo>
-                  <a:lnTo>
-                    <a:pt x="4130307" y="0"/>
-                  </a:lnTo>
-                  <a:lnTo>
-                    <a:pt x="4130307" y="0"/>
-                  </a:lnTo>
-                </a:path>
-              </a:pathLst>
-            </a:custGeom>
-            <a:ln w="13550" cap="flat">
-              <a:solidFill>
-                <a:srgbClr val="FFFFFF">
-                  <a:alpha val="100000"/>
-                </a:srgbClr>
-              </a:solidFill>
-              <a:prstDash val="solid"/>
-              <a:round/>
-            </a:ln>
-          </p:spPr>
-          <p:txBody>
-            <a:bodyPr/>
-            <a:lstStyle/>
-            <a:p/>
-          </p:txBody>
-        </p:sp>
-        <p:sp>
-          <p:nvSpPr>
-            <p:cNvPr id="44" name="pl43"/>
-            <p:cNvSpPr/>
-            <p:nvPr/>
-          </p:nvSpPr>
-          <p:spPr>
-            <a:xfrm>
-              <a:off x="1531823" y="1128778"/>
-              <a:ext cx="4130307" cy="0"/>
-            </a:xfrm>
-            <a:custGeom>
-              <a:avLst/>
-              <a:pathLst>
-                <a:path w="4130307" h="0">
-                  <a:moveTo>
-                    <a:pt x="0" y="0"/>
-                  </a:moveTo>
-                  <a:lnTo>
-                    <a:pt x="4130307" y="0"/>
-                  </a:lnTo>
-                  <a:lnTo>
-                    <a:pt x="4130307" y="0"/>
-                  </a:lnTo>
-                </a:path>
-              </a:pathLst>
-            </a:custGeom>
-            <a:ln w="13550" cap="flat">
-              <a:solidFill>
-                <a:srgbClr val="FFFFFF">
-                  <a:alpha val="100000"/>
-                </a:srgbClr>
-              </a:solidFill>
-              <a:prstDash val="solid"/>
-              <a:round/>
-            </a:ln>
-          </p:spPr>
-          <p:txBody>
-            <a:bodyPr/>
-            <a:lstStyle/>
-            <a:p/>
-          </p:txBody>
-        </p:sp>
-        <p:sp>
-          <p:nvSpPr>
             <p:cNvPr id="45" name="pl44"/>
             <p:cNvSpPr/>
             <p:nvPr/>
           </p:nvSpPr>
           <p:spPr>
             <a:xfrm>
-              <a:off x="1719564" y="983989"/>
+              <a:off x="2762571" y="983989"/>
               <a:ext cx="0" cy="3185376"/>
             </a:xfrm>
             <a:custGeom>
@@ -4036,7 +4036,7 @@
           </p:nvSpPr>
           <p:spPr>
             <a:xfrm>
-              <a:off x="1997699" y="983989"/>
+              <a:off x="3110240" y="983989"/>
               <a:ext cx="0" cy="3185376"/>
             </a:xfrm>
             <a:custGeom>
@@ -4079,7 +4079,7 @@
           </p:nvSpPr>
           <p:spPr>
             <a:xfrm>
-              <a:off x="2275835" y="983989"/>
+              <a:off x="3457909" y="983989"/>
               <a:ext cx="0" cy="3185376"/>
             </a:xfrm>
             <a:custGeom>
@@ -4122,7 +4122,7 @@
           </p:nvSpPr>
           <p:spPr>
             <a:xfrm>
-              <a:off x="2553970" y="983989"/>
+              <a:off x="3805578" y="983989"/>
               <a:ext cx="0" cy="3185376"/>
             </a:xfrm>
             <a:custGeom>
@@ -4165,7 +4165,7 @@
           </p:nvSpPr>
           <p:spPr>
             <a:xfrm>
-              <a:off x="2832105" y="983989"/>
+              <a:off x="4153247" y="983989"/>
               <a:ext cx="0" cy="3185376"/>
             </a:xfrm>
             <a:custGeom>
@@ -4208,7 +4208,7 @@
           </p:nvSpPr>
           <p:spPr>
             <a:xfrm>
-              <a:off x="3110240" y="983989"/>
+              <a:off x="4500916" y="983989"/>
               <a:ext cx="0" cy="3185376"/>
             </a:xfrm>
             <a:custGeom>
@@ -4251,7 +4251,7 @@
           </p:nvSpPr>
           <p:spPr>
             <a:xfrm>
-              <a:off x="3388375" y="983989"/>
+              <a:off x="4848585" y="983989"/>
               <a:ext cx="0" cy="3185376"/>
             </a:xfrm>
             <a:custGeom>
@@ -4294,7 +4294,7 @@
           </p:nvSpPr>
           <p:spPr>
             <a:xfrm>
-              <a:off x="3666511" y="983989"/>
+              <a:off x="5196254" y="983989"/>
               <a:ext cx="0" cy="3185376"/>
             </a:xfrm>
             <a:custGeom>
@@ -4337,7 +4337,7 @@
           </p:nvSpPr>
           <p:spPr>
             <a:xfrm>
-              <a:off x="3944646" y="983989"/>
+              <a:off x="5543923" y="983989"/>
               <a:ext cx="0" cy="3185376"/>
             </a:xfrm>
             <a:custGeom>
@@ -4380,264 +4380,6 @@
           </p:nvSpPr>
           <p:spPr>
             <a:xfrm>
-              <a:off x="4222781" y="983989"/>
-              <a:ext cx="0" cy="3185376"/>
-            </a:xfrm>
-            <a:custGeom>
-              <a:avLst/>
-              <a:pathLst>
-                <a:path w="0" h="3185376">
-                  <a:moveTo>
-                    <a:pt x="0" y="3185376"/>
-                  </a:moveTo>
-                  <a:lnTo>
-                    <a:pt x="0" y="0"/>
-                  </a:lnTo>
-                  <a:lnTo>
-                    <a:pt x="0" y="0"/>
-                  </a:lnTo>
-                </a:path>
-              </a:pathLst>
-            </a:custGeom>
-            <a:ln w="13550" cap="flat">
-              <a:solidFill>
-                <a:srgbClr val="FFFFFF">
-                  <a:alpha val="100000"/>
-                </a:srgbClr>
-              </a:solidFill>
-              <a:prstDash val="solid"/>
-              <a:round/>
-            </a:ln>
-          </p:spPr>
-          <p:txBody>
-            <a:bodyPr/>
-            <a:lstStyle/>
-            <a:p/>
-          </p:txBody>
-        </p:sp>
-        <p:sp>
-          <p:nvSpPr>
-            <p:cNvPr id="55" name="pl54"/>
-            <p:cNvSpPr/>
-            <p:nvPr/>
-          </p:nvSpPr>
-          <p:spPr>
-            <a:xfrm>
-              <a:off x="4500916" y="983989"/>
-              <a:ext cx="0" cy="3185376"/>
-            </a:xfrm>
-            <a:custGeom>
-              <a:avLst/>
-              <a:pathLst>
-                <a:path w="0" h="3185376">
-                  <a:moveTo>
-                    <a:pt x="0" y="3185376"/>
-                  </a:moveTo>
-                  <a:lnTo>
-                    <a:pt x="0" y="0"/>
-                  </a:lnTo>
-                  <a:lnTo>
-                    <a:pt x="0" y="0"/>
-                  </a:lnTo>
-                </a:path>
-              </a:pathLst>
-            </a:custGeom>
-            <a:ln w="13550" cap="flat">
-              <a:solidFill>
-                <a:srgbClr val="FFFFFF">
-                  <a:alpha val="100000"/>
-                </a:srgbClr>
-              </a:solidFill>
-              <a:prstDash val="solid"/>
-              <a:round/>
-            </a:ln>
-          </p:spPr>
-          <p:txBody>
-            <a:bodyPr/>
-            <a:lstStyle/>
-            <a:p/>
-          </p:txBody>
-        </p:sp>
-        <p:sp>
-          <p:nvSpPr>
-            <p:cNvPr id="56" name="pl55"/>
-            <p:cNvSpPr/>
-            <p:nvPr/>
-          </p:nvSpPr>
-          <p:spPr>
-            <a:xfrm>
-              <a:off x="4779052" y="983989"/>
-              <a:ext cx="0" cy="3185376"/>
-            </a:xfrm>
-            <a:custGeom>
-              <a:avLst/>
-              <a:pathLst>
-                <a:path w="0" h="3185376">
-                  <a:moveTo>
-                    <a:pt x="0" y="3185376"/>
-                  </a:moveTo>
-                  <a:lnTo>
-                    <a:pt x="0" y="0"/>
-                  </a:lnTo>
-                  <a:lnTo>
-                    <a:pt x="0" y="0"/>
-                  </a:lnTo>
-                </a:path>
-              </a:pathLst>
-            </a:custGeom>
-            <a:ln w="13550" cap="flat">
-              <a:solidFill>
-                <a:srgbClr val="FFFFFF">
-                  <a:alpha val="100000"/>
-                </a:srgbClr>
-              </a:solidFill>
-              <a:prstDash val="solid"/>
-              <a:round/>
-            </a:ln>
-          </p:spPr>
-          <p:txBody>
-            <a:bodyPr/>
-            <a:lstStyle/>
-            <a:p/>
-          </p:txBody>
-        </p:sp>
-        <p:sp>
-          <p:nvSpPr>
-            <p:cNvPr id="57" name="pl56"/>
-            <p:cNvSpPr/>
-            <p:nvPr/>
-          </p:nvSpPr>
-          <p:spPr>
-            <a:xfrm>
-              <a:off x="5057187" y="983989"/>
-              <a:ext cx="0" cy="3185376"/>
-            </a:xfrm>
-            <a:custGeom>
-              <a:avLst/>
-              <a:pathLst>
-                <a:path w="0" h="3185376">
-                  <a:moveTo>
-                    <a:pt x="0" y="3185376"/>
-                  </a:moveTo>
-                  <a:lnTo>
-                    <a:pt x="0" y="0"/>
-                  </a:lnTo>
-                  <a:lnTo>
-                    <a:pt x="0" y="0"/>
-                  </a:lnTo>
-                </a:path>
-              </a:pathLst>
-            </a:custGeom>
-            <a:ln w="13550" cap="flat">
-              <a:solidFill>
-                <a:srgbClr val="FFFFFF">
-                  <a:alpha val="100000"/>
-                </a:srgbClr>
-              </a:solidFill>
-              <a:prstDash val="solid"/>
-              <a:round/>
-            </a:ln>
-          </p:spPr>
-          <p:txBody>
-            <a:bodyPr/>
-            <a:lstStyle/>
-            <a:p/>
-          </p:txBody>
-        </p:sp>
-        <p:sp>
-          <p:nvSpPr>
-            <p:cNvPr id="58" name="pl57"/>
-            <p:cNvSpPr/>
-            <p:nvPr/>
-          </p:nvSpPr>
-          <p:spPr>
-            <a:xfrm>
-              <a:off x="5335322" y="983989"/>
-              <a:ext cx="0" cy="3185376"/>
-            </a:xfrm>
-            <a:custGeom>
-              <a:avLst/>
-              <a:pathLst>
-                <a:path w="0" h="3185376">
-                  <a:moveTo>
-                    <a:pt x="0" y="3185376"/>
-                  </a:moveTo>
-                  <a:lnTo>
-                    <a:pt x="0" y="0"/>
-                  </a:lnTo>
-                  <a:lnTo>
-                    <a:pt x="0" y="0"/>
-                  </a:lnTo>
-                </a:path>
-              </a:pathLst>
-            </a:custGeom>
-            <a:ln w="13550" cap="flat">
-              <a:solidFill>
-                <a:srgbClr val="FFFFFF">
-                  <a:alpha val="100000"/>
-                </a:srgbClr>
-              </a:solidFill>
-              <a:prstDash val="solid"/>
-              <a:round/>
-            </a:ln>
-          </p:spPr>
-          <p:txBody>
-            <a:bodyPr/>
-            <a:lstStyle/>
-            <a:p/>
-          </p:txBody>
-        </p:sp>
-        <p:sp>
-          <p:nvSpPr>
-            <p:cNvPr id="59" name="pl58"/>
-            <p:cNvSpPr/>
-            <p:nvPr/>
-          </p:nvSpPr>
-          <p:spPr>
-            <a:xfrm>
-              <a:off x="5613457" y="983989"/>
-              <a:ext cx="0" cy="3185376"/>
-            </a:xfrm>
-            <a:custGeom>
-              <a:avLst/>
-              <a:pathLst>
-                <a:path w="0" h="3185376">
-                  <a:moveTo>
-                    <a:pt x="0" y="3185376"/>
-                  </a:moveTo>
-                  <a:lnTo>
-                    <a:pt x="0" y="0"/>
-                  </a:lnTo>
-                  <a:lnTo>
-                    <a:pt x="0" y="0"/>
-                  </a:lnTo>
-                </a:path>
-              </a:pathLst>
-            </a:custGeom>
-            <a:ln w="13550" cap="flat">
-              <a:solidFill>
-                <a:srgbClr val="FFFFFF">
-                  <a:alpha val="100000"/>
-                </a:srgbClr>
-              </a:solidFill>
-              <a:prstDash val="solid"/>
-              <a:round/>
-            </a:ln>
-          </p:spPr>
-          <p:txBody>
-            <a:bodyPr/>
-            <a:lstStyle/>
-            <a:p/>
-          </p:txBody>
-        </p:sp>
-        <p:sp>
-          <p:nvSpPr>
-            <p:cNvPr id="60" name="pl59"/>
-            <p:cNvSpPr/>
-            <p:nvPr/>
-          </p:nvSpPr>
-          <p:spPr>
-            <a:xfrm>
               <a:off x="1719564" y="1128778"/>
               <a:ext cx="3754825" cy="1032834"/>
             </a:xfrm>
@@ -4819,7 +4561,7 @@
         </p:sp>
         <p:sp>
           <p:nvSpPr>
-            <p:cNvPr id="61" name="tx60"/>
+            <p:cNvPr id="55" name="tx54"/>
             <p:cNvSpPr/>
             <p:nvPr/>
           </p:nvSpPr>
@@ -4865,7 +4607,7 @@
         </p:sp>
         <p:sp>
           <p:nvSpPr>
-            <p:cNvPr id="62" name="tx61"/>
+            <p:cNvPr id="56" name="tx55"/>
             <p:cNvSpPr/>
             <p:nvPr/>
           </p:nvSpPr>
@@ -4911,7 +4653,7 @@
         </p:sp>
         <p:sp>
           <p:nvSpPr>
-            <p:cNvPr id="63" name="tx62"/>
+            <p:cNvPr id="57" name="tx56"/>
             <p:cNvSpPr/>
             <p:nvPr/>
           </p:nvSpPr>
@@ -4957,7 +4699,7 @@
         </p:sp>
         <p:sp>
           <p:nvSpPr>
-            <p:cNvPr id="64" name="tx63"/>
+            <p:cNvPr id="58" name="tx57"/>
             <p:cNvSpPr/>
             <p:nvPr/>
           </p:nvSpPr>
@@ -5003,7 +4745,7 @@
         </p:sp>
         <p:sp>
           <p:nvSpPr>
-            <p:cNvPr id="65" name="tx64"/>
+            <p:cNvPr id="59" name="tx58"/>
             <p:cNvSpPr/>
             <p:nvPr/>
           </p:nvSpPr>
@@ -5049,7 +4791,7 @@
         </p:sp>
         <p:sp>
           <p:nvSpPr>
-            <p:cNvPr id="66" name="tx65"/>
+            <p:cNvPr id="60" name="tx59"/>
             <p:cNvSpPr/>
             <p:nvPr/>
           </p:nvSpPr>
@@ -5095,7 +4837,7 @@
         </p:sp>
         <p:sp>
           <p:nvSpPr>
-            <p:cNvPr id="67" name="tx66"/>
+            <p:cNvPr id="61" name="tx60"/>
             <p:cNvSpPr/>
             <p:nvPr/>
           </p:nvSpPr>
@@ -5141,7 +4883,7 @@
         </p:sp>
         <p:sp>
           <p:nvSpPr>
-            <p:cNvPr id="68" name="tx67"/>
+            <p:cNvPr id="62" name="tx61"/>
             <p:cNvSpPr/>
             <p:nvPr/>
           </p:nvSpPr>
@@ -5187,7 +4929,7 @@
         </p:sp>
         <p:sp>
           <p:nvSpPr>
-            <p:cNvPr id="69" name="tx68"/>
+            <p:cNvPr id="63" name="tx62"/>
             <p:cNvSpPr/>
             <p:nvPr/>
           </p:nvSpPr>
@@ -5233,7 +4975,7 @@
         </p:sp>
         <p:sp>
           <p:nvSpPr>
-            <p:cNvPr id="70" name="tx69"/>
+            <p:cNvPr id="64" name="tx63"/>
             <p:cNvSpPr/>
             <p:nvPr/>
           </p:nvSpPr>
@@ -5279,7 +5021,7 @@
         </p:sp>
         <p:sp>
           <p:nvSpPr>
-            <p:cNvPr id="71" name="tx70"/>
+            <p:cNvPr id="65" name="tx64"/>
             <p:cNvSpPr/>
             <p:nvPr/>
           </p:nvSpPr>
@@ -5325,7 +5067,7 @@
         </p:sp>
         <p:sp>
           <p:nvSpPr>
-            <p:cNvPr id="72" name="tx71"/>
+            <p:cNvPr id="66" name="tx65"/>
             <p:cNvSpPr/>
             <p:nvPr/>
           </p:nvSpPr>
@@ -5371,7 +5113,7 @@
         </p:sp>
         <p:sp>
           <p:nvSpPr>
-            <p:cNvPr id="73" name="pl72"/>
+            <p:cNvPr id="67" name="pl66"/>
             <p:cNvSpPr/>
             <p:nvPr/>
           </p:nvSpPr>
@@ -5411,7 +5153,7 @@
         </p:sp>
         <p:sp>
           <p:nvSpPr>
-            <p:cNvPr id="74" name="pl73"/>
+            <p:cNvPr id="68" name="pl67"/>
             <p:cNvSpPr/>
             <p:nvPr/>
           </p:nvSpPr>
@@ -5451,7 +5193,7 @@
         </p:sp>
         <p:sp>
           <p:nvSpPr>
-            <p:cNvPr id="75" name="pl74"/>
+            <p:cNvPr id="69" name="pl68"/>
             <p:cNvSpPr/>
             <p:nvPr/>
           </p:nvSpPr>
@@ -5491,7 +5233,7 @@
         </p:sp>
         <p:sp>
           <p:nvSpPr>
-            <p:cNvPr id="76" name="pl75"/>
+            <p:cNvPr id="70" name="pl69"/>
             <p:cNvSpPr/>
             <p:nvPr/>
           </p:nvSpPr>
@@ -5531,7 +5273,7 @@
         </p:sp>
         <p:sp>
           <p:nvSpPr>
-            <p:cNvPr id="77" name="pl76"/>
+            <p:cNvPr id="71" name="pl70"/>
             <p:cNvSpPr/>
             <p:nvPr/>
           </p:nvSpPr>
@@ -5571,7 +5313,7 @@
         </p:sp>
         <p:sp>
           <p:nvSpPr>
-            <p:cNvPr id="78" name="pl77"/>
+            <p:cNvPr id="72" name="pl71"/>
             <p:cNvSpPr/>
             <p:nvPr/>
           </p:nvSpPr>
@@ -5611,7 +5353,7 @@
         </p:sp>
         <p:sp>
           <p:nvSpPr>
-            <p:cNvPr id="79" name="pl78"/>
+            <p:cNvPr id="73" name="pl72"/>
             <p:cNvSpPr/>
             <p:nvPr/>
           </p:nvSpPr>
@@ -5651,7 +5393,7 @@
         </p:sp>
         <p:sp>
           <p:nvSpPr>
-            <p:cNvPr id="80" name="pl79"/>
+            <p:cNvPr id="74" name="pl73"/>
             <p:cNvSpPr/>
             <p:nvPr/>
           </p:nvSpPr>
@@ -5691,7 +5433,7 @@
         </p:sp>
         <p:sp>
           <p:nvSpPr>
-            <p:cNvPr id="81" name="pl80"/>
+            <p:cNvPr id="75" name="pl74"/>
             <p:cNvSpPr/>
             <p:nvPr/>
           </p:nvSpPr>
@@ -5731,7 +5473,7 @@
         </p:sp>
         <p:sp>
           <p:nvSpPr>
-            <p:cNvPr id="82" name="pl81"/>
+            <p:cNvPr id="76" name="pl75"/>
             <p:cNvSpPr/>
             <p:nvPr/>
           </p:nvSpPr>
@@ -5771,7 +5513,7 @@
         </p:sp>
         <p:sp>
           <p:nvSpPr>
-            <p:cNvPr id="83" name="pl82"/>
+            <p:cNvPr id="77" name="pl76"/>
             <p:cNvSpPr/>
             <p:nvPr/>
           </p:nvSpPr>
@@ -5811,7 +5553,7 @@
         </p:sp>
         <p:sp>
           <p:nvSpPr>
-            <p:cNvPr id="84" name="pl83"/>
+            <p:cNvPr id="78" name="pl77"/>
             <p:cNvSpPr/>
             <p:nvPr/>
           </p:nvSpPr>
@@ -5851,13 +5593,13 @@
         </p:sp>
         <p:sp>
           <p:nvSpPr>
-            <p:cNvPr id="85" name="pl84"/>
-            <p:cNvSpPr/>
-            <p:nvPr/>
-          </p:nvSpPr>
-          <p:spPr>
-            <a:xfrm>
-              <a:off x="1997699" y="4169365"/>
+            <p:cNvPr id="79" name="pl78"/>
+            <p:cNvSpPr/>
+            <p:nvPr/>
+          </p:nvSpPr>
+          <p:spPr>
+            <a:xfrm>
+              <a:off x="2067233" y="4169365"/>
               <a:ext cx="0" cy="34794"/>
             </a:xfrm>
             <a:custGeom>
@@ -5891,13 +5633,13 @@
         </p:sp>
         <p:sp>
           <p:nvSpPr>
-            <p:cNvPr id="86" name="pl85"/>
-            <p:cNvSpPr/>
-            <p:nvPr/>
-          </p:nvSpPr>
-          <p:spPr>
-            <a:xfrm>
-              <a:off x="2275835" y="4169365"/>
+            <p:cNvPr id="80" name="pl79"/>
+            <p:cNvSpPr/>
+            <p:nvPr/>
+          </p:nvSpPr>
+          <p:spPr>
+            <a:xfrm>
+              <a:off x="2414902" y="4169365"/>
               <a:ext cx="0" cy="34794"/>
             </a:xfrm>
             <a:custGeom>
@@ -5931,13 +5673,13 @@
         </p:sp>
         <p:sp>
           <p:nvSpPr>
-            <p:cNvPr id="87" name="pl86"/>
-            <p:cNvSpPr/>
-            <p:nvPr/>
-          </p:nvSpPr>
-          <p:spPr>
-            <a:xfrm>
-              <a:off x="2553970" y="4169365"/>
+            <p:cNvPr id="81" name="pl80"/>
+            <p:cNvSpPr/>
+            <p:nvPr/>
+          </p:nvSpPr>
+          <p:spPr>
+            <a:xfrm>
+              <a:off x="2762571" y="4169365"/>
               <a:ext cx="0" cy="34794"/>
             </a:xfrm>
             <a:custGeom>
@@ -5971,13 +5713,13 @@
         </p:sp>
         <p:sp>
           <p:nvSpPr>
-            <p:cNvPr id="88" name="pl87"/>
-            <p:cNvSpPr/>
-            <p:nvPr/>
-          </p:nvSpPr>
-          <p:spPr>
-            <a:xfrm>
-              <a:off x="2832105" y="4169365"/>
+            <p:cNvPr id="82" name="pl81"/>
+            <p:cNvSpPr/>
+            <p:nvPr/>
+          </p:nvSpPr>
+          <p:spPr>
+            <a:xfrm>
+              <a:off x="3110240" y="4169365"/>
               <a:ext cx="0" cy="34794"/>
             </a:xfrm>
             <a:custGeom>
@@ -6011,13 +5753,13 @@
         </p:sp>
         <p:sp>
           <p:nvSpPr>
-            <p:cNvPr id="89" name="pl88"/>
-            <p:cNvSpPr/>
-            <p:nvPr/>
-          </p:nvSpPr>
-          <p:spPr>
-            <a:xfrm>
-              <a:off x="3110240" y="4169365"/>
+            <p:cNvPr id="83" name="pl82"/>
+            <p:cNvSpPr/>
+            <p:nvPr/>
+          </p:nvSpPr>
+          <p:spPr>
+            <a:xfrm>
+              <a:off x="3457909" y="4169365"/>
               <a:ext cx="0" cy="34794"/>
             </a:xfrm>
             <a:custGeom>
@@ -6051,13 +5793,13 @@
         </p:sp>
         <p:sp>
           <p:nvSpPr>
-            <p:cNvPr id="90" name="pl89"/>
-            <p:cNvSpPr/>
-            <p:nvPr/>
-          </p:nvSpPr>
-          <p:spPr>
-            <a:xfrm>
-              <a:off x="3388375" y="4169365"/>
+            <p:cNvPr id="84" name="pl83"/>
+            <p:cNvSpPr/>
+            <p:nvPr/>
+          </p:nvSpPr>
+          <p:spPr>
+            <a:xfrm>
+              <a:off x="3805578" y="4169365"/>
               <a:ext cx="0" cy="34794"/>
             </a:xfrm>
             <a:custGeom>
@@ -6091,13 +5833,13 @@
         </p:sp>
         <p:sp>
           <p:nvSpPr>
-            <p:cNvPr id="91" name="pl90"/>
-            <p:cNvSpPr/>
-            <p:nvPr/>
-          </p:nvSpPr>
-          <p:spPr>
-            <a:xfrm>
-              <a:off x="3666511" y="4169365"/>
+            <p:cNvPr id="85" name="pl84"/>
+            <p:cNvSpPr/>
+            <p:nvPr/>
+          </p:nvSpPr>
+          <p:spPr>
+            <a:xfrm>
+              <a:off x="4153247" y="4169365"/>
               <a:ext cx="0" cy="34794"/>
             </a:xfrm>
             <a:custGeom>
@@ -6131,13 +5873,13 @@
         </p:sp>
         <p:sp>
           <p:nvSpPr>
-            <p:cNvPr id="92" name="pl91"/>
-            <p:cNvSpPr/>
-            <p:nvPr/>
-          </p:nvSpPr>
-          <p:spPr>
-            <a:xfrm>
-              <a:off x="3944646" y="4169365"/>
+            <p:cNvPr id="86" name="pl85"/>
+            <p:cNvSpPr/>
+            <p:nvPr/>
+          </p:nvSpPr>
+          <p:spPr>
+            <a:xfrm>
+              <a:off x="4500916" y="4169365"/>
               <a:ext cx="0" cy="34794"/>
             </a:xfrm>
             <a:custGeom>
@@ -6171,13 +5913,13 @@
         </p:sp>
         <p:sp>
           <p:nvSpPr>
-            <p:cNvPr id="93" name="pl92"/>
-            <p:cNvSpPr/>
-            <p:nvPr/>
-          </p:nvSpPr>
-          <p:spPr>
-            <a:xfrm>
-              <a:off x="4222781" y="4169365"/>
+            <p:cNvPr id="87" name="pl86"/>
+            <p:cNvSpPr/>
+            <p:nvPr/>
+          </p:nvSpPr>
+          <p:spPr>
+            <a:xfrm>
+              <a:off x="4848585" y="4169365"/>
               <a:ext cx="0" cy="34794"/>
             </a:xfrm>
             <a:custGeom>
@@ -6211,13 +5953,13 @@
         </p:sp>
         <p:sp>
           <p:nvSpPr>
-            <p:cNvPr id="94" name="pl93"/>
-            <p:cNvSpPr/>
-            <p:nvPr/>
-          </p:nvSpPr>
-          <p:spPr>
-            <a:xfrm>
-              <a:off x="4500916" y="4169365"/>
+            <p:cNvPr id="88" name="pl87"/>
+            <p:cNvSpPr/>
+            <p:nvPr/>
+          </p:nvSpPr>
+          <p:spPr>
+            <a:xfrm>
+              <a:off x="5196254" y="4169365"/>
               <a:ext cx="0" cy="34794"/>
             </a:xfrm>
             <a:custGeom>
@@ -6251,13 +5993,13 @@
         </p:sp>
         <p:sp>
           <p:nvSpPr>
-            <p:cNvPr id="95" name="pl94"/>
-            <p:cNvSpPr/>
-            <p:nvPr/>
-          </p:nvSpPr>
-          <p:spPr>
-            <a:xfrm>
-              <a:off x="4779052" y="4169365"/>
+            <p:cNvPr id="89" name="pl88"/>
+            <p:cNvSpPr/>
+            <p:nvPr/>
+          </p:nvSpPr>
+          <p:spPr>
+            <a:xfrm>
+              <a:off x="5543923" y="4169365"/>
               <a:ext cx="0" cy="34794"/>
             </a:xfrm>
             <a:custGeom>
@@ -6291,127 +6033,7 @@
         </p:sp>
         <p:sp>
           <p:nvSpPr>
-            <p:cNvPr id="96" name="pl95"/>
-            <p:cNvSpPr/>
-            <p:nvPr/>
-          </p:nvSpPr>
-          <p:spPr>
-            <a:xfrm>
-              <a:off x="5057187" y="4169365"/>
-              <a:ext cx="0" cy="34794"/>
-            </a:xfrm>
-            <a:custGeom>
-              <a:avLst/>
-              <a:pathLst>
-                <a:path w="0" h="34794">
-                  <a:moveTo>
-                    <a:pt x="0" y="34794"/>
-                  </a:moveTo>
-                  <a:lnTo>
-                    <a:pt x="0" y="0"/>
-                  </a:lnTo>
-                </a:path>
-              </a:pathLst>
-            </a:custGeom>
-            <a:ln w="13550" cap="flat">
-              <a:solidFill>
-                <a:srgbClr val="000000">
-                  <a:alpha val="100000"/>
-                </a:srgbClr>
-              </a:solidFill>
-              <a:prstDash val="solid"/>
-              <a:round/>
-            </a:ln>
-          </p:spPr>
-          <p:txBody>
-            <a:bodyPr/>
-            <a:lstStyle/>
-            <a:p/>
-          </p:txBody>
-        </p:sp>
-        <p:sp>
-          <p:nvSpPr>
-            <p:cNvPr id="97" name="pl96"/>
-            <p:cNvSpPr/>
-            <p:nvPr/>
-          </p:nvSpPr>
-          <p:spPr>
-            <a:xfrm>
-              <a:off x="5335322" y="4169365"/>
-              <a:ext cx="0" cy="34794"/>
-            </a:xfrm>
-            <a:custGeom>
-              <a:avLst/>
-              <a:pathLst>
-                <a:path w="0" h="34794">
-                  <a:moveTo>
-                    <a:pt x="0" y="34794"/>
-                  </a:moveTo>
-                  <a:lnTo>
-                    <a:pt x="0" y="0"/>
-                  </a:lnTo>
-                </a:path>
-              </a:pathLst>
-            </a:custGeom>
-            <a:ln w="13550" cap="flat">
-              <a:solidFill>
-                <a:srgbClr val="000000">
-                  <a:alpha val="100000"/>
-                </a:srgbClr>
-              </a:solidFill>
-              <a:prstDash val="solid"/>
-              <a:round/>
-            </a:ln>
-          </p:spPr>
-          <p:txBody>
-            <a:bodyPr/>
-            <a:lstStyle/>
-            <a:p/>
-          </p:txBody>
-        </p:sp>
-        <p:sp>
-          <p:nvSpPr>
-            <p:cNvPr id="98" name="pl97"/>
-            <p:cNvSpPr/>
-            <p:nvPr/>
-          </p:nvSpPr>
-          <p:spPr>
-            <a:xfrm>
-              <a:off x="5613457" y="4169365"/>
-              <a:ext cx="0" cy="34794"/>
-            </a:xfrm>
-            <a:custGeom>
-              <a:avLst/>
-              <a:pathLst>
-                <a:path w="0" h="34794">
-                  <a:moveTo>
-                    <a:pt x="0" y="34794"/>
-                  </a:moveTo>
-                  <a:lnTo>
-                    <a:pt x="0" y="0"/>
-                  </a:lnTo>
-                </a:path>
-              </a:pathLst>
-            </a:custGeom>
-            <a:ln w="13550" cap="flat">
-              <a:solidFill>
-                <a:srgbClr val="000000">
-                  <a:alpha val="100000"/>
-                </a:srgbClr>
-              </a:solidFill>
-              <a:prstDash val="solid"/>
-              <a:round/>
-            </a:ln>
-          </p:spPr>
-          <p:txBody>
-            <a:bodyPr/>
-            <a:lstStyle/>
-            <a:p/>
-          </p:txBody>
-        </p:sp>
-        <p:sp>
-          <p:nvSpPr>
-            <p:cNvPr id="99" name="tx98"/>
+            <p:cNvPr id="90" name="tx89"/>
             <p:cNvSpPr/>
             <p:nvPr/>
           </p:nvSpPr>
@@ -6457,14 +6079,14 @@
         </p:sp>
         <p:sp>
           <p:nvSpPr>
-            <p:cNvPr id="100" name="tx99"/>
-            <p:cNvSpPr/>
-            <p:nvPr/>
-          </p:nvSpPr>
-          <p:spPr>
-            <a:xfrm>
-              <a:off x="1962147" y="4231995"/>
-              <a:ext cx="71105" cy="81473"/>
+            <p:cNvPr id="91" name="tx90"/>
+            <p:cNvSpPr/>
+            <p:nvPr/>
+          </p:nvSpPr>
+          <p:spPr>
+            <a:xfrm>
+              <a:off x="2031681" y="4230412"/>
+              <a:ext cx="71105" cy="83056"/>
             </a:xfrm>
             <a:prstGeom prst="rect">
               <a:avLst/>
@@ -6496,21 +6118,21 @@
                   <a:latin typeface="DejaVu Sans"/>
                   <a:cs typeface="DejaVu Sans"/>
                 </a:rPr>
-                <a:t>4</a:t>
+                <a:t>5</a:t>
               </a:r>
             </a:p>
           </p:txBody>
         </p:sp>
         <p:sp>
           <p:nvSpPr>
-            <p:cNvPr id="101" name="tx100"/>
-            <p:cNvSpPr/>
-            <p:nvPr/>
-          </p:nvSpPr>
-          <p:spPr>
-            <a:xfrm>
-              <a:off x="2240282" y="4228939"/>
-              <a:ext cx="71105" cy="84529"/>
+            <p:cNvPr id="92" name="tx91"/>
+            <p:cNvSpPr/>
+            <p:nvPr/>
+          </p:nvSpPr>
+          <p:spPr>
+            <a:xfrm>
+              <a:off x="2343797" y="4228939"/>
+              <a:ext cx="142210" cy="84529"/>
             </a:xfrm>
             <a:prstGeom prst="rect">
               <a:avLst/>
@@ -6542,21 +6164,21 @@
                   <a:latin typeface="DejaVu Sans"/>
                   <a:cs typeface="DejaVu Sans"/>
                 </a:rPr>
-                <a:t>8</a:t>
+                <a:t>10</a:t>
               </a:r>
             </a:p>
           </p:txBody>
         </p:sp>
         <p:sp>
           <p:nvSpPr>
-            <p:cNvPr id="102" name="tx101"/>
-            <p:cNvSpPr/>
-            <p:nvPr/>
-          </p:nvSpPr>
-          <p:spPr>
-            <a:xfrm>
-              <a:off x="2482865" y="4230522"/>
-              <a:ext cx="142210" cy="82946"/>
+            <p:cNvPr id="93" name="tx92"/>
+            <p:cNvSpPr/>
+            <p:nvPr/>
+          </p:nvSpPr>
+          <p:spPr>
+            <a:xfrm>
+              <a:off x="2691466" y="4230412"/>
+              <a:ext cx="142210" cy="83056"/>
             </a:xfrm>
             <a:prstGeom prst="rect">
               <a:avLst/>
@@ -6588,60 +6210,14 @@
                   <a:latin typeface="DejaVu Sans"/>
                   <a:cs typeface="DejaVu Sans"/>
                 </a:rPr>
-                <a:t>12</a:t>
+                <a:t>15</a:t>
               </a:r>
             </a:p>
           </p:txBody>
         </p:sp>
         <p:sp>
           <p:nvSpPr>
-            <p:cNvPr id="103" name="tx102"/>
-            <p:cNvSpPr/>
-            <p:nvPr/>
-          </p:nvSpPr>
-          <p:spPr>
-            <a:xfrm>
-              <a:off x="2761000" y="4228939"/>
-              <a:ext cx="142210" cy="84529"/>
-            </a:xfrm>
-            <a:prstGeom prst="rect">
-              <a:avLst/>
-            </a:prstGeom>
-            <a:noFill/>
-          </p:spPr>
-          <p:txBody>
-            <a:bodyPr lIns="0" rIns="0" tIns="0" bIns="0" anchorCtr="1" anchor="ctr" wrap="none"/>
-            <a:lstStyle/>
-            <a:p>
-              <a:pPr algn="l" marL="0" marR="0" indent="0">
-                <a:lnSpc>
-                  <a:spcPts val="880"/>
-                </a:lnSpc>
-                <a:spcBef>
-                  <a:spcPts val="0"/>
-                </a:spcBef>
-                <a:spcAft>
-                  <a:spcPts val="0"/>
-                </a:spcAft>
-              </a:pPr>
-              <a:r>
-                <a:rPr sz="880">
-                  <a:solidFill>
-                    <a:srgbClr val="4D4D4D">
-                      <a:alpha val="100000"/>
-                    </a:srgbClr>
-                  </a:solidFill>
-                  <a:latin typeface="DejaVu Sans"/>
-                  <a:cs typeface="DejaVu Sans"/>
-                </a:rPr>
-                <a:t>16</a:t>
-              </a:r>
-            </a:p>
-          </p:txBody>
-        </p:sp>
-        <p:sp>
-          <p:nvSpPr>
-            <p:cNvPr id="104" name="tx103"/>
+            <p:cNvPr id="94" name="tx93"/>
             <p:cNvSpPr/>
             <p:nvPr/>
           </p:nvSpPr>
@@ -6687,14 +6263,14 @@
         </p:sp>
         <p:sp>
           <p:nvSpPr>
-            <p:cNvPr id="105" name="tx104"/>
-            <p:cNvSpPr/>
-            <p:nvPr/>
-          </p:nvSpPr>
-          <p:spPr>
-            <a:xfrm>
-              <a:off x="3317270" y="4230522"/>
-              <a:ext cx="142210" cy="82946"/>
+            <p:cNvPr id="95" name="tx94"/>
+            <p:cNvSpPr/>
+            <p:nvPr/>
+          </p:nvSpPr>
+          <p:spPr>
+            <a:xfrm>
+              <a:off x="3386804" y="4228939"/>
+              <a:ext cx="142210" cy="84529"/>
             </a:xfrm>
             <a:prstGeom prst="rect">
               <a:avLst/>
@@ -6726,20 +6302,20 @@
                   <a:latin typeface="DejaVu Sans"/>
                   <a:cs typeface="DejaVu Sans"/>
                 </a:rPr>
-                <a:t>24</a:t>
+                <a:t>25</a:t>
               </a:r>
             </a:p>
           </p:txBody>
         </p:sp>
         <p:sp>
           <p:nvSpPr>
-            <p:cNvPr id="106" name="tx105"/>
-            <p:cNvSpPr/>
-            <p:nvPr/>
-          </p:nvSpPr>
-          <p:spPr>
-            <a:xfrm>
-              <a:off x="3595406" y="4228939"/>
+            <p:cNvPr id="96" name="tx95"/>
+            <p:cNvSpPr/>
+            <p:nvPr/>
+          </p:nvSpPr>
+          <p:spPr>
+            <a:xfrm>
+              <a:off x="3734473" y="4228939"/>
               <a:ext cx="142210" cy="84529"/>
             </a:xfrm>
             <a:prstGeom prst="rect">
@@ -6772,20 +6348,20 @@
                   <a:latin typeface="DejaVu Sans"/>
                   <a:cs typeface="DejaVu Sans"/>
                 </a:rPr>
-                <a:t>28</a:t>
+                <a:t>30</a:t>
               </a:r>
             </a:p>
           </p:txBody>
         </p:sp>
         <p:sp>
           <p:nvSpPr>
-            <p:cNvPr id="107" name="tx106"/>
-            <p:cNvSpPr/>
-            <p:nvPr/>
-          </p:nvSpPr>
-          <p:spPr>
-            <a:xfrm>
-              <a:off x="3873541" y="4228939"/>
+            <p:cNvPr id="97" name="tx96"/>
+            <p:cNvSpPr/>
+            <p:nvPr/>
+          </p:nvSpPr>
+          <p:spPr>
+            <a:xfrm>
+              <a:off x="4082142" y="4228939"/>
               <a:ext cx="142210" cy="84529"/>
             </a:xfrm>
             <a:prstGeom prst="rect">
@@ -6818,60 +6394,14 @@
                   <a:latin typeface="DejaVu Sans"/>
                   <a:cs typeface="DejaVu Sans"/>
                 </a:rPr>
-                <a:t>32</a:t>
+                <a:t>35</a:t>
               </a:r>
             </a:p>
           </p:txBody>
         </p:sp>
         <p:sp>
           <p:nvSpPr>
-            <p:cNvPr id="108" name="tx107"/>
-            <p:cNvSpPr/>
-            <p:nvPr/>
-          </p:nvSpPr>
-          <p:spPr>
-            <a:xfrm>
-              <a:off x="4151676" y="4228939"/>
-              <a:ext cx="142210" cy="84529"/>
-            </a:xfrm>
-            <a:prstGeom prst="rect">
-              <a:avLst/>
-            </a:prstGeom>
-            <a:noFill/>
-          </p:spPr>
-          <p:txBody>
-            <a:bodyPr lIns="0" rIns="0" tIns="0" bIns="0" anchorCtr="1" anchor="ctr" wrap="none"/>
-            <a:lstStyle/>
-            <a:p>
-              <a:pPr algn="l" marL="0" marR="0" indent="0">
-                <a:lnSpc>
-                  <a:spcPts val="880"/>
-                </a:lnSpc>
-                <a:spcBef>
-                  <a:spcPts val="0"/>
-                </a:spcBef>
-                <a:spcAft>
-                  <a:spcPts val="0"/>
-                </a:spcAft>
-              </a:pPr>
-              <a:r>
-                <a:rPr sz="880">
-                  <a:solidFill>
-                    <a:srgbClr val="4D4D4D">
-                      <a:alpha val="100000"/>
-                    </a:srgbClr>
-                  </a:solidFill>
-                  <a:latin typeface="DejaVu Sans"/>
-                  <a:cs typeface="DejaVu Sans"/>
-                </a:rPr>
-                <a:t>36</a:t>
-              </a:r>
-            </a:p>
-          </p:txBody>
-        </p:sp>
-        <p:sp>
-          <p:nvSpPr>
-            <p:cNvPr id="109" name="tx108"/>
+            <p:cNvPr id="98" name="tx97"/>
             <p:cNvSpPr/>
             <p:nvPr/>
           </p:nvSpPr>
@@ -6917,14 +6447,14 @@
         </p:sp>
         <p:sp>
           <p:nvSpPr>
-            <p:cNvPr id="110" name="tx109"/>
-            <p:cNvSpPr/>
-            <p:nvPr/>
-          </p:nvSpPr>
-          <p:spPr>
-            <a:xfrm>
-              <a:off x="4707946" y="4231995"/>
-              <a:ext cx="142210" cy="81473"/>
+            <p:cNvPr id="99" name="tx98"/>
+            <p:cNvSpPr/>
+            <p:nvPr/>
+          </p:nvSpPr>
+          <p:spPr>
+            <a:xfrm>
+              <a:off x="4777480" y="4230412"/>
+              <a:ext cx="142210" cy="83056"/>
             </a:xfrm>
             <a:prstGeom prst="rect">
               <a:avLst/>
@@ -6956,20 +6486,20 @@
                   <a:latin typeface="DejaVu Sans"/>
                   <a:cs typeface="DejaVu Sans"/>
                 </a:rPr>
-                <a:t>44</a:t>
+                <a:t>45</a:t>
               </a:r>
             </a:p>
           </p:txBody>
         </p:sp>
         <p:sp>
           <p:nvSpPr>
-            <p:cNvPr id="111" name="tx110"/>
-            <p:cNvSpPr/>
-            <p:nvPr/>
-          </p:nvSpPr>
-          <p:spPr>
-            <a:xfrm>
-              <a:off x="4986082" y="4228939"/>
+            <p:cNvPr id="100" name="tx99"/>
+            <p:cNvSpPr/>
+            <p:nvPr/>
+          </p:nvSpPr>
+          <p:spPr>
+            <a:xfrm>
+              <a:off x="5125149" y="4228939"/>
               <a:ext cx="142210" cy="84529"/>
             </a:xfrm>
             <a:prstGeom prst="rect">
@@ -7002,21 +6532,21 @@
                   <a:latin typeface="DejaVu Sans"/>
                   <a:cs typeface="DejaVu Sans"/>
                 </a:rPr>
-                <a:t>48</a:t>
+                <a:t>50</a:t>
               </a:r>
             </a:p>
           </p:txBody>
         </p:sp>
         <p:sp>
           <p:nvSpPr>
-            <p:cNvPr id="112" name="tx111"/>
-            <p:cNvSpPr/>
-            <p:nvPr/>
-          </p:nvSpPr>
-          <p:spPr>
-            <a:xfrm>
-              <a:off x="5264217" y="4228939"/>
-              <a:ext cx="142210" cy="84529"/>
+            <p:cNvPr id="101" name="tx100"/>
+            <p:cNvSpPr/>
+            <p:nvPr/>
+          </p:nvSpPr>
+          <p:spPr>
+            <a:xfrm>
+              <a:off x="5472818" y="4230412"/>
+              <a:ext cx="142210" cy="83056"/>
             </a:xfrm>
             <a:prstGeom prst="rect">
               <a:avLst/>
@@ -7048,60 +6578,14 @@
                   <a:latin typeface="DejaVu Sans"/>
                   <a:cs typeface="DejaVu Sans"/>
                 </a:rPr>
-                <a:t>52</a:t>
+                <a:t>55</a:t>
               </a:r>
             </a:p>
           </p:txBody>
         </p:sp>
         <p:sp>
           <p:nvSpPr>
-            <p:cNvPr id="113" name="tx112"/>
-            <p:cNvSpPr/>
-            <p:nvPr/>
-          </p:nvSpPr>
-          <p:spPr>
-            <a:xfrm>
-              <a:off x="5542352" y="4228939"/>
-              <a:ext cx="142210" cy="84529"/>
-            </a:xfrm>
-            <a:prstGeom prst="rect">
-              <a:avLst/>
-            </a:prstGeom>
-            <a:noFill/>
-          </p:spPr>
-          <p:txBody>
-            <a:bodyPr lIns="0" rIns="0" tIns="0" bIns="0" anchorCtr="1" anchor="ctr" wrap="none"/>
-            <a:lstStyle/>
-            <a:p>
-              <a:pPr algn="l" marL="0" marR="0" indent="0">
-                <a:lnSpc>
-                  <a:spcPts val="880"/>
-                </a:lnSpc>
-                <a:spcBef>
-                  <a:spcPts val="0"/>
-                </a:spcBef>
-                <a:spcAft>
-                  <a:spcPts val="0"/>
-                </a:spcAft>
-              </a:pPr>
-              <a:r>
-                <a:rPr sz="880">
-                  <a:solidFill>
-                    <a:srgbClr val="4D4D4D">
-                      <a:alpha val="100000"/>
-                    </a:srgbClr>
-                  </a:solidFill>
-                  <a:latin typeface="DejaVu Sans"/>
-                  <a:cs typeface="DejaVu Sans"/>
-                </a:rPr>
-                <a:t>56</a:t>
-              </a:r>
-            </a:p>
-          </p:txBody>
-        </p:sp>
-        <p:sp>
-          <p:nvSpPr>
-            <p:cNvPr id="114" name="tx113"/>
+            <p:cNvPr id="102" name="tx101"/>
             <p:cNvSpPr/>
             <p:nvPr/>
           </p:nvSpPr>
@@ -7147,7 +6631,7 @@
         </p:sp>
         <p:sp>
           <p:nvSpPr>
-            <p:cNvPr id="115" name="tx114"/>
+            <p:cNvPr id="103" name="tx102"/>
             <p:cNvSpPr/>
             <p:nvPr/>
           </p:nvSpPr>
@@ -7193,7 +6677,7 @@
         </p:sp>
         <p:sp>
           <p:nvSpPr>
-            <p:cNvPr id="116" name="rc115"/>
+            <p:cNvPr id="104" name="rc103"/>
             <p:cNvSpPr/>
             <p:nvPr/>
           </p:nvSpPr>
@@ -7219,7 +6703,7 @@
         </p:sp>
         <p:sp>
           <p:nvSpPr>
-            <p:cNvPr id="117" name="tx116"/>
+            <p:cNvPr id="105" name="tx104"/>
             <p:cNvSpPr/>
             <p:nvPr/>
           </p:nvSpPr>
@@ -7265,7 +6749,7 @@
         </p:sp>
         <p:sp>
           <p:nvSpPr>
-            <p:cNvPr id="118" name="rc117"/>
+            <p:cNvPr id="106" name="rc105"/>
             <p:cNvSpPr/>
             <p:nvPr/>
           </p:nvSpPr>
@@ -7291,7 +6775,7 @@
         </p:sp>
         <p:sp>
           <p:nvSpPr>
-            <p:cNvPr id="119" name="pl118"/>
+            <p:cNvPr id="107" name="pl106"/>
             <p:cNvSpPr/>
             <p:nvPr/>
           </p:nvSpPr>
@@ -7331,7 +6815,7 @@
         </p:sp>
         <p:sp>
           <p:nvSpPr>
-            <p:cNvPr id="120" name="tx119"/>
+            <p:cNvPr id="108" name="tx107"/>
             <p:cNvSpPr/>
             <p:nvPr/>
           </p:nvSpPr>
@@ -7377,7 +6861,7 @@
         </p:sp>
         <p:sp>
           <p:nvSpPr>
-            <p:cNvPr id="121" name="tx120"/>
+            <p:cNvPr id="109" name="tx108"/>
             <p:cNvSpPr/>
             <p:nvPr/>
           </p:nvSpPr>

--- a/reference/ONDA_XX-Survival-Curve.pptx
+++ b/reference/ONDA_XX-Survival-Curve.pptx
@@ -2359,7 +2359,7 @@
           </p:nvSpPr>
           <p:spPr>
             <a:xfrm>
-              <a:off x="1531823" y="4169365"/>
+              <a:off x="1531823" y="3872804"/>
               <a:ext cx="4130307" cy="0"/>
             </a:xfrm>
             <a:custGeom>
@@ -2372,9 +2372,6 @@
                   <a:lnTo>
                     <a:pt x="4130307" y="0"/>
                   </a:lnTo>
-                  <a:lnTo>
-                    <a:pt x="4130307" y="0"/>
-                  </a:lnTo>
                 </a:path>
               </a:pathLst>
             </a:custGeom>
@@ -2402,7 +2399,7 @@
           </p:nvSpPr>
           <p:spPr>
             <a:xfrm>
-              <a:off x="1531823" y="3879785"/>
+              <a:off x="1531823" y="3569261"/>
               <a:ext cx="4130307" cy="0"/>
             </a:xfrm>
             <a:custGeom>
@@ -2415,9 +2412,6 @@
                   <a:lnTo>
                     <a:pt x="4130307" y="0"/>
                   </a:lnTo>
-                  <a:lnTo>
-                    <a:pt x="4130307" y="0"/>
-                  </a:lnTo>
                 </a:path>
               </a:pathLst>
             </a:custGeom>
@@ -2445,7 +2439,7 @@
           </p:nvSpPr>
           <p:spPr>
             <a:xfrm>
-              <a:off x="1531823" y="3590206"/>
+              <a:off x="1531823" y="3265718"/>
               <a:ext cx="4130307" cy="0"/>
             </a:xfrm>
             <a:custGeom>
@@ -2458,9 +2452,6 @@
                   <a:lnTo>
                     <a:pt x="4130307" y="0"/>
                   </a:lnTo>
-                  <a:lnTo>
-                    <a:pt x="4130307" y="0"/>
-                  </a:lnTo>
                 </a:path>
               </a:pathLst>
             </a:custGeom>
@@ -2488,7 +2479,7 @@
           </p:nvSpPr>
           <p:spPr>
             <a:xfrm>
-              <a:off x="1531823" y="3300626"/>
+              <a:off x="1531823" y="2962176"/>
               <a:ext cx="4130307" cy="0"/>
             </a:xfrm>
             <a:custGeom>
@@ -2501,9 +2492,6 @@
                   <a:lnTo>
                     <a:pt x="4130307" y="0"/>
                   </a:lnTo>
-                  <a:lnTo>
-                    <a:pt x="4130307" y="0"/>
-                  </a:lnTo>
                 </a:path>
               </a:pathLst>
             </a:custGeom>
@@ -2531,7 +2519,7 @@
           </p:nvSpPr>
           <p:spPr>
             <a:xfrm>
-              <a:off x="1531823" y="3011046"/>
+              <a:off x="1531823" y="2658633"/>
               <a:ext cx="4130307" cy="0"/>
             </a:xfrm>
             <a:custGeom>
@@ -2544,9 +2532,6 @@
                   <a:lnTo>
                     <a:pt x="4130307" y="0"/>
                   </a:lnTo>
-                  <a:lnTo>
-                    <a:pt x="4130307" y="0"/>
-                  </a:lnTo>
                 </a:path>
               </a:pathLst>
             </a:custGeom>
@@ -2574,7 +2559,7 @@
           </p:nvSpPr>
           <p:spPr>
             <a:xfrm>
-              <a:off x="1531823" y="2721467"/>
+              <a:off x="1531823" y="2355091"/>
               <a:ext cx="4130307" cy="0"/>
             </a:xfrm>
             <a:custGeom>
@@ -2587,9 +2572,6 @@
                   <a:lnTo>
                     <a:pt x="4130307" y="0"/>
                   </a:lnTo>
-                  <a:lnTo>
-                    <a:pt x="4130307" y="0"/>
-                  </a:lnTo>
                 </a:path>
               </a:pathLst>
             </a:custGeom>
@@ -2617,7 +2599,7 @@
           </p:nvSpPr>
           <p:spPr>
             <a:xfrm>
-              <a:off x="1531823" y="2431887"/>
+              <a:off x="1531823" y="2051548"/>
               <a:ext cx="4130307" cy="0"/>
             </a:xfrm>
             <a:custGeom>
@@ -2630,9 +2612,6 @@
                   <a:lnTo>
                     <a:pt x="4130307" y="0"/>
                   </a:lnTo>
-                  <a:lnTo>
-                    <a:pt x="4130307" y="0"/>
-                  </a:lnTo>
                 </a:path>
               </a:pathLst>
             </a:custGeom>
@@ -2660,7 +2639,7 @@
           </p:nvSpPr>
           <p:spPr>
             <a:xfrm>
-              <a:off x="1531823" y="2142307"/>
+              <a:off x="1531823" y="1748005"/>
               <a:ext cx="4130307" cy="0"/>
             </a:xfrm>
             <a:custGeom>
@@ -2673,9 +2652,6 @@
                   <a:lnTo>
                     <a:pt x="4130307" y="0"/>
                   </a:lnTo>
-                  <a:lnTo>
-                    <a:pt x="4130307" y="0"/>
-                  </a:lnTo>
                 </a:path>
               </a:pathLst>
             </a:custGeom>
@@ -2703,7 +2679,7 @@
           </p:nvSpPr>
           <p:spPr>
             <a:xfrm>
-              <a:off x="1531823" y="1852728"/>
+              <a:off x="1531823" y="1444463"/>
               <a:ext cx="4130307" cy="0"/>
             </a:xfrm>
             <a:custGeom>
@@ -2716,9 +2692,6 @@
                   <a:lnTo>
                     <a:pt x="4130307" y="0"/>
                   </a:lnTo>
-                  <a:lnTo>
-                    <a:pt x="4130307" y="0"/>
-                  </a:lnTo>
                 </a:path>
               </a:pathLst>
             </a:custGeom>
@@ -2746,7 +2719,7 @@
           </p:nvSpPr>
           <p:spPr>
             <a:xfrm>
-              <a:off x="1531823" y="1563148"/>
+              <a:off x="1531823" y="1140920"/>
               <a:ext cx="4130307" cy="0"/>
             </a:xfrm>
             <a:custGeom>
@@ -2759,9 +2732,6 @@
                   <a:lnTo>
                     <a:pt x="4130307" y="0"/>
                   </a:lnTo>
-                  <a:lnTo>
-                    <a:pt x="4130307" y="0"/>
-                  </a:lnTo>
                 </a:path>
               </a:pathLst>
             </a:custGeom>
@@ -2789,7 +2759,487 @@
           </p:nvSpPr>
           <p:spPr>
             <a:xfrm>
-              <a:off x="1531823" y="1273568"/>
+              <a:off x="1545730" y="983989"/>
+              <a:ext cx="0" cy="3185376"/>
+            </a:xfrm>
+            <a:custGeom>
+              <a:avLst/>
+              <a:pathLst>
+                <a:path w="0" h="3185376">
+                  <a:moveTo>
+                    <a:pt x="0" y="3185376"/>
+                  </a:moveTo>
+                  <a:lnTo>
+                    <a:pt x="0" y="0"/>
+                  </a:lnTo>
+                </a:path>
+              </a:pathLst>
+            </a:custGeom>
+            <a:ln w="6775" cap="flat">
+              <a:solidFill>
+                <a:srgbClr val="FFFFFF">
+                  <a:alpha val="100000"/>
+                </a:srgbClr>
+              </a:solidFill>
+              <a:prstDash val="solid"/>
+              <a:round/>
+            </a:ln>
+          </p:spPr>
+          <p:txBody>
+            <a:bodyPr/>
+            <a:lstStyle/>
+            <a:p/>
+          </p:txBody>
+        </p:sp>
+        <p:sp>
+          <p:nvSpPr>
+            <p:cNvPr id="18" name="pl17"/>
+            <p:cNvSpPr/>
+            <p:nvPr/>
+          </p:nvSpPr>
+          <p:spPr>
+            <a:xfrm>
+              <a:off x="1893399" y="983989"/>
+              <a:ext cx="0" cy="3185376"/>
+            </a:xfrm>
+            <a:custGeom>
+              <a:avLst/>
+              <a:pathLst>
+                <a:path w="0" h="3185376">
+                  <a:moveTo>
+                    <a:pt x="0" y="3185376"/>
+                  </a:moveTo>
+                  <a:lnTo>
+                    <a:pt x="0" y="0"/>
+                  </a:lnTo>
+                </a:path>
+              </a:pathLst>
+            </a:custGeom>
+            <a:ln w="6775" cap="flat">
+              <a:solidFill>
+                <a:srgbClr val="FFFFFF">
+                  <a:alpha val="100000"/>
+                </a:srgbClr>
+              </a:solidFill>
+              <a:prstDash val="solid"/>
+              <a:round/>
+            </a:ln>
+          </p:spPr>
+          <p:txBody>
+            <a:bodyPr/>
+            <a:lstStyle/>
+            <a:p/>
+          </p:txBody>
+        </p:sp>
+        <p:sp>
+          <p:nvSpPr>
+            <p:cNvPr id="19" name="pl18"/>
+            <p:cNvSpPr/>
+            <p:nvPr/>
+          </p:nvSpPr>
+          <p:spPr>
+            <a:xfrm>
+              <a:off x="2241068" y="983989"/>
+              <a:ext cx="0" cy="3185376"/>
+            </a:xfrm>
+            <a:custGeom>
+              <a:avLst/>
+              <a:pathLst>
+                <a:path w="0" h="3185376">
+                  <a:moveTo>
+                    <a:pt x="0" y="3185376"/>
+                  </a:moveTo>
+                  <a:lnTo>
+                    <a:pt x="0" y="0"/>
+                  </a:lnTo>
+                </a:path>
+              </a:pathLst>
+            </a:custGeom>
+            <a:ln w="6775" cap="flat">
+              <a:solidFill>
+                <a:srgbClr val="FFFFFF">
+                  <a:alpha val="100000"/>
+                </a:srgbClr>
+              </a:solidFill>
+              <a:prstDash val="solid"/>
+              <a:round/>
+            </a:ln>
+          </p:spPr>
+          <p:txBody>
+            <a:bodyPr/>
+            <a:lstStyle/>
+            <a:p/>
+          </p:txBody>
+        </p:sp>
+        <p:sp>
+          <p:nvSpPr>
+            <p:cNvPr id="20" name="pl19"/>
+            <p:cNvSpPr/>
+            <p:nvPr/>
+          </p:nvSpPr>
+          <p:spPr>
+            <a:xfrm>
+              <a:off x="2588737" y="983989"/>
+              <a:ext cx="0" cy="3185376"/>
+            </a:xfrm>
+            <a:custGeom>
+              <a:avLst/>
+              <a:pathLst>
+                <a:path w="0" h="3185376">
+                  <a:moveTo>
+                    <a:pt x="0" y="3185376"/>
+                  </a:moveTo>
+                  <a:lnTo>
+                    <a:pt x="0" y="0"/>
+                  </a:lnTo>
+                </a:path>
+              </a:pathLst>
+            </a:custGeom>
+            <a:ln w="6775" cap="flat">
+              <a:solidFill>
+                <a:srgbClr val="FFFFFF">
+                  <a:alpha val="100000"/>
+                </a:srgbClr>
+              </a:solidFill>
+              <a:prstDash val="solid"/>
+              <a:round/>
+            </a:ln>
+          </p:spPr>
+          <p:txBody>
+            <a:bodyPr/>
+            <a:lstStyle/>
+            <a:p/>
+          </p:txBody>
+        </p:sp>
+        <p:sp>
+          <p:nvSpPr>
+            <p:cNvPr id="21" name="pl20"/>
+            <p:cNvSpPr/>
+            <p:nvPr/>
+          </p:nvSpPr>
+          <p:spPr>
+            <a:xfrm>
+              <a:off x="2936406" y="983989"/>
+              <a:ext cx="0" cy="3185376"/>
+            </a:xfrm>
+            <a:custGeom>
+              <a:avLst/>
+              <a:pathLst>
+                <a:path w="0" h="3185376">
+                  <a:moveTo>
+                    <a:pt x="0" y="3185376"/>
+                  </a:moveTo>
+                  <a:lnTo>
+                    <a:pt x="0" y="0"/>
+                  </a:lnTo>
+                </a:path>
+              </a:pathLst>
+            </a:custGeom>
+            <a:ln w="6775" cap="flat">
+              <a:solidFill>
+                <a:srgbClr val="FFFFFF">
+                  <a:alpha val="100000"/>
+                </a:srgbClr>
+              </a:solidFill>
+              <a:prstDash val="solid"/>
+              <a:round/>
+            </a:ln>
+          </p:spPr>
+          <p:txBody>
+            <a:bodyPr/>
+            <a:lstStyle/>
+            <a:p/>
+          </p:txBody>
+        </p:sp>
+        <p:sp>
+          <p:nvSpPr>
+            <p:cNvPr id="22" name="pl21"/>
+            <p:cNvSpPr/>
+            <p:nvPr/>
+          </p:nvSpPr>
+          <p:spPr>
+            <a:xfrm>
+              <a:off x="3284075" y="983989"/>
+              <a:ext cx="0" cy="3185376"/>
+            </a:xfrm>
+            <a:custGeom>
+              <a:avLst/>
+              <a:pathLst>
+                <a:path w="0" h="3185376">
+                  <a:moveTo>
+                    <a:pt x="0" y="3185376"/>
+                  </a:moveTo>
+                  <a:lnTo>
+                    <a:pt x="0" y="0"/>
+                  </a:lnTo>
+                </a:path>
+              </a:pathLst>
+            </a:custGeom>
+            <a:ln w="6775" cap="flat">
+              <a:solidFill>
+                <a:srgbClr val="FFFFFF">
+                  <a:alpha val="100000"/>
+                </a:srgbClr>
+              </a:solidFill>
+              <a:prstDash val="solid"/>
+              <a:round/>
+            </a:ln>
+          </p:spPr>
+          <p:txBody>
+            <a:bodyPr/>
+            <a:lstStyle/>
+            <a:p/>
+          </p:txBody>
+        </p:sp>
+        <p:sp>
+          <p:nvSpPr>
+            <p:cNvPr id="23" name="pl22"/>
+            <p:cNvSpPr/>
+            <p:nvPr/>
+          </p:nvSpPr>
+          <p:spPr>
+            <a:xfrm>
+              <a:off x="3631744" y="983989"/>
+              <a:ext cx="0" cy="3185376"/>
+            </a:xfrm>
+            <a:custGeom>
+              <a:avLst/>
+              <a:pathLst>
+                <a:path w="0" h="3185376">
+                  <a:moveTo>
+                    <a:pt x="0" y="3185376"/>
+                  </a:moveTo>
+                  <a:lnTo>
+                    <a:pt x="0" y="0"/>
+                  </a:lnTo>
+                </a:path>
+              </a:pathLst>
+            </a:custGeom>
+            <a:ln w="6775" cap="flat">
+              <a:solidFill>
+                <a:srgbClr val="FFFFFF">
+                  <a:alpha val="100000"/>
+                </a:srgbClr>
+              </a:solidFill>
+              <a:prstDash val="solid"/>
+              <a:round/>
+            </a:ln>
+          </p:spPr>
+          <p:txBody>
+            <a:bodyPr/>
+            <a:lstStyle/>
+            <a:p/>
+          </p:txBody>
+        </p:sp>
+        <p:sp>
+          <p:nvSpPr>
+            <p:cNvPr id="24" name="pl23"/>
+            <p:cNvSpPr/>
+            <p:nvPr/>
+          </p:nvSpPr>
+          <p:spPr>
+            <a:xfrm>
+              <a:off x="3979413" y="983989"/>
+              <a:ext cx="0" cy="3185376"/>
+            </a:xfrm>
+            <a:custGeom>
+              <a:avLst/>
+              <a:pathLst>
+                <a:path w="0" h="3185376">
+                  <a:moveTo>
+                    <a:pt x="0" y="3185376"/>
+                  </a:moveTo>
+                  <a:lnTo>
+                    <a:pt x="0" y="0"/>
+                  </a:lnTo>
+                </a:path>
+              </a:pathLst>
+            </a:custGeom>
+            <a:ln w="6775" cap="flat">
+              <a:solidFill>
+                <a:srgbClr val="FFFFFF">
+                  <a:alpha val="100000"/>
+                </a:srgbClr>
+              </a:solidFill>
+              <a:prstDash val="solid"/>
+              <a:round/>
+            </a:ln>
+          </p:spPr>
+          <p:txBody>
+            <a:bodyPr/>
+            <a:lstStyle/>
+            <a:p/>
+          </p:txBody>
+        </p:sp>
+        <p:sp>
+          <p:nvSpPr>
+            <p:cNvPr id="25" name="pl24"/>
+            <p:cNvSpPr/>
+            <p:nvPr/>
+          </p:nvSpPr>
+          <p:spPr>
+            <a:xfrm>
+              <a:off x="4327082" y="983989"/>
+              <a:ext cx="0" cy="3185376"/>
+            </a:xfrm>
+            <a:custGeom>
+              <a:avLst/>
+              <a:pathLst>
+                <a:path w="0" h="3185376">
+                  <a:moveTo>
+                    <a:pt x="0" y="3185376"/>
+                  </a:moveTo>
+                  <a:lnTo>
+                    <a:pt x="0" y="0"/>
+                  </a:lnTo>
+                </a:path>
+              </a:pathLst>
+            </a:custGeom>
+            <a:ln w="6775" cap="flat">
+              <a:solidFill>
+                <a:srgbClr val="FFFFFF">
+                  <a:alpha val="100000"/>
+                </a:srgbClr>
+              </a:solidFill>
+              <a:prstDash val="solid"/>
+              <a:round/>
+            </a:ln>
+          </p:spPr>
+          <p:txBody>
+            <a:bodyPr/>
+            <a:lstStyle/>
+            <a:p/>
+          </p:txBody>
+        </p:sp>
+        <p:sp>
+          <p:nvSpPr>
+            <p:cNvPr id="26" name="pl25"/>
+            <p:cNvSpPr/>
+            <p:nvPr/>
+          </p:nvSpPr>
+          <p:spPr>
+            <a:xfrm>
+              <a:off x="4674751" y="983989"/>
+              <a:ext cx="0" cy="3185376"/>
+            </a:xfrm>
+            <a:custGeom>
+              <a:avLst/>
+              <a:pathLst>
+                <a:path w="0" h="3185376">
+                  <a:moveTo>
+                    <a:pt x="0" y="3185376"/>
+                  </a:moveTo>
+                  <a:lnTo>
+                    <a:pt x="0" y="0"/>
+                  </a:lnTo>
+                </a:path>
+              </a:pathLst>
+            </a:custGeom>
+            <a:ln w="6775" cap="flat">
+              <a:solidFill>
+                <a:srgbClr val="FFFFFF">
+                  <a:alpha val="100000"/>
+                </a:srgbClr>
+              </a:solidFill>
+              <a:prstDash val="solid"/>
+              <a:round/>
+            </a:ln>
+          </p:spPr>
+          <p:txBody>
+            <a:bodyPr/>
+            <a:lstStyle/>
+            <a:p/>
+          </p:txBody>
+        </p:sp>
+        <p:sp>
+          <p:nvSpPr>
+            <p:cNvPr id="27" name="pl26"/>
+            <p:cNvSpPr/>
+            <p:nvPr/>
+          </p:nvSpPr>
+          <p:spPr>
+            <a:xfrm>
+              <a:off x="5022420" y="983989"/>
+              <a:ext cx="0" cy="3185376"/>
+            </a:xfrm>
+            <a:custGeom>
+              <a:avLst/>
+              <a:pathLst>
+                <a:path w="0" h="3185376">
+                  <a:moveTo>
+                    <a:pt x="0" y="3185376"/>
+                  </a:moveTo>
+                  <a:lnTo>
+                    <a:pt x="0" y="0"/>
+                  </a:lnTo>
+                </a:path>
+              </a:pathLst>
+            </a:custGeom>
+            <a:ln w="6775" cap="flat">
+              <a:solidFill>
+                <a:srgbClr val="FFFFFF">
+                  <a:alpha val="100000"/>
+                </a:srgbClr>
+              </a:solidFill>
+              <a:prstDash val="solid"/>
+              <a:round/>
+            </a:ln>
+          </p:spPr>
+          <p:txBody>
+            <a:bodyPr/>
+            <a:lstStyle/>
+            <a:p/>
+          </p:txBody>
+        </p:sp>
+        <p:sp>
+          <p:nvSpPr>
+            <p:cNvPr id="28" name="pl27"/>
+            <p:cNvSpPr/>
+            <p:nvPr/>
+          </p:nvSpPr>
+          <p:spPr>
+            <a:xfrm>
+              <a:off x="5370089" y="983989"/>
+              <a:ext cx="0" cy="3185376"/>
+            </a:xfrm>
+            <a:custGeom>
+              <a:avLst/>
+              <a:pathLst>
+                <a:path w="0" h="3185376">
+                  <a:moveTo>
+                    <a:pt x="0" y="3185376"/>
+                  </a:moveTo>
+                  <a:lnTo>
+                    <a:pt x="0" y="0"/>
+                  </a:lnTo>
+                </a:path>
+              </a:pathLst>
+            </a:custGeom>
+            <a:ln w="6775" cap="flat">
+              <a:solidFill>
+                <a:srgbClr val="FFFFFF">
+                  <a:alpha val="100000"/>
+                </a:srgbClr>
+              </a:solidFill>
+              <a:prstDash val="solid"/>
+              <a:round/>
+            </a:ln>
+          </p:spPr>
+          <p:txBody>
+            <a:bodyPr/>
+            <a:lstStyle/>
+            <a:p/>
+          </p:txBody>
+        </p:sp>
+        <p:sp>
+          <p:nvSpPr>
+            <p:cNvPr id="29" name="pl28"/>
+            <p:cNvSpPr/>
+            <p:nvPr/>
+          </p:nvSpPr>
+          <p:spPr>
+            <a:xfrm>
+              <a:off x="1531823" y="4024575"/>
               <a:ext cx="4130307" cy="0"/>
             </a:xfrm>
             <a:custGeom>
@@ -2802,13 +3252,10 @@
                   <a:lnTo>
                     <a:pt x="4130307" y="0"/>
                   </a:lnTo>
-                  <a:lnTo>
-                    <a:pt x="4130307" y="0"/>
-                  </a:lnTo>
                 </a:path>
               </a:pathLst>
             </a:custGeom>
-            <a:ln w="6775" cap="flat">
+            <a:ln w="13550" cap="flat">
               <a:solidFill>
                 <a:srgbClr val="FFFFFF">
                   <a:alpha val="100000"/>
@@ -2826,13 +3273,13 @@
         </p:sp>
         <p:sp>
           <p:nvSpPr>
-            <p:cNvPr id="18" name="pl17"/>
-            <p:cNvSpPr/>
-            <p:nvPr/>
-          </p:nvSpPr>
-          <p:spPr>
-            <a:xfrm>
-              <a:off x="1531823" y="983989"/>
+            <p:cNvPr id="30" name="pl29"/>
+            <p:cNvSpPr/>
+            <p:nvPr/>
+          </p:nvSpPr>
+          <p:spPr>
+            <a:xfrm>
+              <a:off x="1531823" y="3721032"/>
               <a:ext cx="4130307" cy="0"/>
             </a:xfrm>
             <a:custGeom>
@@ -2845,13 +3292,10 @@
                   <a:lnTo>
                     <a:pt x="4130307" y="0"/>
                   </a:lnTo>
-                  <a:lnTo>
-                    <a:pt x="4130307" y="0"/>
-                  </a:lnTo>
                 </a:path>
               </a:pathLst>
             </a:custGeom>
-            <a:ln w="6775" cap="flat">
+            <a:ln w="13550" cap="flat">
               <a:solidFill>
                 <a:srgbClr val="FFFFFF">
                   <a:alpha val="100000"/>
@@ -2869,13 +3313,373 @@
         </p:sp>
         <p:sp>
           <p:nvSpPr>
-            <p:cNvPr id="19" name="pl18"/>
-            <p:cNvSpPr/>
-            <p:nvPr/>
-          </p:nvSpPr>
-          <p:spPr>
-            <a:xfrm>
-              <a:off x="1545730" y="983989"/>
+            <p:cNvPr id="31" name="pl30"/>
+            <p:cNvSpPr/>
+            <p:nvPr/>
+          </p:nvSpPr>
+          <p:spPr>
+            <a:xfrm>
+              <a:off x="1531823" y="3417490"/>
+              <a:ext cx="4130307" cy="0"/>
+            </a:xfrm>
+            <a:custGeom>
+              <a:avLst/>
+              <a:pathLst>
+                <a:path w="4130307" h="0">
+                  <a:moveTo>
+                    <a:pt x="0" y="0"/>
+                  </a:moveTo>
+                  <a:lnTo>
+                    <a:pt x="4130307" y="0"/>
+                  </a:lnTo>
+                </a:path>
+              </a:pathLst>
+            </a:custGeom>
+            <a:ln w="13550" cap="flat">
+              <a:solidFill>
+                <a:srgbClr val="FFFFFF">
+                  <a:alpha val="100000"/>
+                </a:srgbClr>
+              </a:solidFill>
+              <a:prstDash val="solid"/>
+              <a:round/>
+            </a:ln>
+          </p:spPr>
+          <p:txBody>
+            <a:bodyPr/>
+            <a:lstStyle/>
+            <a:p/>
+          </p:txBody>
+        </p:sp>
+        <p:sp>
+          <p:nvSpPr>
+            <p:cNvPr id="32" name="pl31"/>
+            <p:cNvSpPr/>
+            <p:nvPr/>
+          </p:nvSpPr>
+          <p:spPr>
+            <a:xfrm>
+              <a:off x="1531823" y="3113947"/>
+              <a:ext cx="4130307" cy="0"/>
+            </a:xfrm>
+            <a:custGeom>
+              <a:avLst/>
+              <a:pathLst>
+                <a:path w="4130307" h="0">
+                  <a:moveTo>
+                    <a:pt x="0" y="0"/>
+                  </a:moveTo>
+                  <a:lnTo>
+                    <a:pt x="4130307" y="0"/>
+                  </a:lnTo>
+                </a:path>
+              </a:pathLst>
+            </a:custGeom>
+            <a:ln w="13550" cap="flat">
+              <a:solidFill>
+                <a:srgbClr val="FFFFFF">
+                  <a:alpha val="100000"/>
+                </a:srgbClr>
+              </a:solidFill>
+              <a:prstDash val="solid"/>
+              <a:round/>
+            </a:ln>
+          </p:spPr>
+          <p:txBody>
+            <a:bodyPr/>
+            <a:lstStyle/>
+            <a:p/>
+          </p:txBody>
+        </p:sp>
+        <p:sp>
+          <p:nvSpPr>
+            <p:cNvPr id="33" name="pl32"/>
+            <p:cNvSpPr/>
+            <p:nvPr/>
+          </p:nvSpPr>
+          <p:spPr>
+            <a:xfrm>
+              <a:off x="1531823" y="2810405"/>
+              <a:ext cx="4130307" cy="0"/>
+            </a:xfrm>
+            <a:custGeom>
+              <a:avLst/>
+              <a:pathLst>
+                <a:path w="4130307" h="0">
+                  <a:moveTo>
+                    <a:pt x="0" y="0"/>
+                  </a:moveTo>
+                  <a:lnTo>
+                    <a:pt x="4130307" y="0"/>
+                  </a:lnTo>
+                </a:path>
+              </a:pathLst>
+            </a:custGeom>
+            <a:ln w="13550" cap="flat">
+              <a:solidFill>
+                <a:srgbClr val="FFFFFF">
+                  <a:alpha val="100000"/>
+                </a:srgbClr>
+              </a:solidFill>
+              <a:prstDash val="solid"/>
+              <a:round/>
+            </a:ln>
+          </p:spPr>
+          <p:txBody>
+            <a:bodyPr/>
+            <a:lstStyle/>
+            <a:p/>
+          </p:txBody>
+        </p:sp>
+        <p:sp>
+          <p:nvSpPr>
+            <p:cNvPr id="34" name="pl33"/>
+            <p:cNvSpPr/>
+            <p:nvPr/>
+          </p:nvSpPr>
+          <p:spPr>
+            <a:xfrm>
+              <a:off x="1531823" y="2506862"/>
+              <a:ext cx="4130307" cy="0"/>
+            </a:xfrm>
+            <a:custGeom>
+              <a:avLst/>
+              <a:pathLst>
+                <a:path w="4130307" h="0">
+                  <a:moveTo>
+                    <a:pt x="0" y="0"/>
+                  </a:moveTo>
+                  <a:lnTo>
+                    <a:pt x="4130307" y="0"/>
+                  </a:lnTo>
+                </a:path>
+              </a:pathLst>
+            </a:custGeom>
+            <a:ln w="13550" cap="flat">
+              <a:solidFill>
+                <a:srgbClr val="FFFFFF">
+                  <a:alpha val="100000"/>
+                </a:srgbClr>
+              </a:solidFill>
+              <a:prstDash val="solid"/>
+              <a:round/>
+            </a:ln>
+          </p:spPr>
+          <p:txBody>
+            <a:bodyPr/>
+            <a:lstStyle/>
+            <a:p/>
+          </p:txBody>
+        </p:sp>
+        <p:sp>
+          <p:nvSpPr>
+            <p:cNvPr id="35" name="pl34"/>
+            <p:cNvSpPr/>
+            <p:nvPr/>
+          </p:nvSpPr>
+          <p:spPr>
+            <a:xfrm>
+              <a:off x="1531823" y="2203319"/>
+              <a:ext cx="4130307" cy="0"/>
+            </a:xfrm>
+            <a:custGeom>
+              <a:avLst/>
+              <a:pathLst>
+                <a:path w="4130307" h="0">
+                  <a:moveTo>
+                    <a:pt x="0" y="0"/>
+                  </a:moveTo>
+                  <a:lnTo>
+                    <a:pt x="4130307" y="0"/>
+                  </a:lnTo>
+                </a:path>
+              </a:pathLst>
+            </a:custGeom>
+            <a:ln w="13550" cap="flat">
+              <a:solidFill>
+                <a:srgbClr val="FFFFFF">
+                  <a:alpha val="100000"/>
+                </a:srgbClr>
+              </a:solidFill>
+              <a:prstDash val="solid"/>
+              <a:round/>
+            </a:ln>
+          </p:spPr>
+          <p:txBody>
+            <a:bodyPr/>
+            <a:lstStyle/>
+            <a:p/>
+          </p:txBody>
+        </p:sp>
+        <p:sp>
+          <p:nvSpPr>
+            <p:cNvPr id="36" name="pl35"/>
+            <p:cNvSpPr/>
+            <p:nvPr/>
+          </p:nvSpPr>
+          <p:spPr>
+            <a:xfrm>
+              <a:off x="1531823" y="1899777"/>
+              <a:ext cx="4130307" cy="0"/>
+            </a:xfrm>
+            <a:custGeom>
+              <a:avLst/>
+              <a:pathLst>
+                <a:path w="4130307" h="0">
+                  <a:moveTo>
+                    <a:pt x="0" y="0"/>
+                  </a:moveTo>
+                  <a:lnTo>
+                    <a:pt x="4130307" y="0"/>
+                  </a:lnTo>
+                </a:path>
+              </a:pathLst>
+            </a:custGeom>
+            <a:ln w="13550" cap="flat">
+              <a:solidFill>
+                <a:srgbClr val="FFFFFF">
+                  <a:alpha val="100000"/>
+                </a:srgbClr>
+              </a:solidFill>
+              <a:prstDash val="solid"/>
+              <a:round/>
+            </a:ln>
+          </p:spPr>
+          <p:txBody>
+            <a:bodyPr/>
+            <a:lstStyle/>
+            <a:p/>
+          </p:txBody>
+        </p:sp>
+        <p:sp>
+          <p:nvSpPr>
+            <p:cNvPr id="37" name="pl36"/>
+            <p:cNvSpPr/>
+            <p:nvPr/>
+          </p:nvSpPr>
+          <p:spPr>
+            <a:xfrm>
+              <a:off x="1531823" y="1596234"/>
+              <a:ext cx="4130307" cy="0"/>
+            </a:xfrm>
+            <a:custGeom>
+              <a:avLst/>
+              <a:pathLst>
+                <a:path w="4130307" h="0">
+                  <a:moveTo>
+                    <a:pt x="0" y="0"/>
+                  </a:moveTo>
+                  <a:lnTo>
+                    <a:pt x="4130307" y="0"/>
+                  </a:lnTo>
+                </a:path>
+              </a:pathLst>
+            </a:custGeom>
+            <a:ln w="13550" cap="flat">
+              <a:solidFill>
+                <a:srgbClr val="FFFFFF">
+                  <a:alpha val="100000"/>
+                </a:srgbClr>
+              </a:solidFill>
+              <a:prstDash val="solid"/>
+              <a:round/>
+            </a:ln>
+          </p:spPr>
+          <p:txBody>
+            <a:bodyPr/>
+            <a:lstStyle/>
+            <a:p/>
+          </p:txBody>
+        </p:sp>
+        <p:sp>
+          <p:nvSpPr>
+            <p:cNvPr id="38" name="pl37"/>
+            <p:cNvSpPr/>
+            <p:nvPr/>
+          </p:nvSpPr>
+          <p:spPr>
+            <a:xfrm>
+              <a:off x="1531823" y="1292691"/>
+              <a:ext cx="4130307" cy="0"/>
+            </a:xfrm>
+            <a:custGeom>
+              <a:avLst/>
+              <a:pathLst>
+                <a:path w="4130307" h="0">
+                  <a:moveTo>
+                    <a:pt x="0" y="0"/>
+                  </a:moveTo>
+                  <a:lnTo>
+                    <a:pt x="4130307" y="0"/>
+                  </a:lnTo>
+                </a:path>
+              </a:pathLst>
+            </a:custGeom>
+            <a:ln w="13550" cap="flat">
+              <a:solidFill>
+                <a:srgbClr val="FFFFFF">
+                  <a:alpha val="100000"/>
+                </a:srgbClr>
+              </a:solidFill>
+              <a:prstDash val="solid"/>
+              <a:round/>
+            </a:ln>
+          </p:spPr>
+          <p:txBody>
+            <a:bodyPr/>
+            <a:lstStyle/>
+            <a:p/>
+          </p:txBody>
+        </p:sp>
+        <p:sp>
+          <p:nvSpPr>
+            <p:cNvPr id="39" name="pl38"/>
+            <p:cNvSpPr/>
+            <p:nvPr/>
+          </p:nvSpPr>
+          <p:spPr>
+            <a:xfrm>
+              <a:off x="1531823" y="989149"/>
+              <a:ext cx="4130307" cy="0"/>
+            </a:xfrm>
+            <a:custGeom>
+              <a:avLst/>
+              <a:pathLst>
+                <a:path w="4130307" h="0">
+                  <a:moveTo>
+                    <a:pt x="0" y="0"/>
+                  </a:moveTo>
+                  <a:lnTo>
+                    <a:pt x="4130307" y="0"/>
+                  </a:lnTo>
+                </a:path>
+              </a:pathLst>
+            </a:custGeom>
+            <a:ln w="13550" cap="flat">
+              <a:solidFill>
+                <a:srgbClr val="FFFFFF">
+                  <a:alpha val="100000"/>
+                </a:srgbClr>
+              </a:solidFill>
+              <a:prstDash val="solid"/>
+              <a:round/>
+            </a:ln>
+          </p:spPr>
+          <p:txBody>
+            <a:bodyPr/>
+            <a:lstStyle/>
+            <a:p/>
+          </p:txBody>
+        </p:sp>
+        <p:sp>
+          <p:nvSpPr>
+            <p:cNvPr id="40" name="pl39"/>
+            <p:cNvSpPr/>
+            <p:nvPr/>
+          </p:nvSpPr>
+          <p:spPr>
+            <a:xfrm>
+              <a:off x="1719564" y="983989"/>
               <a:ext cx="0" cy="3185376"/>
             </a:xfrm>
             <a:custGeom>
@@ -2888,13 +3692,10 @@
                   <a:lnTo>
                     <a:pt x="0" y="0"/>
                   </a:lnTo>
-                  <a:lnTo>
-                    <a:pt x="0" y="0"/>
-                  </a:lnTo>
                 </a:path>
               </a:pathLst>
             </a:custGeom>
-            <a:ln w="6775" cap="flat">
+            <a:ln w="13550" cap="flat">
               <a:solidFill>
                 <a:srgbClr val="FFFFFF">
                   <a:alpha val="100000"/>
@@ -2912,13 +3713,13 @@
         </p:sp>
         <p:sp>
           <p:nvSpPr>
-            <p:cNvPr id="20" name="pl19"/>
-            <p:cNvSpPr/>
-            <p:nvPr/>
-          </p:nvSpPr>
-          <p:spPr>
-            <a:xfrm>
-              <a:off x="1893399" y="983989"/>
+            <p:cNvPr id="41" name="pl40"/>
+            <p:cNvSpPr/>
+            <p:nvPr/>
+          </p:nvSpPr>
+          <p:spPr>
+            <a:xfrm>
+              <a:off x="2067233" y="983989"/>
               <a:ext cx="0" cy="3185376"/>
             </a:xfrm>
             <a:custGeom>
@@ -2931,13 +3732,10 @@
                   <a:lnTo>
                     <a:pt x="0" y="0"/>
                   </a:lnTo>
-                  <a:lnTo>
-                    <a:pt x="0" y="0"/>
-                  </a:lnTo>
                 </a:path>
               </a:pathLst>
             </a:custGeom>
-            <a:ln w="6775" cap="flat">
+            <a:ln w="13550" cap="flat">
               <a:solidFill>
                 <a:srgbClr val="FFFFFF">
                   <a:alpha val="100000"/>
@@ -2955,13 +3753,13 @@
         </p:sp>
         <p:sp>
           <p:nvSpPr>
-            <p:cNvPr id="21" name="pl20"/>
-            <p:cNvSpPr/>
-            <p:nvPr/>
-          </p:nvSpPr>
-          <p:spPr>
-            <a:xfrm>
-              <a:off x="2241068" y="983989"/>
+            <p:cNvPr id="42" name="pl41"/>
+            <p:cNvSpPr/>
+            <p:nvPr/>
+          </p:nvSpPr>
+          <p:spPr>
+            <a:xfrm>
+              <a:off x="2414902" y="983989"/>
               <a:ext cx="0" cy="3185376"/>
             </a:xfrm>
             <a:custGeom>
@@ -2974,13 +3772,10 @@
                   <a:lnTo>
                     <a:pt x="0" y="0"/>
                   </a:lnTo>
-                  <a:lnTo>
-                    <a:pt x="0" y="0"/>
-                  </a:lnTo>
                 </a:path>
               </a:pathLst>
             </a:custGeom>
-            <a:ln w="6775" cap="flat">
+            <a:ln w="13550" cap="flat">
               <a:solidFill>
                 <a:srgbClr val="FFFFFF">
                   <a:alpha val="100000"/>
@@ -2998,13 +3793,13 @@
         </p:sp>
         <p:sp>
           <p:nvSpPr>
-            <p:cNvPr id="22" name="pl21"/>
-            <p:cNvSpPr/>
-            <p:nvPr/>
-          </p:nvSpPr>
-          <p:spPr>
-            <a:xfrm>
-              <a:off x="2588737" y="983989"/>
+            <p:cNvPr id="43" name="pl42"/>
+            <p:cNvSpPr/>
+            <p:nvPr/>
+          </p:nvSpPr>
+          <p:spPr>
+            <a:xfrm>
+              <a:off x="2762571" y="983989"/>
               <a:ext cx="0" cy="3185376"/>
             </a:xfrm>
             <a:custGeom>
@@ -3017,13 +3812,10 @@
                   <a:lnTo>
                     <a:pt x="0" y="0"/>
                   </a:lnTo>
-                  <a:lnTo>
-                    <a:pt x="0" y="0"/>
-                  </a:lnTo>
                 </a:path>
               </a:pathLst>
             </a:custGeom>
-            <a:ln w="6775" cap="flat">
+            <a:ln w="13550" cap="flat">
               <a:solidFill>
                 <a:srgbClr val="FFFFFF">
                   <a:alpha val="100000"/>
@@ -3041,13 +3833,13 @@
         </p:sp>
         <p:sp>
           <p:nvSpPr>
-            <p:cNvPr id="23" name="pl22"/>
-            <p:cNvSpPr/>
-            <p:nvPr/>
-          </p:nvSpPr>
-          <p:spPr>
-            <a:xfrm>
-              <a:off x="2936406" y="983989"/>
+            <p:cNvPr id="44" name="pl43"/>
+            <p:cNvSpPr/>
+            <p:nvPr/>
+          </p:nvSpPr>
+          <p:spPr>
+            <a:xfrm>
+              <a:off x="3110240" y="983989"/>
               <a:ext cx="0" cy="3185376"/>
             </a:xfrm>
             <a:custGeom>
@@ -3060,13 +3852,10 @@
                   <a:lnTo>
                     <a:pt x="0" y="0"/>
                   </a:lnTo>
-                  <a:lnTo>
-                    <a:pt x="0" y="0"/>
-                  </a:lnTo>
                 </a:path>
               </a:pathLst>
             </a:custGeom>
-            <a:ln w="6775" cap="flat">
+            <a:ln w="13550" cap="flat">
               <a:solidFill>
                 <a:srgbClr val="FFFFFF">
                   <a:alpha val="100000"/>
@@ -3084,13 +3873,13 @@
         </p:sp>
         <p:sp>
           <p:nvSpPr>
-            <p:cNvPr id="24" name="pl23"/>
-            <p:cNvSpPr/>
-            <p:nvPr/>
-          </p:nvSpPr>
-          <p:spPr>
-            <a:xfrm>
-              <a:off x="3284075" y="983989"/>
+            <p:cNvPr id="45" name="pl44"/>
+            <p:cNvSpPr/>
+            <p:nvPr/>
+          </p:nvSpPr>
+          <p:spPr>
+            <a:xfrm>
+              <a:off x="3457909" y="983989"/>
               <a:ext cx="0" cy="3185376"/>
             </a:xfrm>
             <a:custGeom>
@@ -3103,13 +3892,10 @@
                   <a:lnTo>
                     <a:pt x="0" y="0"/>
                   </a:lnTo>
-                  <a:lnTo>
-                    <a:pt x="0" y="0"/>
-                  </a:lnTo>
                 </a:path>
               </a:pathLst>
             </a:custGeom>
-            <a:ln w="6775" cap="flat">
+            <a:ln w="13550" cap="flat">
               <a:solidFill>
                 <a:srgbClr val="FFFFFF">
                   <a:alpha val="100000"/>
@@ -3127,13 +3913,13 @@
         </p:sp>
         <p:sp>
           <p:nvSpPr>
-            <p:cNvPr id="25" name="pl24"/>
-            <p:cNvSpPr/>
-            <p:nvPr/>
-          </p:nvSpPr>
-          <p:spPr>
-            <a:xfrm>
-              <a:off x="3631744" y="983989"/>
+            <p:cNvPr id="46" name="pl45"/>
+            <p:cNvSpPr/>
+            <p:nvPr/>
+          </p:nvSpPr>
+          <p:spPr>
+            <a:xfrm>
+              <a:off x="3805578" y="983989"/>
               <a:ext cx="0" cy="3185376"/>
             </a:xfrm>
             <a:custGeom>
@@ -3146,13 +3932,10 @@
                   <a:lnTo>
                     <a:pt x="0" y="0"/>
                   </a:lnTo>
-                  <a:lnTo>
-                    <a:pt x="0" y="0"/>
-                  </a:lnTo>
                 </a:path>
               </a:pathLst>
             </a:custGeom>
-            <a:ln w="6775" cap="flat">
+            <a:ln w="13550" cap="flat">
               <a:solidFill>
                 <a:srgbClr val="FFFFFF">
                   <a:alpha val="100000"/>
@@ -3170,13 +3953,13 @@
         </p:sp>
         <p:sp>
           <p:nvSpPr>
-            <p:cNvPr id="26" name="pl25"/>
-            <p:cNvSpPr/>
-            <p:nvPr/>
-          </p:nvSpPr>
-          <p:spPr>
-            <a:xfrm>
-              <a:off x="3979413" y="983989"/>
+            <p:cNvPr id="47" name="pl46"/>
+            <p:cNvSpPr/>
+            <p:nvPr/>
+          </p:nvSpPr>
+          <p:spPr>
+            <a:xfrm>
+              <a:off x="4153247" y="983989"/>
               <a:ext cx="0" cy="3185376"/>
             </a:xfrm>
             <a:custGeom>
@@ -3189,13 +3972,10 @@
                   <a:lnTo>
                     <a:pt x="0" y="0"/>
                   </a:lnTo>
-                  <a:lnTo>
-                    <a:pt x="0" y="0"/>
-                  </a:lnTo>
                 </a:path>
               </a:pathLst>
             </a:custGeom>
-            <a:ln w="6775" cap="flat">
+            <a:ln w="13550" cap="flat">
               <a:solidFill>
                 <a:srgbClr val="FFFFFF">
                   <a:alpha val="100000"/>
@@ -3213,13 +3993,13 @@
         </p:sp>
         <p:sp>
           <p:nvSpPr>
-            <p:cNvPr id="27" name="pl26"/>
-            <p:cNvSpPr/>
-            <p:nvPr/>
-          </p:nvSpPr>
-          <p:spPr>
-            <a:xfrm>
-              <a:off x="4327082" y="983989"/>
+            <p:cNvPr id="48" name="pl47"/>
+            <p:cNvSpPr/>
+            <p:nvPr/>
+          </p:nvSpPr>
+          <p:spPr>
+            <a:xfrm>
+              <a:off x="4500916" y="983989"/>
               <a:ext cx="0" cy="3185376"/>
             </a:xfrm>
             <a:custGeom>
@@ -3232,13 +4012,10 @@
                   <a:lnTo>
                     <a:pt x="0" y="0"/>
                   </a:lnTo>
-                  <a:lnTo>
-                    <a:pt x="0" y="0"/>
-                  </a:lnTo>
                 </a:path>
               </a:pathLst>
             </a:custGeom>
-            <a:ln w="6775" cap="flat">
+            <a:ln w="13550" cap="flat">
               <a:solidFill>
                 <a:srgbClr val="FFFFFF">
                   <a:alpha val="100000"/>
@@ -3256,13 +4033,13 @@
         </p:sp>
         <p:sp>
           <p:nvSpPr>
-            <p:cNvPr id="28" name="pl27"/>
-            <p:cNvSpPr/>
-            <p:nvPr/>
-          </p:nvSpPr>
-          <p:spPr>
-            <a:xfrm>
-              <a:off x="4674751" y="983989"/>
+            <p:cNvPr id="49" name="pl48"/>
+            <p:cNvSpPr/>
+            <p:nvPr/>
+          </p:nvSpPr>
+          <p:spPr>
+            <a:xfrm>
+              <a:off x="4848585" y="983989"/>
               <a:ext cx="0" cy="3185376"/>
             </a:xfrm>
             <a:custGeom>
@@ -3275,13 +4052,10 @@
                   <a:lnTo>
                     <a:pt x="0" y="0"/>
                   </a:lnTo>
-                  <a:lnTo>
-                    <a:pt x="0" y="0"/>
-                  </a:lnTo>
                 </a:path>
               </a:pathLst>
             </a:custGeom>
-            <a:ln w="6775" cap="flat">
+            <a:ln w="13550" cap="flat">
               <a:solidFill>
                 <a:srgbClr val="FFFFFF">
                   <a:alpha val="100000"/>
@@ -3299,13 +4073,13 @@
         </p:sp>
         <p:sp>
           <p:nvSpPr>
-            <p:cNvPr id="29" name="pl28"/>
-            <p:cNvSpPr/>
-            <p:nvPr/>
-          </p:nvSpPr>
-          <p:spPr>
-            <a:xfrm>
-              <a:off x="5022420" y="983989"/>
+            <p:cNvPr id="50" name="pl49"/>
+            <p:cNvSpPr/>
+            <p:nvPr/>
+          </p:nvSpPr>
+          <p:spPr>
+            <a:xfrm>
+              <a:off x="5196254" y="983989"/>
               <a:ext cx="0" cy="3185376"/>
             </a:xfrm>
             <a:custGeom>
@@ -3318,13 +4092,10 @@
                   <a:lnTo>
                     <a:pt x="0" y="0"/>
                   </a:lnTo>
-                  <a:lnTo>
-                    <a:pt x="0" y="0"/>
-                  </a:lnTo>
                 </a:path>
               </a:pathLst>
             </a:custGeom>
-            <a:ln w="6775" cap="flat">
+            <a:ln w="13550" cap="flat">
               <a:solidFill>
                 <a:srgbClr val="FFFFFF">
                   <a:alpha val="100000"/>
@@ -3342,13 +4113,13 @@
         </p:sp>
         <p:sp>
           <p:nvSpPr>
-            <p:cNvPr id="30" name="pl29"/>
-            <p:cNvSpPr/>
-            <p:nvPr/>
-          </p:nvSpPr>
-          <p:spPr>
-            <a:xfrm>
-              <a:off x="5370089" y="983989"/>
+            <p:cNvPr id="51" name="pl50"/>
+            <p:cNvSpPr/>
+            <p:nvPr/>
+          </p:nvSpPr>
+          <p:spPr>
+            <a:xfrm>
+              <a:off x="5543923" y="983989"/>
               <a:ext cx="0" cy="3185376"/>
             </a:xfrm>
             <a:custGeom>
@@ -3361,52 +4132,6 @@
                   <a:lnTo>
                     <a:pt x="0" y="0"/>
                   </a:lnTo>
-                  <a:lnTo>
-                    <a:pt x="0" y="0"/>
-                  </a:lnTo>
-                </a:path>
-              </a:pathLst>
-            </a:custGeom>
-            <a:ln w="6775" cap="flat">
-              <a:solidFill>
-                <a:srgbClr val="FFFFFF">
-                  <a:alpha val="100000"/>
-                </a:srgbClr>
-              </a:solidFill>
-              <a:prstDash val="solid"/>
-              <a:round/>
-            </a:ln>
-          </p:spPr>
-          <p:txBody>
-            <a:bodyPr/>
-            <a:lstStyle/>
-            <a:p/>
-          </p:txBody>
-        </p:sp>
-        <p:sp>
-          <p:nvSpPr>
-            <p:cNvPr id="31" name="pl30"/>
-            <p:cNvSpPr/>
-            <p:nvPr/>
-          </p:nvSpPr>
-          <p:spPr>
-            <a:xfrm>
-              <a:off x="1531823" y="4024575"/>
-              <a:ext cx="4130307" cy="0"/>
-            </a:xfrm>
-            <a:custGeom>
-              <a:avLst/>
-              <a:pathLst>
-                <a:path w="4130307" h="0">
-                  <a:moveTo>
-                    <a:pt x="0" y="0"/>
-                  </a:moveTo>
-                  <a:lnTo>
-                    <a:pt x="4130307" y="0"/>
-                  </a:lnTo>
-                  <a:lnTo>
-                    <a:pt x="4130307" y="0"/>
-                  </a:lnTo>
                 </a:path>
               </a:pathLst>
             </a:custGeom>
@@ -3428,1117 +4153,171 @@
         </p:sp>
         <p:sp>
           <p:nvSpPr>
-            <p:cNvPr id="32" name="pl31"/>
-            <p:cNvSpPr/>
-            <p:nvPr/>
-          </p:nvSpPr>
-          <p:spPr>
-            <a:xfrm>
-              <a:off x="1531823" y="3734995"/>
-              <a:ext cx="4130307" cy="0"/>
+            <p:cNvPr id="52" name="pl51"/>
+            <p:cNvSpPr/>
+            <p:nvPr/>
+          </p:nvSpPr>
+          <p:spPr>
+            <a:xfrm>
+              <a:off x="1719564" y="989149"/>
+              <a:ext cx="3754825" cy="1082635"/>
             </a:xfrm>
             <a:custGeom>
               <a:avLst/>
               <a:pathLst>
-                <a:path w="4130307" h="0">
+                <a:path w="3754825" h="1082635">
                   <a:moveTo>
                     <a:pt x="0" y="0"/>
                   </a:moveTo>
                   <a:lnTo>
-                    <a:pt x="4130307" y="0"/>
-                  </a:lnTo>
-                  <a:lnTo>
-                    <a:pt x="4130307" y="0"/>
-                  </a:lnTo>
-                </a:path>
-              </a:pathLst>
-            </a:custGeom>
-            <a:ln w="13550" cap="flat">
-              <a:solidFill>
-                <a:srgbClr val="FFFFFF">
-                  <a:alpha val="100000"/>
-                </a:srgbClr>
-              </a:solidFill>
-              <a:prstDash val="solid"/>
-              <a:round/>
-            </a:ln>
-          </p:spPr>
-          <p:txBody>
-            <a:bodyPr/>
-            <a:lstStyle/>
-            <a:p/>
-          </p:txBody>
-        </p:sp>
-        <p:sp>
-          <p:nvSpPr>
-            <p:cNvPr id="33" name="pl32"/>
-            <p:cNvSpPr/>
-            <p:nvPr/>
-          </p:nvSpPr>
-          <p:spPr>
-            <a:xfrm>
-              <a:off x="1531823" y="3445416"/>
-              <a:ext cx="4130307" cy="0"/>
-            </a:xfrm>
-            <a:custGeom>
-              <a:avLst/>
-              <a:pathLst>
-                <a:path w="4130307" h="0">
-                  <a:moveTo>
-                    <a:pt x="0" y="0"/>
-                  </a:moveTo>
-                  <a:lnTo>
-                    <a:pt x="4130307" y="0"/>
-                  </a:lnTo>
-                  <a:lnTo>
-                    <a:pt x="4130307" y="0"/>
-                  </a:lnTo>
-                </a:path>
-              </a:pathLst>
-            </a:custGeom>
-            <a:ln w="13550" cap="flat">
-              <a:solidFill>
-                <a:srgbClr val="FFFFFF">
-                  <a:alpha val="100000"/>
-                </a:srgbClr>
-              </a:solidFill>
-              <a:prstDash val="solid"/>
-              <a:round/>
-            </a:ln>
-          </p:spPr>
-          <p:txBody>
-            <a:bodyPr/>
-            <a:lstStyle/>
-            <a:p/>
-          </p:txBody>
-        </p:sp>
-        <p:sp>
-          <p:nvSpPr>
-            <p:cNvPr id="34" name="pl33"/>
-            <p:cNvSpPr/>
-            <p:nvPr/>
-          </p:nvSpPr>
-          <p:spPr>
-            <a:xfrm>
-              <a:off x="1531823" y="3155836"/>
-              <a:ext cx="4130307" cy="0"/>
-            </a:xfrm>
-            <a:custGeom>
-              <a:avLst/>
-              <a:pathLst>
-                <a:path w="4130307" h="0">
-                  <a:moveTo>
-                    <a:pt x="0" y="0"/>
-                  </a:moveTo>
-                  <a:lnTo>
-                    <a:pt x="4130307" y="0"/>
-                  </a:lnTo>
-                  <a:lnTo>
-                    <a:pt x="4130307" y="0"/>
-                  </a:lnTo>
-                </a:path>
-              </a:pathLst>
-            </a:custGeom>
-            <a:ln w="13550" cap="flat">
-              <a:solidFill>
-                <a:srgbClr val="FFFFFF">
-                  <a:alpha val="100000"/>
-                </a:srgbClr>
-              </a:solidFill>
-              <a:prstDash val="solid"/>
-              <a:round/>
-            </a:ln>
-          </p:spPr>
-          <p:txBody>
-            <a:bodyPr/>
-            <a:lstStyle/>
-            <a:p/>
-          </p:txBody>
-        </p:sp>
-        <p:sp>
-          <p:nvSpPr>
-            <p:cNvPr id="35" name="pl34"/>
-            <p:cNvSpPr/>
-            <p:nvPr/>
-          </p:nvSpPr>
-          <p:spPr>
-            <a:xfrm>
-              <a:off x="1531823" y="2866256"/>
-              <a:ext cx="4130307" cy="0"/>
-            </a:xfrm>
-            <a:custGeom>
-              <a:avLst/>
-              <a:pathLst>
-                <a:path w="4130307" h="0">
-                  <a:moveTo>
-                    <a:pt x="0" y="0"/>
-                  </a:moveTo>
-                  <a:lnTo>
-                    <a:pt x="4130307" y="0"/>
-                  </a:lnTo>
-                  <a:lnTo>
-                    <a:pt x="4130307" y="0"/>
-                  </a:lnTo>
-                </a:path>
-              </a:pathLst>
-            </a:custGeom>
-            <a:ln w="13550" cap="flat">
-              <a:solidFill>
-                <a:srgbClr val="FFFFFF">
-                  <a:alpha val="100000"/>
-                </a:srgbClr>
-              </a:solidFill>
-              <a:prstDash val="solid"/>
-              <a:round/>
-            </a:ln>
-          </p:spPr>
-          <p:txBody>
-            <a:bodyPr/>
-            <a:lstStyle/>
-            <a:p/>
-          </p:txBody>
-        </p:sp>
-        <p:sp>
-          <p:nvSpPr>
-            <p:cNvPr id="36" name="pl35"/>
-            <p:cNvSpPr/>
-            <p:nvPr/>
-          </p:nvSpPr>
-          <p:spPr>
-            <a:xfrm>
-              <a:off x="1531823" y="2576677"/>
-              <a:ext cx="4130307" cy="0"/>
-            </a:xfrm>
-            <a:custGeom>
-              <a:avLst/>
-              <a:pathLst>
-                <a:path w="4130307" h="0">
-                  <a:moveTo>
-                    <a:pt x="0" y="0"/>
-                  </a:moveTo>
-                  <a:lnTo>
-                    <a:pt x="4130307" y="0"/>
-                  </a:lnTo>
-                  <a:lnTo>
-                    <a:pt x="4130307" y="0"/>
-                  </a:lnTo>
-                </a:path>
-              </a:pathLst>
-            </a:custGeom>
-            <a:ln w="13550" cap="flat">
-              <a:solidFill>
-                <a:srgbClr val="FFFFFF">
-                  <a:alpha val="100000"/>
-                </a:srgbClr>
-              </a:solidFill>
-              <a:prstDash val="solid"/>
-              <a:round/>
-            </a:ln>
-          </p:spPr>
-          <p:txBody>
-            <a:bodyPr/>
-            <a:lstStyle/>
-            <a:p/>
-          </p:txBody>
-        </p:sp>
-        <p:sp>
-          <p:nvSpPr>
-            <p:cNvPr id="37" name="pl36"/>
-            <p:cNvSpPr/>
-            <p:nvPr/>
-          </p:nvSpPr>
-          <p:spPr>
-            <a:xfrm>
-              <a:off x="1531823" y="2287097"/>
-              <a:ext cx="4130307" cy="0"/>
-            </a:xfrm>
-            <a:custGeom>
-              <a:avLst/>
-              <a:pathLst>
-                <a:path w="4130307" h="0">
-                  <a:moveTo>
-                    <a:pt x="0" y="0"/>
-                  </a:moveTo>
-                  <a:lnTo>
-                    <a:pt x="4130307" y="0"/>
-                  </a:lnTo>
-                  <a:lnTo>
-                    <a:pt x="4130307" y="0"/>
-                  </a:lnTo>
-                </a:path>
-              </a:pathLst>
-            </a:custGeom>
-            <a:ln w="13550" cap="flat">
-              <a:solidFill>
-                <a:srgbClr val="FFFFFF">
-                  <a:alpha val="100000"/>
-                </a:srgbClr>
-              </a:solidFill>
-              <a:prstDash val="solid"/>
-              <a:round/>
-            </a:ln>
-          </p:spPr>
-          <p:txBody>
-            <a:bodyPr/>
-            <a:lstStyle/>
-            <a:p/>
-          </p:txBody>
-        </p:sp>
-        <p:sp>
-          <p:nvSpPr>
-            <p:cNvPr id="38" name="pl37"/>
-            <p:cNvSpPr/>
-            <p:nvPr/>
-          </p:nvSpPr>
-          <p:spPr>
-            <a:xfrm>
-              <a:off x="1531823" y="1997517"/>
-              <a:ext cx="4130307" cy="0"/>
-            </a:xfrm>
-            <a:custGeom>
-              <a:avLst/>
-              <a:pathLst>
-                <a:path w="4130307" h="0">
-                  <a:moveTo>
-                    <a:pt x="0" y="0"/>
-                  </a:moveTo>
-                  <a:lnTo>
-                    <a:pt x="4130307" y="0"/>
-                  </a:lnTo>
-                  <a:lnTo>
-                    <a:pt x="4130307" y="0"/>
-                  </a:lnTo>
-                </a:path>
-              </a:pathLst>
-            </a:custGeom>
-            <a:ln w="13550" cap="flat">
-              <a:solidFill>
-                <a:srgbClr val="FFFFFF">
-                  <a:alpha val="100000"/>
-                </a:srgbClr>
-              </a:solidFill>
-              <a:prstDash val="solid"/>
-              <a:round/>
-            </a:ln>
-          </p:spPr>
-          <p:txBody>
-            <a:bodyPr/>
-            <a:lstStyle/>
-            <a:p/>
-          </p:txBody>
-        </p:sp>
-        <p:sp>
-          <p:nvSpPr>
-            <p:cNvPr id="39" name="pl38"/>
-            <p:cNvSpPr/>
-            <p:nvPr/>
-          </p:nvSpPr>
-          <p:spPr>
-            <a:xfrm>
-              <a:off x="1531823" y="1707938"/>
-              <a:ext cx="4130307" cy="0"/>
-            </a:xfrm>
-            <a:custGeom>
-              <a:avLst/>
-              <a:pathLst>
-                <a:path w="4130307" h="0">
-                  <a:moveTo>
-                    <a:pt x="0" y="0"/>
-                  </a:moveTo>
-                  <a:lnTo>
-                    <a:pt x="4130307" y="0"/>
-                  </a:lnTo>
-                  <a:lnTo>
-                    <a:pt x="4130307" y="0"/>
-                  </a:lnTo>
-                </a:path>
-              </a:pathLst>
-            </a:custGeom>
-            <a:ln w="13550" cap="flat">
-              <a:solidFill>
-                <a:srgbClr val="FFFFFF">
-                  <a:alpha val="100000"/>
-                </a:srgbClr>
-              </a:solidFill>
-              <a:prstDash val="solid"/>
-              <a:round/>
-            </a:ln>
-          </p:spPr>
-          <p:txBody>
-            <a:bodyPr/>
-            <a:lstStyle/>
-            <a:p/>
-          </p:txBody>
-        </p:sp>
-        <p:sp>
-          <p:nvSpPr>
-            <p:cNvPr id="40" name="pl39"/>
-            <p:cNvSpPr/>
-            <p:nvPr/>
-          </p:nvSpPr>
-          <p:spPr>
-            <a:xfrm>
-              <a:off x="1531823" y="1418358"/>
-              <a:ext cx="4130307" cy="0"/>
-            </a:xfrm>
-            <a:custGeom>
-              <a:avLst/>
-              <a:pathLst>
-                <a:path w="4130307" h="0">
-                  <a:moveTo>
-                    <a:pt x="0" y="0"/>
-                  </a:moveTo>
-                  <a:lnTo>
-                    <a:pt x="4130307" y="0"/>
-                  </a:lnTo>
-                  <a:lnTo>
-                    <a:pt x="4130307" y="0"/>
-                  </a:lnTo>
-                </a:path>
-              </a:pathLst>
-            </a:custGeom>
-            <a:ln w="13550" cap="flat">
-              <a:solidFill>
-                <a:srgbClr val="FFFFFF">
-                  <a:alpha val="100000"/>
-                </a:srgbClr>
-              </a:solidFill>
-              <a:prstDash val="solid"/>
-              <a:round/>
-            </a:ln>
-          </p:spPr>
-          <p:txBody>
-            <a:bodyPr/>
-            <a:lstStyle/>
-            <a:p/>
-          </p:txBody>
-        </p:sp>
-        <p:sp>
-          <p:nvSpPr>
-            <p:cNvPr id="41" name="pl40"/>
-            <p:cNvSpPr/>
-            <p:nvPr/>
-          </p:nvSpPr>
-          <p:spPr>
-            <a:xfrm>
-              <a:off x="1531823" y="1128778"/>
-              <a:ext cx="4130307" cy="0"/>
-            </a:xfrm>
-            <a:custGeom>
-              <a:avLst/>
-              <a:pathLst>
-                <a:path w="4130307" h="0">
-                  <a:moveTo>
-                    <a:pt x="0" y="0"/>
-                  </a:moveTo>
-                  <a:lnTo>
-                    <a:pt x="4130307" y="0"/>
-                  </a:lnTo>
-                  <a:lnTo>
-                    <a:pt x="4130307" y="0"/>
-                  </a:lnTo>
-                </a:path>
-              </a:pathLst>
-            </a:custGeom>
-            <a:ln w="13550" cap="flat">
-              <a:solidFill>
-                <a:srgbClr val="FFFFFF">
-                  <a:alpha val="100000"/>
-                </a:srgbClr>
-              </a:solidFill>
-              <a:prstDash val="solid"/>
-              <a:round/>
-            </a:ln>
-          </p:spPr>
-          <p:txBody>
-            <a:bodyPr/>
-            <a:lstStyle/>
-            <a:p/>
-          </p:txBody>
-        </p:sp>
-        <p:sp>
-          <p:nvSpPr>
-            <p:cNvPr id="42" name="pl41"/>
-            <p:cNvSpPr/>
-            <p:nvPr/>
-          </p:nvSpPr>
-          <p:spPr>
-            <a:xfrm>
-              <a:off x="1719564" y="983989"/>
-              <a:ext cx="0" cy="3185376"/>
-            </a:xfrm>
-            <a:custGeom>
-              <a:avLst/>
-              <a:pathLst>
-                <a:path w="0" h="3185376">
-                  <a:moveTo>
-                    <a:pt x="0" y="3185376"/>
-                  </a:moveTo>
-                  <a:lnTo>
-                    <a:pt x="0" y="0"/>
-                  </a:lnTo>
-                  <a:lnTo>
-                    <a:pt x="0" y="0"/>
-                  </a:lnTo>
-                </a:path>
-              </a:pathLst>
-            </a:custGeom>
-            <a:ln w="13550" cap="flat">
-              <a:solidFill>
-                <a:srgbClr val="FFFFFF">
-                  <a:alpha val="100000"/>
-                </a:srgbClr>
-              </a:solidFill>
-              <a:prstDash val="solid"/>
-              <a:round/>
-            </a:ln>
-          </p:spPr>
-          <p:txBody>
-            <a:bodyPr/>
-            <a:lstStyle/>
-            <a:p/>
-          </p:txBody>
-        </p:sp>
-        <p:sp>
-          <p:nvSpPr>
-            <p:cNvPr id="43" name="pl42"/>
-            <p:cNvSpPr/>
-            <p:nvPr/>
-          </p:nvSpPr>
-          <p:spPr>
-            <a:xfrm>
-              <a:off x="2067233" y="983989"/>
-              <a:ext cx="0" cy="3185376"/>
-            </a:xfrm>
-            <a:custGeom>
-              <a:avLst/>
-              <a:pathLst>
-                <a:path w="0" h="3185376">
-                  <a:moveTo>
-                    <a:pt x="0" y="3185376"/>
-                  </a:moveTo>
-                  <a:lnTo>
-                    <a:pt x="0" y="0"/>
-                  </a:lnTo>
-                  <a:lnTo>
-                    <a:pt x="0" y="0"/>
-                  </a:lnTo>
-                </a:path>
-              </a:pathLst>
-            </a:custGeom>
-            <a:ln w="13550" cap="flat">
-              <a:solidFill>
-                <a:srgbClr val="FFFFFF">
-                  <a:alpha val="100000"/>
-                </a:srgbClr>
-              </a:solidFill>
-              <a:prstDash val="solid"/>
-              <a:round/>
-            </a:ln>
-          </p:spPr>
-          <p:txBody>
-            <a:bodyPr/>
-            <a:lstStyle/>
-            <a:p/>
-          </p:txBody>
-        </p:sp>
-        <p:sp>
-          <p:nvSpPr>
-            <p:cNvPr id="44" name="pl43"/>
-            <p:cNvSpPr/>
-            <p:nvPr/>
-          </p:nvSpPr>
-          <p:spPr>
-            <a:xfrm>
-              <a:off x="2414902" y="983989"/>
-              <a:ext cx="0" cy="3185376"/>
-            </a:xfrm>
-            <a:custGeom>
-              <a:avLst/>
-              <a:pathLst>
-                <a:path w="0" h="3185376">
-                  <a:moveTo>
-                    <a:pt x="0" y="3185376"/>
-                  </a:moveTo>
-                  <a:lnTo>
-                    <a:pt x="0" y="0"/>
-                  </a:lnTo>
-                  <a:lnTo>
-                    <a:pt x="0" y="0"/>
-                  </a:lnTo>
-                </a:path>
-              </a:pathLst>
-            </a:custGeom>
-            <a:ln w="13550" cap="flat">
-              <a:solidFill>
-                <a:srgbClr val="FFFFFF">
-                  <a:alpha val="100000"/>
-                </a:srgbClr>
-              </a:solidFill>
-              <a:prstDash val="solid"/>
-              <a:round/>
-            </a:ln>
-          </p:spPr>
-          <p:txBody>
-            <a:bodyPr/>
-            <a:lstStyle/>
-            <a:p/>
-          </p:txBody>
-        </p:sp>
-        <p:sp>
-          <p:nvSpPr>
-            <p:cNvPr id="45" name="pl44"/>
-            <p:cNvSpPr/>
-            <p:nvPr/>
-          </p:nvSpPr>
-          <p:spPr>
-            <a:xfrm>
-              <a:off x="2762571" y="983989"/>
-              <a:ext cx="0" cy="3185376"/>
-            </a:xfrm>
-            <a:custGeom>
-              <a:avLst/>
-              <a:pathLst>
-                <a:path w="0" h="3185376">
-                  <a:moveTo>
-                    <a:pt x="0" y="3185376"/>
-                  </a:moveTo>
-                  <a:lnTo>
-                    <a:pt x="0" y="0"/>
-                  </a:lnTo>
-                  <a:lnTo>
-                    <a:pt x="0" y="0"/>
-                  </a:lnTo>
-                </a:path>
-              </a:pathLst>
-            </a:custGeom>
-            <a:ln w="13550" cap="flat">
-              <a:solidFill>
-                <a:srgbClr val="FFFFFF">
-                  <a:alpha val="100000"/>
-                </a:srgbClr>
-              </a:solidFill>
-              <a:prstDash val="solid"/>
-              <a:round/>
-            </a:ln>
-          </p:spPr>
-          <p:txBody>
-            <a:bodyPr/>
-            <a:lstStyle/>
-            <a:p/>
-          </p:txBody>
-        </p:sp>
-        <p:sp>
-          <p:nvSpPr>
-            <p:cNvPr id="46" name="pl45"/>
-            <p:cNvSpPr/>
-            <p:nvPr/>
-          </p:nvSpPr>
-          <p:spPr>
-            <a:xfrm>
-              <a:off x="3110240" y="983989"/>
-              <a:ext cx="0" cy="3185376"/>
-            </a:xfrm>
-            <a:custGeom>
-              <a:avLst/>
-              <a:pathLst>
-                <a:path w="0" h="3185376">
-                  <a:moveTo>
-                    <a:pt x="0" y="3185376"/>
-                  </a:moveTo>
-                  <a:lnTo>
-                    <a:pt x="0" y="0"/>
-                  </a:lnTo>
-                  <a:lnTo>
-                    <a:pt x="0" y="0"/>
-                  </a:lnTo>
-                </a:path>
-              </a:pathLst>
-            </a:custGeom>
-            <a:ln w="13550" cap="flat">
-              <a:solidFill>
-                <a:srgbClr val="FFFFFF">
-                  <a:alpha val="100000"/>
-                </a:srgbClr>
-              </a:solidFill>
-              <a:prstDash val="solid"/>
-              <a:round/>
-            </a:ln>
-          </p:spPr>
-          <p:txBody>
-            <a:bodyPr/>
-            <a:lstStyle/>
-            <a:p/>
-          </p:txBody>
-        </p:sp>
-        <p:sp>
-          <p:nvSpPr>
-            <p:cNvPr id="47" name="pl46"/>
-            <p:cNvSpPr/>
-            <p:nvPr/>
-          </p:nvSpPr>
-          <p:spPr>
-            <a:xfrm>
-              <a:off x="3457909" y="983989"/>
-              <a:ext cx="0" cy="3185376"/>
-            </a:xfrm>
-            <a:custGeom>
-              <a:avLst/>
-              <a:pathLst>
-                <a:path w="0" h="3185376">
-                  <a:moveTo>
-                    <a:pt x="0" y="3185376"/>
-                  </a:moveTo>
-                  <a:lnTo>
-                    <a:pt x="0" y="0"/>
-                  </a:lnTo>
-                  <a:lnTo>
-                    <a:pt x="0" y="0"/>
-                  </a:lnTo>
-                </a:path>
-              </a:pathLst>
-            </a:custGeom>
-            <a:ln w="13550" cap="flat">
-              <a:solidFill>
-                <a:srgbClr val="FFFFFF">
-                  <a:alpha val="100000"/>
-                </a:srgbClr>
-              </a:solidFill>
-              <a:prstDash val="solid"/>
-              <a:round/>
-            </a:ln>
-          </p:spPr>
-          <p:txBody>
-            <a:bodyPr/>
-            <a:lstStyle/>
-            <a:p/>
-          </p:txBody>
-        </p:sp>
-        <p:sp>
-          <p:nvSpPr>
-            <p:cNvPr id="48" name="pl47"/>
-            <p:cNvSpPr/>
-            <p:nvPr/>
-          </p:nvSpPr>
-          <p:spPr>
-            <a:xfrm>
-              <a:off x="3805578" y="983989"/>
-              <a:ext cx="0" cy="3185376"/>
-            </a:xfrm>
-            <a:custGeom>
-              <a:avLst/>
-              <a:pathLst>
-                <a:path w="0" h="3185376">
-                  <a:moveTo>
-                    <a:pt x="0" y="3185376"/>
-                  </a:moveTo>
-                  <a:lnTo>
-                    <a:pt x="0" y="0"/>
-                  </a:lnTo>
-                  <a:lnTo>
-                    <a:pt x="0" y="0"/>
-                  </a:lnTo>
-                </a:path>
-              </a:pathLst>
-            </a:custGeom>
-            <a:ln w="13550" cap="flat">
-              <a:solidFill>
-                <a:srgbClr val="FFFFFF">
-                  <a:alpha val="100000"/>
-                </a:srgbClr>
-              </a:solidFill>
-              <a:prstDash val="solid"/>
-              <a:round/>
-            </a:ln>
-          </p:spPr>
-          <p:txBody>
-            <a:bodyPr/>
-            <a:lstStyle/>
-            <a:p/>
-          </p:txBody>
-        </p:sp>
-        <p:sp>
-          <p:nvSpPr>
-            <p:cNvPr id="49" name="pl48"/>
-            <p:cNvSpPr/>
-            <p:nvPr/>
-          </p:nvSpPr>
-          <p:spPr>
-            <a:xfrm>
-              <a:off x="4153247" y="983989"/>
-              <a:ext cx="0" cy="3185376"/>
-            </a:xfrm>
-            <a:custGeom>
-              <a:avLst/>
-              <a:pathLst>
-                <a:path w="0" h="3185376">
-                  <a:moveTo>
-                    <a:pt x="0" y="3185376"/>
-                  </a:moveTo>
-                  <a:lnTo>
-                    <a:pt x="0" y="0"/>
-                  </a:lnTo>
-                  <a:lnTo>
-                    <a:pt x="0" y="0"/>
-                  </a:lnTo>
-                </a:path>
-              </a:pathLst>
-            </a:custGeom>
-            <a:ln w="13550" cap="flat">
-              <a:solidFill>
-                <a:srgbClr val="FFFFFF">
-                  <a:alpha val="100000"/>
-                </a:srgbClr>
-              </a:solidFill>
-              <a:prstDash val="solid"/>
-              <a:round/>
-            </a:ln>
-          </p:spPr>
-          <p:txBody>
-            <a:bodyPr/>
-            <a:lstStyle/>
-            <a:p/>
-          </p:txBody>
-        </p:sp>
-        <p:sp>
-          <p:nvSpPr>
-            <p:cNvPr id="50" name="pl49"/>
-            <p:cNvSpPr/>
-            <p:nvPr/>
-          </p:nvSpPr>
-          <p:spPr>
-            <a:xfrm>
-              <a:off x="4500916" y="983989"/>
-              <a:ext cx="0" cy="3185376"/>
-            </a:xfrm>
-            <a:custGeom>
-              <a:avLst/>
-              <a:pathLst>
-                <a:path w="0" h="3185376">
-                  <a:moveTo>
-                    <a:pt x="0" y="3185376"/>
-                  </a:moveTo>
-                  <a:lnTo>
-                    <a:pt x="0" y="0"/>
-                  </a:lnTo>
-                  <a:lnTo>
-                    <a:pt x="0" y="0"/>
-                  </a:lnTo>
-                </a:path>
-              </a:pathLst>
-            </a:custGeom>
-            <a:ln w="13550" cap="flat">
-              <a:solidFill>
-                <a:srgbClr val="FFFFFF">
-                  <a:alpha val="100000"/>
-                </a:srgbClr>
-              </a:solidFill>
-              <a:prstDash val="solid"/>
-              <a:round/>
-            </a:ln>
-          </p:spPr>
-          <p:txBody>
-            <a:bodyPr/>
-            <a:lstStyle/>
-            <a:p/>
-          </p:txBody>
-        </p:sp>
-        <p:sp>
-          <p:nvSpPr>
-            <p:cNvPr id="51" name="pl50"/>
-            <p:cNvSpPr/>
-            <p:nvPr/>
-          </p:nvSpPr>
-          <p:spPr>
-            <a:xfrm>
-              <a:off x="4848585" y="983989"/>
-              <a:ext cx="0" cy="3185376"/>
-            </a:xfrm>
-            <a:custGeom>
-              <a:avLst/>
-              <a:pathLst>
-                <a:path w="0" h="3185376">
-                  <a:moveTo>
-                    <a:pt x="0" y="3185376"/>
-                  </a:moveTo>
-                  <a:lnTo>
-                    <a:pt x="0" y="0"/>
-                  </a:lnTo>
-                  <a:lnTo>
-                    <a:pt x="0" y="0"/>
-                  </a:lnTo>
-                </a:path>
-              </a:pathLst>
-            </a:custGeom>
-            <a:ln w="13550" cap="flat">
-              <a:solidFill>
-                <a:srgbClr val="FFFFFF">
-                  <a:alpha val="100000"/>
-                </a:srgbClr>
-              </a:solidFill>
-              <a:prstDash val="solid"/>
-              <a:round/>
-            </a:ln>
-          </p:spPr>
-          <p:txBody>
-            <a:bodyPr/>
-            <a:lstStyle/>
-            <a:p/>
-          </p:txBody>
-        </p:sp>
-        <p:sp>
-          <p:nvSpPr>
-            <p:cNvPr id="52" name="pl51"/>
-            <p:cNvSpPr/>
-            <p:nvPr/>
-          </p:nvSpPr>
-          <p:spPr>
-            <a:xfrm>
-              <a:off x="5196254" y="983989"/>
-              <a:ext cx="0" cy="3185376"/>
-            </a:xfrm>
-            <a:custGeom>
-              <a:avLst/>
-              <a:pathLst>
-                <a:path w="0" h="3185376">
-                  <a:moveTo>
-                    <a:pt x="0" y="3185376"/>
-                  </a:moveTo>
-                  <a:lnTo>
-                    <a:pt x="0" y="0"/>
-                  </a:lnTo>
-                  <a:lnTo>
-                    <a:pt x="0" y="0"/>
-                  </a:lnTo>
-                </a:path>
-              </a:pathLst>
-            </a:custGeom>
-            <a:ln w="13550" cap="flat">
-              <a:solidFill>
-                <a:srgbClr val="FFFFFF">
-                  <a:alpha val="100000"/>
-                </a:srgbClr>
-              </a:solidFill>
-              <a:prstDash val="solid"/>
-              <a:round/>
-            </a:ln>
-          </p:spPr>
-          <p:txBody>
-            <a:bodyPr/>
-            <a:lstStyle/>
-            <a:p/>
-          </p:txBody>
-        </p:sp>
-        <p:sp>
-          <p:nvSpPr>
-            <p:cNvPr id="53" name="pl52"/>
-            <p:cNvSpPr/>
-            <p:nvPr/>
-          </p:nvSpPr>
-          <p:spPr>
-            <a:xfrm>
-              <a:off x="5543923" y="983989"/>
-              <a:ext cx="0" cy="3185376"/>
-            </a:xfrm>
-            <a:custGeom>
-              <a:avLst/>
-              <a:pathLst>
-                <a:path w="0" h="3185376">
-                  <a:moveTo>
-                    <a:pt x="0" y="3185376"/>
-                  </a:moveTo>
-                  <a:lnTo>
-                    <a:pt x="0" y="0"/>
-                  </a:lnTo>
-                  <a:lnTo>
-                    <a:pt x="0" y="0"/>
-                  </a:lnTo>
-                </a:path>
-              </a:pathLst>
-            </a:custGeom>
-            <a:ln w="13550" cap="flat">
-              <a:solidFill>
-                <a:srgbClr val="FFFFFF">
-                  <a:alpha val="100000"/>
-                </a:srgbClr>
-              </a:solidFill>
-              <a:prstDash val="solid"/>
-              <a:round/>
-            </a:ln>
-          </p:spPr>
-          <p:txBody>
-            <a:bodyPr/>
-            <a:lstStyle/>
-            <a:p/>
-          </p:txBody>
-        </p:sp>
-        <p:sp>
-          <p:nvSpPr>
-            <p:cNvPr id="54" name="pl53"/>
-            <p:cNvSpPr/>
-            <p:nvPr/>
-          </p:nvSpPr>
-          <p:spPr>
-            <a:xfrm>
-              <a:off x="1719564" y="1128778"/>
-              <a:ext cx="3754825" cy="1032834"/>
-            </a:xfrm>
-            <a:custGeom>
-              <a:avLst/>
-              <a:pathLst>
-                <a:path w="3754825" h="1032834">
-                  <a:moveTo>
-                    <a:pt x="0" y="0"/>
-                  </a:moveTo>
-                  <a:lnTo>
                     <a:pt x="1599277" y="0"/>
                   </a:lnTo>
                   <a:lnTo>
-                    <a:pt x="1599277" y="9652"/>
-                  </a:lnTo>
-                  <a:lnTo>
-                    <a:pt x="1807878" y="9652"/>
-                  </a:lnTo>
-                  <a:lnTo>
-                    <a:pt x="1807878" y="57915"/>
-                  </a:lnTo>
-                  <a:lnTo>
-                    <a:pt x="1877412" y="57915"/>
-                  </a:lnTo>
-                  <a:lnTo>
-                    <a:pt x="1877412" y="96526"/>
-                  </a:lnTo>
-                  <a:lnTo>
-                    <a:pt x="2016480" y="96526"/>
-                  </a:lnTo>
-                  <a:lnTo>
-                    <a:pt x="2016480" y="106179"/>
-                  </a:lnTo>
-                  <a:lnTo>
-                    <a:pt x="2086014" y="106179"/>
-                  </a:lnTo>
-                  <a:lnTo>
-                    <a:pt x="2086014" y="135137"/>
-                  </a:lnTo>
-                  <a:lnTo>
-                    <a:pt x="2155547" y="135137"/>
-                  </a:lnTo>
-                  <a:lnTo>
-                    <a:pt x="2155547" y="173747"/>
-                  </a:lnTo>
-                  <a:lnTo>
-                    <a:pt x="2225081" y="173747"/>
-                  </a:lnTo>
-                  <a:lnTo>
-                    <a:pt x="2225081" y="250969"/>
-                  </a:lnTo>
-                  <a:lnTo>
-                    <a:pt x="2294615" y="250969"/>
-                  </a:lnTo>
-                  <a:lnTo>
-                    <a:pt x="2294615" y="308884"/>
-                  </a:lnTo>
-                  <a:lnTo>
-                    <a:pt x="2364149" y="308884"/>
-                  </a:lnTo>
-                  <a:lnTo>
-                    <a:pt x="2364149" y="366800"/>
-                  </a:lnTo>
-                  <a:lnTo>
-                    <a:pt x="2433683" y="366800"/>
-                  </a:lnTo>
-                  <a:lnTo>
-                    <a:pt x="2433683" y="444022"/>
-                  </a:lnTo>
-                  <a:lnTo>
-                    <a:pt x="2503216" y="444022"/>
-                  </a:lnTo>
-                  <a:lnTo>
-                    <a:pt x="2503216" y="550201"/>
-                  </a:lnTo>
-                  <a:lnTo>
-                    <a:pt x="2572750" y="550201"/>
-                  </a:lnTo>
-                  <a:lnTo>
-                    <a:pt x="2572750" y="627422"/>
-                  </a:lnTo>
-                  <a:lnTo>
-                    <a:pt x="2642284" y="627422"/>
-                  </a:lnTo>
-                  <a:lnTo>
-                    <a:pt x="2642284" y="656380"/>
-                  </a:lnTo>
-                  <a:lnTo>
-                    <a:pt x="2711818" y="656380"/>
-                  </a:lnTo>
-                  <a:lnTo>
-                    <a:pt x="2711818" y="694991"/>
-                  </a:lnTo>
-                  <a:lnTo>
-                    <a:pt x="2781352" y="694991"/>
-                  </a:lnTo>
-                  <a:lnTo>
-                    <a:pt x="2781352" y="752907"/>
-                  </a:lnTo>
-                  <a:lnTo>
-                    <a:pt x="2850885" y="752907"/>
-                  </a:lnTo>
-                  <a:lnTo>
-                    <a:pt x="2850885" y="772212"/>
-                  </a:lnTo>
-                  <a:lnTo>
-                    <a:pt x="2989953" y="772212"/>
-                  </a:lnTo>
-                  <a:lnTo>
-                    <a:pt x="2989953" y="791517"/>
-                  </a:lnTo>
-                  <a:lnTo>
-                    <a:pt x="3059487" y="791517"/>
-                  </a:lnTo>
-                  <a:lnTo>
-                    <a:pt x="3059487" y="810823"/>
-                  </a:lnTo>
-                  <a:lnTo>
-                    <a:pt x="3129021" y="810823"/>
-                  </a:lnTo>
-                  <a:lnTo>
-                    <a:pt x="3129021" y="868738"/>
-                  </a:lnTo>
-                  <a:lnTo>
-                    <a:pt x="3198554" y="868738"/>
-                  </a:lnTo>
-                  <a:lnTo>
-                    <a:pt x="3198554" y="878391"/>
-                  </a:lnTo>
-                  <a:lnTo>
-                    <a:pt x="3268088" y="878391"/>
-                  </a:lnTo>
-                  <a:lnTo>
-                    <a:pt x="3268088" y="917002"/>
-                  </a:lnTo>
-                  <a:lnTo>
-                    <a:pt x="3337622" y="917002"/>
-                  </a:lnTo>
-                  <a:lnTo>
-                    <a:pt x="3337622" y="974918"/>
-                  </a:lnTo>
-                  <a:lnTo>
-                    <a:pt x="3407156" y="974918"/>
-                  </a:lnTo>
-                  <a:lnTo>
-                    <a:pt x="3407156" y="1003876"/>
-                  </a:lnTo>
-                  <a:lnTo>
-                    <a:pt x="3476690" y="1003876"/>
-                  </a:lnTo>
-                  <a:lnTo>
-                    <a:pt x="3476690" y="1023181"/>
-                  </a:lnTo>
-                  <a:lnTo>
-                    <a:pt x="3754825" y="1023181"/>
-                  </a:lnTo>
-                  <a:lnTo>
-                    <a:pt x="3754825" y="1032834"/>
+                    <a:pt x="1599277" y="10118"/>
+                  </a:lnTo>
+                  <a:lnTo>
+                    <a:pt x="1807878" y="10118"/>
+                  </a:lnTo>
+                  <a:lnTo>
+                    <a:pt x="1807878" y="60708"/>
+                  </a:lnTo>
+                  <a:lnTo>
+                    <a:pt x="1877412" y="60708"/>
+                  </a:lnTo>
+                  <a:lnTo>
+                    <a:pt x="1877412" y="101180"/>
+                  </a:lnTo>
+                  <a:lnTo>
+                    <a:pt x="2016480" y="101180"/>
+                  </a:lnTo>
+                  <a:lnTo>
+                    <a:pt x="2016480" y="111298"/>
+                  </a:lnTo>
+                  <a:lnTo>
+                    <a:pt x="2086014" y="111298"/>
+                  </a:lnTo>
+                  <a:lnTo>
+                    <a:pt x="2086014" y="141653"/>
+                  </a:lnTo>
+                  <a:lnTo>
+                    <a:pt x="2155547" y="141653"/>
+                  </a:lnTo>
+                  <a:lnTo>
+                    <a:pt x="2155547" y="182125"/>
+                  </a:lnTo>
+                  <a:lnTo>
+                    <a:pt x="2225081" y="182125"/>
+                  </a:lnTo>
+                  <a:lnTo>
+                    <a:pt x="2225081" y="263070"/>
+                  </a:lnTo>
+                  <a:lnTo>
+                    <a:pt x="2294615" y="263070"/>
+                  </a:lnTo>
+                  <a:lnTo>
+                    <a:pt x="2294615" y="323778"/>
+                  </a:lnTo>
+                  <a:lnTo>
+                    <a:pt x="2364149" y="323778"/>
+                  </a:lnTo>
+                  <a:lnTo>
+                    <a:pt x="2364149" y="384487"/>
+                  </a:lnTo>
+                  <a:lnTo>
+                    <a:pt x="2433683" y="384487"/>
+                  </a:lnTo>
+                  <a:lnTo>
+                    <a:pt x="2433683" y="465432"/>
+                  </a:lnTo>
+                  <a:lnTo>
+                    <a:pt x="2503216" y="465432"/>
+                  </a:lnTo>
+                  <a:lnTo>
+                    <a:pt x="2503216" y="576730"/>
+                  </a:lnTo>
+                  <a:lnTo>
+                    <a:pt x="2572750" y="576730"/>
+                  </a:lnTo>
+                  <a:lnTo>
+                    <a:pt x="2572750" y="657675"/>
+                  </a:lnTo>
+                  <a:lnTo>
+                    <a:pt x="2642284" y="657675"/>
+                  </a:lnTo>
+                  <a:lnTo>
+                    <a:pt x="2642284" y="688029"/>
+                  </a:lnTo>
+                  <a:lnTo>
+                    <a:pt x="2711818" y="688029"/>
+                  </a:lnTo>
+                  <a:lnTo>
+                    <a:pt x="2711818" y="728502"/>
+                  </a:lnTo>
+                  <a:lnTo>
+                    <a:pt x="2781352" y="728502"/>
+                  </a:lnTo>
+                  <a:lnTo>
+                    <a:pt x="2781352" y="789210"/>
+                  </a:lnTo>
+                  <a:lnTo>
+                    <a:pt x="2850885" y="789210"/>
+                  </a:lnTo>
+                  <a:lnTo>
+                    <a:pt x="2850885" y="809446"/>
+                  </a:lnTo>
+                  <a:lnTo>
+                    <a:pt x="2989953" y="809446"/>
+                  </a:lnTo>
+                  <a:lnTo>
+                    <a:pt x="2989953" y="829683"/>
+                  </a:lnTo>
+                  <a:lnTo>
+                    <a:pt x="3059487" y="829683"/>
+                  </a:lnTo>
+                  <a:lnTo>
+                    <a:pt x="3059487" y="849919"/>
+                  </a:lnTo>
+                  <a:lnTo>
+                    <a:pt x="3129021" y="849919"/>
+                  </a:lnTo>
+                  <a:lnTo>
+                    <a:pt x="3129021" y="910627"/>
+                  </a:lnTo>
+                  <a:lnTo>
+                    <a:pt x="3198554" y="910627"/>
+                  </a:lnTo>
+                  <a:lnTo>
+                    <a:pt x="3198554" y="920745"/>
+                  </a:lnTo>
+                  <a:lnTo>
+                    <a:pt x="3268088" y="920745"/>
+                  </a:lnTo>
+                  <a:lnTo>
+                    <a:pt x="3268088" y="961218"/>
+                  </a:lnTo>
+                  <a:lnTo>
+                    <a:pt x="3337622" y="961218"/>
+                  </a:lnTo>
+                  <a:lnTo>
+                    <a:pt x="3337622" y="1021926"/>
+                  </a:lnTo>
+                  <a:lnTo>
+                    <a:pt x="3407156" y="1021926"/>
+                  </a:lnTo>
+                  <a:lnTo>
+                    <a:pt x="3407156" y="1052281"/>
+                  </a:lnTo>
+                  <a:lnTo>
+                    <a:pt x="3476690" y="1052281"/>
+                  </a:lnTo>
+                  <a:lnTo>
+                    <a:pt x="3476690" y="1072517"/>
+                  </a:lnTo>
+                  <a:lnTo>
+                    <a:pt x="3754825" y="1072517"/>
+                  </a:lnTo>
+                  <a:lnTo>
+                    <a:pt x="3754825" y="1082635"/>
                   </a:lnTo>
                 </a:path>
               </a:pathLst>
@@ -4561,13 +4340,13 @@
         </p:sp>
         <p:sp>
           <p:nvSpPr>
-            <p:cNvPr id="55" name="tx54"/>
-            <p:cNvSpPr/>
-            <p:nvPr/>
-          </p:nvSpPr>
-          <p:spPr>
-            <a:xfrm>
-              <a:off x="5401239" y="2106877"/>
+            <p:cNvPr id="53" name="tx52"/>
+            <p:cNvSpPr/>
+            <p:nvPr/>
+          </p:nvSpPr>
+          <p:spPr>
+            <a:xfrm>
+              <a:off x="5401239" y="2017049"/>
               <a:ext cx="146301" cy="109470"/>
             </a:xfrm>
             <a:prstGeom prst="rect">
@@ -4607,7 +4386,7 @@
         </p:sp>
         <p:sp>
           <p:nvSpPr>
-            <p:cNvPr id="56" name="tx55"/>
+            <p:cNvPr id="54" name="tx53"/>
             <p:cNvSpPr/>
             <p:nvPr/>
           </p:nvSpPr>
@@ -4653,13 +4432,13 @@
         </p:sp>
         <p:sp>
           <p:nvSpPr>
-            <p:cNvPr id="57" name="tx56"/>
-            <p:cNvSpPr/>
-            <p:nvPr/>
-          </p:nvSpPr>
-          <p:spPr>
-            <a:xfrm>
-              <a:off x="1220789" y="3691203"/>
+            <p:cNvPr id="55" name="tx54"/>
+            <p:cNvSpPr/>
+            <p:nvPr/>
+          </p:nvSpPr>
+          <p:spPr>
+            <a:xfrm>
+              <a:off x="1220789" y="3677240"/>
               <a:ext cx="248404" cy="84529"/>
             </a:xfrm>
             <a:prstGeom prst="rect">
@@ -4699,13 +4478,13 @@
         </p:sp>
         <p:sp>
           <p:nvSpPr>
-            <p:cNvPr id="58" name="tx57"/>
-            <p:cNvSpPr/>
-            <p:nvPr/>
-          </p:nvSpPr>
-          <p:spPr>
-            <a:xfrm>
-              <a:off x="1220789" y="3401623"/>
+            <p:cNvPr id="56" name="tx55"/>
+            <p:cNvSpPr/>
+            <p:nvPr/>
+          </p:nvSpPr>
+          <p:spPr>
+            <a:xfrm>
+              <a:off x="1220789" y="3373697"/>
               <a:ext cx="248404" cy="84529"/>
             </a:xfrm>
             <a:prstGeom prst="rect">
@@ -4745,13 +4524,13 @@
         </p:sp>
         <p:sp>
           <p:nvSpPr>
-            <p:cNvPr id="59" name="tx58"/>
-            <p:cNvSpPr/>
-            <p:nvPr/>
-          </p:nvSpPr>
-          <p:spPr>
-            <a:xfrm>
-              <a:off x="1220789" y="3112043"/>
+            <p:cNvPr id="57" name="tx56"/>
+            <p:cNvSpPr/>
+            <p:nvPr/>
+          </p:nvSpPr>
+          <p:spPr>
+            <a:xfrm>
+              <a:off x="1220789" y="3070154"/>
               <a:ext cx="248404" cy="84529"/>
             </a:xfrm>
             <a:prstGeom prst="rect">
@@ -4791,13 +4570,13 @@
         </p:sp>
         <p:sp>
           <p:nvSpPr>
-            <p:cNvPr id="60" name="tx59"/>
-            <p:cNvSpPr/>
-            <p:nvPr/>
-          </p:nvSpPr>
-          <p:spPr>
-            <a:xfrm>
-              <a:off x="1220789" y="2822464"/>
+            <p:cNvPr id="58" name="tx57"/>
+            <p:cNvSpPr/>
+            <p:nvPr/>
+          </p:nvSpPr>
+          <p:spPr>
+            <a:xfrm>
+              <a:off x="1220789" y="2766612"/>
               <a:ext cx="248404" cy="84529"/>
             </a:xfrm>
             <a:prstGeom prst="rect">
@@ -4837,13 +4616,13 @@
         </p:sp>
         <p:sp>
           <p:nvSpPr>
-            <p:cNvPr id="61" name="tx60"/>
-            <p:cNvSpPr/>
-            <p:nvPr/>
-          </p:nvSpPr>
-          <p:spPr>
-            <a:xfrm>
-              <a:off x="1220789" y="2532884"/>
+            <p:cNvPr id="59" name="tx58"/>
+            <p:cNvSpPr/>
+            <p:nvPr/>
+          </p:nvSpPr>
+          <p:spPr>
+            <a:xfrm>
+              <a:off x="1220789" y="2463069"/>
               <a:ext cx="248404" cy="84529"/>
             </a:xfrm>
             <a:prstGeom prst="rect">
@@ -4883,13 +4662,13 @@
         </p:sp>
         <p:sp>
           <p:nvSpPr>
-            <p:cNvPr id="62" name="tx61"/>
-            <p:cNvSpPr/>
-            <p:nvPr/>
-          </p:nvSpPr>
-          <p:spPr>
-            <a:xfrm>
-              <a:off x="1220789" y="2243304"/>
+            <p:cNvPr id="60" name="tx59"/>
+            <p:cNvSpPr/>
+            <p:nvPr/>
+          </p:nvSpPr>
+          <p:spPr>
+            <a:xfrm>
+              <a:off x="1220789" y="2159527"/>
               <a:ext cx="248404" cy="84529"/>
             </a:xfrm>
             <a:prstGeom prst="rect">
@@ -4929,13 +4708,13 @@
         </p:sp>
         <p:sp>
           <p:nvSpPr>
-            <p:cNvPr id="63" name="tx62"/>
-            <p:cNvSpPr/>
-            <p:nvPr/>
-          </p:nvSpPr>
-          <p:spPr>
-            <a:xfrm>
-              <a:off x="1220789" y="1953725"/>
+            <p:cNvPr id="61" name="tx60"/>
+            <p:cNvSpPr/>
+            <p:nvPr/>
+          </p:nvSpPr>
+          <p:spPr>
+            <a:xfrm>
+              <a:off x="1220789" y="1855984"/>
               <a:ext cx="248404" cy="84529"/>
             </a:xfrm>
             <a:prstGeom prst="rect">
@@ -4975,13 +4754,13 @@
         </p:sp>
         <p:sp>
           <p:nvSpPr>
-            <p:cNvPr id="64" name="tx63"/>
-            <p:cNvSpPr/>
-            <p:nvPr/>
-          </p:nvSpPr>
-          <p:spPr>
-            <a:xfrm>
-              <a:off x="1220789" y="1664145"/>
+            <p:cNvPr id="62" name="tx61"/>
+            <p:cNvSpPr/>
+            <p:nvPr/>
+          </p:nvSpPr>
+          <p:spPr>
+            <a:xfrm>
+              <a:off x="1220789" y="1552441"/>
               <a:ext cx="248404" cy="84529"/>
             </a:xfrm>
             <a:prstGeom prst="rect">
@@ -5021,13 +4800,13 @@
         </p:sp>
         <p:sp>
           <p:nvSpPr>
-            <p:cNvPr id="65" name="tx64"/>
-            <p:cNvSpPr/>
-            <p:nvPr/>
-          </p:nvSpPr>
-          <p:spPr>
-            <a:xfrm>
-              <a:off x="1220789" y="1374565"/>
+            <p:cNvPr id="63" name="tx62"/>
+            <p:cNvSpPr/>
+            <p:nvPr/>
+          </p:nvSpPr>
+          <p:spPr>
+            <a:xfrm>
+              <a:off x="1220789" y="1248899"/>
               <a:ext cx="248404" cy="84529"/>
             </a:xfrm>
             <a:prstGeom prst="rect">
@@ -5067,13 +4846,13 @@
         </p:sp>
         <p:sp>
           <p:nvSpPr>
-            <p:cNvPr id="66" name="tx65"/>
-            <p:cNvSpPr/>
-            <p:nvPr/>
-          </p:nvSpPr>
-          <p:spPr>
-            <a:xfrm>
-              <a:off x="1149684" y="1084986"/>
+            <p:cNvPr id="64" name="tx63"/>
+            <p:cNvSpPr/>
+            <p:nvPr/>
+          </p:nvSpPr>
+          <p:spPr>
+            <a:xfrm>
+              <a:off x="1149684" y="945356"/>
               <a:ext cx="319509" cy="84529"/>
             </a:xfrm>
             <a:prstGeom prst="rect">
@@ -5113,7 +4892,7 @@
         </p:sp>
         <p:sp>
           <p:nvSpPr>
-            <p:cNvPr id="67" name="pl66"/>
+            <p:cNvPr id="65" name="pl64"/>
             <p:cNvSpPr/>
             <p:nvPr/>
           </p:nvSpPr>
@@ -5153,13 +4932,13 @@
         </p:sp>
         <p:sp>
           <p:nvSpPr>
-            <p:cNvPr id="68" name="pl67"/>
-            <p:cNvSpPr/>
-            <p:nvPr/>
-          </p:nvSpPr>
-          <p:spPr>
-            <a:xfrm>
-              <a:off x="1497028" y="3734995"/>
+            <p:cNvPr id="66" name="pl65"/>
+            <p:cNvSpPr/>
+            <p:nvPr/>
+          </p:nvSpPr>
+          <p:spPr>
+            <a:xfrm>
+              <a:off x="1497028" y="3721032"/>
               <a:ext cx="34794" cy="0"/>
             </a:xfrm>
             <a:custGeom>
@@ -5193,13 +4972,13 @@
         </p:sp>
         <p:sp>
           <p:nvSpPr>
-            <p:cNvPr id="69" name="pl68"/>
-            <p:cNvSpPr/>
-            <p:nvPr/>
-          </p:nvSpPr>
-          <p:spPr>
-            <a:xfrm>
-              <a:off x="1497028" y="3445416"/>
+            <p:cNvPr id="67" name="pl66"/>
+            <p:cNvSpPr/>
+            <p:nvPr/>
+          </p:nvSpPr>
+          <p:spPr>
+            <a:xfrm>
+              <a:off x="1497028" y="3417490"/>
               <a:ext cx="34794" cy="0"/>
             </a:xfrm>
             <a:custGeom>
@@ -5233,13 +5012,13 @@
         </p:sp>
         <p:sp>
           <p:nvSpPr>
-            <p:cNvPr id="70" name="pl69"/>
-            <p:cNvSpPr/>
-            <p:nvPr/>
-          </p:nvSpPr>
-          <p:spPr>
-            <a:xfrm>
-              <a:off x="1497028" y="3155836"/>
+            <p:cNvPr id="68" name="pl67"/>
+            <p:cNvSpPr/>
+            <p:nvPr/>
+          </p:nvSpPr>
+          <p:spPr>
+            <a:xfrm>
+              <a:off x="1497028" y="3113947"/>
               <a:ext cx="34794" cy="0"/>
             </a:xfrm>
             <a:custGeom>
@@ -5273,13 +5052,13 @@
         </p:sp>
         <p:sp>
           <p:nvSpPr>
-            <p:cNvPr id="71" name="pl70"/>
-            <p:cNvSpPr/>
-            <p:nvPr/>
-          </p:nvSpPr>
-          <p:spPr>
-            <a:xfrm>
-              <a:off x="1497028" y="2866256"/>
+            <p:cNvPr id="69" name="pl68"/>
+            <p:cNvSpPr/>
+            <p:nvPr/>
+          </p:nvSpPr>
+          <p:spPr>
+            <a:xfrm>
+              <a:off x="1497028" y="2810405"/>
               <a:ext cx="34794" cy="0"/>
             </a:xfrm>
             <a:custGeom>
@@ -5313,13 +5092,13 @@
         </p:sp>
         <p:sp>
           <p:nvSpPr>
-            <p:cNvPr id="72" name="pl71"/>
-            <p:cNvSpPr/>
-            <p:nvPr/>
-          </p:nvSpPr>
-          <p:spPr>
-            <a:xfrm>
-              <a:off x="1497028" y="2576677"/>
+            <p:cNvPr id="70" name="pl69"/>
+            <p:cNvSpPr/>
+            <p:nvPr/>
+          </p:nvSpPr>
+          <p:spPr>
+            <a:xfrm>
+              <a:off x="1497028" y="2506862"/>
               <a:ext cx="34794" cy="0"/>
             </a:xfrm>
             <a:custGeom>
@@ -5353,13 +5132,13 @@
         </p:sp>
         <p:sp>
           <p:nvSpPr>
-            <p:cNvPr id="73" name="pl72"/>
-            <p:cNvSpPr/>
-            <p:nvPr/>
-          </p:nvSpPr>
-          <p:spPr>
-            <a:xfrm>
-              <a:off x="1497028" y="2287097"/>
+            <p:cNvPr id="71" name="pl70"/>
+            <p:cNvSpPr/>
+            <p:nvPr/>
+          </p:nvSpPr>
+          <p:spPr>
+            <a:xfrm>
+              <a:off x="1497028" y="2203319"/>
               <a:ext cx="34794" cy="0"/>
             </a:xfrm>
             <a:custGeom>
@@ -5393,13 +5172,13 @@
         </p:sp>
         <p:sp>
           <p:nvSpPr>
-            <p:cNvPr id="74" name="pl73"/>
-            <p:cNvSpPr/>
-            <p:nvPr/>
-          </p:nvSpPr>
-          <p:spPr>
-            <a:xfrm>
-              <a:off x="1497028" y="1997517"/>
+            <p:cNvPr id="72" name="pl71"/>
+            <p:cNvSpPr/>
+            <p:nvPr/>
+          </p:nvSpPr>
+          <p:spPr>
+            <a:xfrm>
+              <a:off x="1497028" y="1899777"/>
               <a:ext cx="34794" cy="0"/>
             </a:xfrm>
             <a:custGeom>
@@ -5433,13 +5212,13 @@
         </p:sp>
         <p:sp>
           <p:nvSpPr>
-            <p:cNvPr id="75" name="pl74"/>
-            <p:cNvSpPr/>
-            <p:nvPr/>
-          </p:nvSpPr>
-          <p:spPr>
-            <a:xfrm>
-              <a:off x="1497028" y="1707938"/>
+            <p:cNvPr id="73" name="pl72"/>
+            <p:cNvSpPr/>
+            <p:nvPr/>
+          </p:nvSpPr>
+          <p:spPr>
+            <a:xfrm>
+              <a:off x="1497028" y="1596234"/>
               <a:ext cx="34794" cy="0"/>
             </a:xfrm>
             <a:custGeom>
@@ -5473,13 +5252,13 @@
         </p:sp>
         <p:sp>
           <p:nvSpPr>
-            <p:cNvPr id="76" name="pl75"/>
-            <p:cNvSpPr/>
-            <p:nvPr/>
-          </p:nvSpPr>
-          <p:spPr>
-            <a:xfrm>
-              <a:off x="1497028" y="1418358"/>
+            <p:cNvPr id="74" name="pl73"/>
+            <p:cNvSpPr/>
+            <p:nvPr/>
+          </p:nvSpPr>
+          <p:spPr>
+            <a:xfrm>
+              <a:off x="1497028" y="1292691"/>
               <a:ext cx="34794" cy="0"/>
             </a:xfrm>
             <a:custGeom>
@@ -5513,13 +5292,13 @@
         </p:sp>
         <p:sp>
           <p:nvSpPr>
-            <p:cNvPr id="77" name="pl76"/>
-            <p:cNvSpPr/>
-            <p:nvPr/>
-          </p:nvSpPr>
-          <p:spPr>
-            <a:xfrm>
-              <a:off x="1497028" y="1128778"/>
+            <p:cNvPr id="75" name="pl74"/>
+            <p:cNvSpPr/>
+            <p:nvPr/>
+          </p:nvSpPr>
+          <p:spPr>
+            <a:xfrm>
+              <a:off x="1497028" y="989149"/>
               <a:ext cx="34794" cy="0"/>
             </a:xfrm>
             <a:custGeom>
@@ -5553,7 +5332,7 @@
         </p:sp>
         <p:sp>
           <p:nvSpPr>
-            <p:cNvPr id="78" name="pl77"/>
+            <p:cNvPr id="76" name="pl75"/>
             <p:cNvSpPr/>
             <p:nvPr/>
           </p:nvSpPr>
@@ -5593,7 +5372,7 @@
         </p:sp>
         <p:sp>
           <p:nvSpPr>
-            <p:cNvPr id="79" name="pl78"/>
+            <p:cNvPr id="77" name="pl76"/>
             <p:cNvSpPr/>
             <p:nvPr/>
           </p:nvSpPr>
@@ -5633,7 +5412,7 @@
         </p:sp>
         <p:sp>
           <p:nvSpPr>
-            <p:cNvPr id="80" name="pl79"/>
+            <p:cNvPr id="78" name="pl77"/>
             <p:cNvSpPr/>
             <p:nvPr/>
           </p:nvSpPr>
@@ -5673,7 +5452,7 @@
         </p:sp>
         <p:sp>
           <p:nvSpPr>
-            <p:cNvPr id="81" name="pl80"/>
+            <p:cNvPr id="79" name="pl78"/>
             <p:cNvSpPr/>
             <p:nvPr/>
           </p:nvSpPr>
@@ -5713,7 +5492,7 @@
         </p:sp>
         <p:sp>
           <p:nvSpPr>
-            <p:cNvPr id="82" name="pl81"/>
+            <p:cNvPr id="80" name="pl79"/>
             <p:cNvSpPr/>
             <p:nvPr/>
           </p:nvSpPr>
@@ -5753,7 +5532,7 @@
         </p:sp>
         <p:sp>
           <p:nvSpPr>
-            <p:cNvPr id="83" name="pl82"/>
+            <p:cNvPr id="81" name="pl80"/>
             <p:cNvSpPr/>
             <p:nvPr/>
           </p:nvSpPr>
@@ -5793,7 +5572,7 @@
         </p:sp>
         <p:sp>
           <p:nvSpPr>
-            <p:cNvPr id="84" name="pl83"/>
+            <p:cNvPr id="82" name="pl81"/>
             <p:cNvSpPr/>
             <p:nvPr/>
           </p:nvSpPr>
@@ -5833,7 +5612,7 @@
         </p:sp>
         <p:sp>
           <p:nvSpPr>
-            <p:cNvPr id="85" name="pl84"/>
+            <p:cNvPr id="83" name="pl82"/>
             <p:cNvSpPr/>
             <p:nvPr/>
           </p:nvSpPr>
@@ -5873,7 +5652,7 @@
         </p:sp>
         <p:sp>
           <p:nvSpPr>
-            <p:cNvPr id="86" name="pl85"/>
+            <p:cNvPr id="84" name="pl83"/>
             <p:cNvSpPr/>
             <p:nvPr/>
           </p:nvSpPr>
@@ -5913,7 +5692,7 @@
         </p:sp>
         <p:sp>
           <p:nvSpPr>
-            <p:cNvPr id="87" name="pl86"/>
+            <p:cNvPr id="85" name="pl84"/>
             <p:cNvSpPr/>
             <p:nvPr/>
           </p:nvSpPr>
@@ -5953,7 +5732,7 @@
         </p:sp>
         <p:sp>
           <p:nvSpPr>
-            <p:cNvPr id="88" name="pl87"/>
+            <p:cNvPr id="86" name="pl85"/>
             <p:cNvSpPr/>
             <p:nvPr/>
           </p:nvSpPr>
@@ -5993,7 +5772,7 @@
         </p:sp>
         <p:sp>
           <p:nvSpPr>
-            <p:cNvPr id="89" name="pl88"/>
+            <p:cNvPr id="87" name="pl86"/>
             <p:cNvSpPr/>
             <p:nvPr/>
           </p:nvSpPr>
@@ -6033,7 +5812,7 @@
         </p:sp>
         <p:sp>
           <p:nvSpPr>
-            <p:cNvPr id="90" name="tx89"/>
+            <p:cNvPr id="88" name="tx87"/>
             <p:cNvSpPr/>
             <p:nvPr/>
           </p:nvSpPr>
@@ -6079,7 +5858,7 @@
         </p:sp>
         <p:sp>
           <p:nvSpPr>
-            <p:cNvPr id="91" name="tx90"/>
+            <p:cNvPr id="89" name="tx88"/>
             <p:cNvSpPr/>
             <p:nvPr/>
           </p:nvSpPr>
@@ -6125,7 +5904,7 @@
         </p:sp>
         <p:sp>
           <p:nvSpPr>
-            <p:cNvPr id="92" name="tx91"/>
+            <p:cNvPr id="90" name="tx89"/>
             <p:cNvSpPr/>
             <p:nvPr/>
           </p:nvSpPr>
@@ -6171,7 +5950,7 @@
         </p:sp>
         <p:sp>
           <p:nvSpPr>
-            <p:cNvPr id="93" name="tx92"/>
+            <p:cNvPr id="91" name="tx90"/>
             <p:cNvSpPr/>
             <p:nvPr/>
           </p:nvSpPr>
@@ -6217,7 +5996,7 @@
         </p:sp>
         <p:sp>
           <p:nvSpPr>
-            <p:cNvPr id="94" name="tx93"/>
+            <p:cNvPr id="92" name="tx91"/>
             <p:cNvSpPr/>
             <p:nvPr/>
           </p:nvSpPr>
@@ -6263,7 +6042,7 @@
         </p:sp>
         <p:sp>
           <p:nvSpPr>
-            <p:cNvPr id="95" name="tx94"/>
+            <p:cNvPr id="93" name="tx92"/>
             <p:cNvSpPr/>
             <p:nvPr/>
           </p:nvSpPr>
@@ -6309,7 +6088,7 @@
         </p:sp>
         <p:sp>
           <p:nvSpPr>
-            <p:cNvPr id="96" name="tx95"/>
+            <p:cNvPr id="94" name="tx93"/>
             <p:cNvSpPr/>
             <p:nvPr/>
           </p:nvSpPr>
@@ -6355,7 +6134,7 @@
         </p:sp>
         <p:sp>
           <p:nvSpPr>
-            <p:cNvPr id="97" name="tx96"/>
+            <p:cNvPr id="95" name="tx94"/>
             <p:cNvSpPr/>
             <p:nvPr/>
           </p:nvSpPr>
@@ -6401,7 +6180,7 @@
         </p:sp>
         <p:sp>
           <p:nvSpPr>
-            <p:cNvPr id="98" name="tx97"/>
+            <p:cNvPr id="96" name="tx95"/>
             <p:cNvSpPr/>
             <p:nvPr/>
           </p:nvSpPr>
@@ -6447,7 +6226,7 @@
         </p:sp>
         <p:sp>
           <p:nvSpPr>
-            <p:cNvPr id="99" name="tx98"/>
+            <p:cNvPr id="97" name="tx96"/>
             <p:cNvSpPr/>
             <p:nvPr/>
           </p:nvSpPr>
@@ -6493,7 +6272,7 @@
         </p:sp>
         <p:sp>
           <p:nvSpPr>
-            <p:cNvPr id="100" name="tx99"/>
+            <p:cNvPr id="98" name="tx97"/>
             <p:cNvSpPr/>
             <p:nvPr/>
           </p:nvSpPr>
@@ -6539,7 +6318,7 @@
         </p:sp>
         <p:sp>
           <p:nvSpPr>
-            <p:cNvPr id="101" name="tx100"/>
+            <p:cNvPr id="99" name="tx98"/>
             <p:cNvSpPr/>
             <p:nvPr/>
           </p:nvSpPr>
@@ -6585,7 +6364,7 @@
         </p:sp>
         <p:sp>
           <p:nvSpPr>
-            <p:cNvPr id="102" name="tx101"/>
+            <p:cNvPr id="100" name="tx99"/>
             <p:cNvSpPr/>
             <p:nvPr/>
           </p:nvSpPr>
@@ -6631,7 +6410,7 @@
         </p:sp>
         <p:sp>
           <p:nvSpPr>
-            <p:cNvPr id="103" name="tx102"/>
+            <p:cNvPr id="101" name="tx100"/>
             <p:cNvSpPr/>
             <p:nvPr/>
           </p:nvSpPr>
@@ -6677,7 +6456,7 @@
         </p:sp>
         <p:sp>
           <p:nvSpPr>
-            <p:cNvPr id="104" name="rc103"/>
+            <p:cNvPr id="102" name="rc101"/>
             <p:cNvSpPr/>
             <p:nvPr/>
           </p:nvSpPr>
@@ -6703,7 +6482,7 @@
         </p:sp>
         <p:sp>
           <p:nvSpPr>
-            <p:cNvPr id="105" name="tx104"/>
+            <p:cNvPr id="103" name="tx102"/>
             <p:cNvSpPr/>
             <p:nvPr/>
           </p:nvSpPr>
@@ -6749,7 +6528,7 @@
         </p:sp>
         <p:sp>
           <p:nvSpPr>
-            <p:cNvPr id="106" name="rc105"/>
+            <p:cNvPr id="104" name="rc103"/>
             <p:cNvSpPr/>
             <p:nvPr/>
           </p:nvSpPr>
@@ -6775,7 +6554,7 @@
         </p:sp>
         <p:sp>
           <p:nvSpPr>
-            <p:cNvPr id="107" name="pl106"/>
+            <p:cNvPr id="105" name="pl104"/>
             <p:cNvSpPr/>
             <p:nvPr/>
           </p:nvSpPr>
@@ -6815,7 +6594,7 @@
         </p:sp>
         <p:sp>
           <p:nvSpPr>
-            <p:cNvPr id="108" name="tx107"/>
+            <p:cNvPr id="106" name="tx105"/>
             <p:cNvSpPr/>
             <p:nvPr/>
           </p:nvSpPr>
@@ -6861,7 +6640,7 @@
         </p:sp>
         <p:sp>
           <p:nvSpPr>
-            <p:cNvPr id="109" name="tx108"/>
+            <p:cNvPr id="107" name="tx106"/>
             <p:cNvSpPr/>
             <p:nvPr/>
           </p:nvSpPr>

--- a/reference/ONDA_XX-Survival-Curve.pptx
+++ b/reference/ONDA_XX-Survival-Curve.pptx
@@ -2359,7 +2359,7 @@
           </p:nvSpPr>
           <p:spPr>
             <a:xfrm>
-              <a:off x="1531823" y="3872804"/>
+              <a:off x="1531823" y="4169365"/>
               <a:ext cx="4130307" cy="0"/>
             </a:xfrm>
             <a:custGeom>
@@ -2369,6 +2369,9 @@
                   <a:moveTo>
                     <a:pt x="0" y="0"/>
                   </a:moveTo>
+                  <a:lnTo>
+                    <a:pt x="4130307" y="0"/>
+                  </a:lnTo>
                   <a:lnTo>
                     <a:pt x="4130307" y="0"/>
                   </a:lnTo>
@@ -2399,7 +2402,7 @@
           </p:nvSpPr>
           <p:spPr>
             <a:xfrm>
-              <a:off x="1531823" y="3569261"/>
+              <a:off x="1531823" y="3879785"/>
               <a:ext cx="4130307" cy="0"/>
             </a:xfrm>
             <a:custGeom>
@@ -2409,6 +2412,9 @@
                   <a:moveTo>
                     <a:pt x="0" y="0"/>
                   </a:moveTo>
+                  <a:lnTo>
+                    <a:pt x="4130307" y="0"/>
+                  </a:lnTo>
                   <a:lnTo>
                     <a:pt x="4130307" y="0"/>
                   </a:lnTo>
@@ -2439,7 +2445,7 @@
           </p:nvSpPr>
           <p:spPr>
             <a:xfrm>
-              <a:off x="1531823" y="3265718"/>
+              <a:off x="1531823" y="3590206"/>
               <a:ext cx="4130307" cy="0"/>
             </a:xfrm>
             <a:custGeom>
@@ -2449,6 +2455,9 @@
                   <a:moveTo>
                     <a:pt x="0" y="0"/>
                   </a:moveTo>
+                  <a:lnTo>
+                    <a:pt x="4130307" y="0"/>
+                  </a:lnTo>
                   <a:lnTo>
                     <a:pt x="4130307" y="0"/>
                   </a:lnTo>
@@ -2479,7 +2488,7 @@
           </p:nvSpPr>
           <p:spPr>
             <a:xfrm>
-              <a:off x="1531823" y="2962176"/>
+              <a:off x="1531823" y="3300626"/>
               <a:ext cx="4130307" cy="0"/>
             </a:xfrm>
             <a:custGeom>
@@ -2489,6 +2498,9 @@
                   <a:moveTo>
                     <a:pt x="0" y="0"/>
                   </a:moveTo>
+                  <a:lnTo>
+                    <a:pt x="4130307" y="0"/>
+                  </a:lnTo>
                   <a:lnTo>
                     <a:pt x="4130307" y="0"/>
                   </a:lnTo>
@@ -2519,7 +2531,7 @@
           </p:nvSpPr>
           <p:spPr>
             <a:xfrm>
-              <a:off x="1531823" y="2658633"/>
+              <a:off x="1531823" y="3011046"/>
               <a:ext cx="4130307" cy="0"/>
             </a:xfrm>
             <a:custGeom>
@@ -2529,6 +2541,9 @@
                   <a:moveTo>
                     <a:pt x="0" y="0"/>
                   </a:moveTo>
+                  <a:lnTo>
+                    <a:pt x="4130307" y="0"/>
+                  </a:lnTo>
                   <a:lnTo>
                     <a:pt x="4130307" y="0"/>
                   </a:lnTo>
@@ -2559,7 +2574,7 @@
           </p:nvSpPr>
           <p:spPr>
             <a:xfrm>
-              <a:off x="1531823" y="2355091"/>
+              <a:off x="1531823" y="2721467"/>
               <a:ext cx="4130307" cy="0"/>
             </a:xfrm>
             <a:custGeom>
@@ -2569,6 +2584,9 @@
                   <a:moveTo>
                     <a:pt x="0" y="0"/>
                   </a:moveTo>
+                  <a:lnTo>
+                    <a:pt x="4130307" y="0"/>
+                  </a:lnTo>
                   <a:lnTo>
                     <a:pt x="4130307" y="0"/>
                   </a:lnTo>
@@ -2599,7 +2617,7 @@
           </p:nvSpPr>
           <p:spPr>
             <a:xfrm>
-              <a:off x="1531823" y="2051548"/>
+              <a:off x="1531823" y="2431887"/>
               <a:ext cx="4130307" cy="0"/>
             </a:xfrm>
             <a:custGeom>
@@ -2609,6 +2627,9 @@
                   <a:moveTo>
                     <a:pt x="0" y="0"/>
                   </a:moveTo>
+                  <a:lnTo>
+                    <a:pt x="4130307" y="0"/>
+                  </a:lnTo>
                   <a:lnTo>
                     <a:pt x="4130307" y="0"/>
                   </a:lnTo>
@@ -2639,7 +2660,7 @@
           </p:nvSpPr>
           <p:spPr>
             <a:xfrm>
-              <a:off x="1531823" y="1748005"/>
+              <a:off x="1531823" y="2142307"/>
               <a:ext cx="4130307" cy="0"/>
             </a:xfrm>
             <a:custGeom>
@@ -2649,6 +2670,9 @@
                   <a:moveTo>
                     <a:pt x="0" y="0"/>
                   </a:moveTo>
+                  <a:lnTo>
+                    <a:pt x="4130307" y="0"/>
+                  </a:lnTo>
                   <a:lnTo>
                     <a:pt x="4130307" y="0"/>
                   </a:lnTo>
@@ -2679,7 +2703,7 @@
           </p:nvSpPr>
           <p:spPr>
             <a:xfrm>
-              <a:off x="1531823" y="1444463"/>
+              <a:off x="1531823" y="1852728"/>
               <a:ext cx="4130307" cy="0"/>
             </a:xfrm>
             <a:custGeom>
@@ -2689,6 +2713,9 @@
                   <a:moveTo>
                     <a:pt x="0" y="0"/>
                   </a:moveTo>
+                  <a:lnTo>
+                    <a:pt x="4130307" y="0"/>
+                  </a:lnTo>
                   <a:lnTo>
                     <a:pt x="4130307" y="0"/>
                   </a:lnTo>
@@ -2719,7 +2746,7 @@
           </p:nvSpPr>
           <p:spPr>
             <a:xfrm>
-              <a:off x="1531823" y="1140920"/>
+              <a:off x="1531823" y="1563148"/>
               <a:ext cx="4130307" cy="0"/>
             </a:xfrm>
             <a:custGeom>
@@ -2729,6 +2756,9 @@
                   <a:moveTo>
                     <a:pt x="0" y="0"/>
                   </a:moveTo>
+                  <a:lnTo>
+                    <a:pt x="4130307" y="0"/>
+                  </a:lnTo>
                   <a:lnTo>
                     <a:pt x="4130307" y="0"/>
                   </a:lnTo>
@@ -2754,6 +2784,92 @@
         <p:sp>
           <p:nvSpPr>
             <p:cNvPr id="17" name="pl16"/>
+            <p:cNvSpPr/>
+            <p:nvPr/>
+          </p:nvSpPr>
+          <p:spPr>
+            <a:xfrm>
+              <a:off x="1531823" y="1273568"/>
+              <a:ext cx="4130307" cy="0"/>
+            </a:xfrm>
+            <a:custGeom>
+              <a:avLst/>
+              <a:pathLst>
+                <a:path w="4130307" h="0">
+                  <a:moveTo>
+                    <a:pt x="0" y="0"/>
+                  </a:moveTo>
+                  <a:lnTo>
+                    <a:pt x="4130307" y="0"/>
+                  </a:lnTo>
+                  <a:lnTo>
+                    <a:pt x="4130307" y="0"/>
+                  </a:lnTo>
+                </a:path>
+              </a:pathLst>
+            </a:custGeom>
+            <a:ln w="6775" cap="flat">
+              <a:solidFill>
+                <a:srgbClr val="FFFFFF">
+                  <a:alpha val="100000"/>
+                </a:srgbClr>
+              </a:solidFill>
+              <a:prstDash val="solid"/>
+              <a:round/>
+            </a:ln>
+          </p:spPr>
+          <p:txBody>
+            <a:bodyPr/>
+            <a:lstStyle/>
+            <a:p/>
+          </p:txBody>
+        </p:sp>
+        <p:sp>
+          <p:nvSpPr>
+            <p:cNvPr id="18" name="pl17"/>
+            <p:cNvSpPr/>
+            <p:nvPr/>
+          </p:nvSpPr>
+          <p:spPr>
+            <a:xfrm>
+              <a:off x="1531823" y="983989"/>
+              <a:ext cx="4130307" cy="0"/>
+            </a:xfrm>
+            <a:custGeom>
+              <a:avLst/>
+              <a:pathLst>
+                <a:path w="4130307" h="0">
+                  <a:moveTo>
+                    <a:pt x="0" y="0"/>
+                  </a:moveTo>
+                  <a:lnTo>
+                    <a:pt x="4130307" y="0"/>
+                  </a:lnTo>
+                  <a:lnTo>
+                    <a:pt x="4130307" y="0"/>
+                  </a:lnTo>
+                </a:path>
+              </a:pathLst>
+            </a:custGeom>
+            <a:ln w="6775" cap="flat">
+              <a:solidFill>
+                <a:srgbClr val="FFFFFF">
+                  <a:alpha val="100000"/>
+                </a:srgbClr>
+              </a:solidFill>
+              <a:prstDash val="solid"/>
+              <a:round/>
+            </a:ln>
+          </p:spPr>
+          <p:txBody>
+            <a:bodyPr/>
+            <a:lstStyle/>
+            <a:p/>
+          </p:txBody>
+        </p:sp>
+        <p:sp>
+          <p:nvSpPr>
+            <p:cNvPr id="19" name="pl18"/>
             <p:cNvSpPr/>
             <p:nvPr/>
           </p:nvSpPr>
@@ -2772,6 +2888,9 @@
                   <a:lnTo>
                     <a:pt x="0" y="0"/>
                   </a:lnTo>
+                  <a:lnTo>
+                    <a:pt x="0" y="0"/>
+                  </a:lnTo>
                 </a:path>
               </a:pathLst>
             </a:custGeom>
@@ -2793,7 +2912,7 @@
         </p:sp>
         <p:sp>
           <p:nvSpPr>
-            <p:cNvPr id="18" name="pl17"/>
+            <p:cNvPr id="20" name="pl19"/>
             <p:cNvSpPr/>
             <p:nvPr/>
           </p:nvSpPr>
@@ -2812,6 +2931,9 @@
                   <a:lnTo>
                     <a:pt x="0" y="0"/>
                   </a:lnTo>
+                  <a:lnTo>
+                    <a:pt x="0" y="0"/>
+                  </a:lnTo>
                 </a:path>
               </a:pathLst>
             </a:custGeom>
@@ -2833,7 +2955,7 @@
         </p:sp>
         <p:sp>
           <p:nvSpPr>
-            <p:cNvPr id="19" name="pl18"/>
+            <p:cNvPr id="21" name="pl20"/>
             <p:cNvSpPr/>
             <p:nvPr/>
           </p:nvSpPr>
@@ -2852,6 +2974,9 @@
                   <a:lnTo>
                     <a:pt x="0" y="0"/>
                   </a:lnTo>
+                  <a:lnTo>
+                    <a:pt x="0" y="0"/>
+                  </a:lnTo>
                 </a:path>
               </a:pathLst>
             </a:custGeom>
@@ -2873,7 +2998,7 @@
         </p:sp>
         <p:sp>
           <p:nvSpPr>
-            <p:cNvPr id="20" name="pl19"/>
+            <p:cNvPr id="22" name="pl21"/>
             <p:cNvSpPr/>
             <p:nvPr/>
           </p:nvSpPr>
@@ -2892,6 +3017,9 @@
                   <a:lnTo>
                     <a:pt x="0" y="0"/>
                   </a:lnTo>
+                  <a:lnTo>
+                    <a:pt x="0" y="0"/>
+                  </a:lnTo>
                 </a:path>
               </a:pathLst>
             </a:custGeom>
@@ -2913,7 +3041,7 @@
         </p:sp>
         <p:sp>
           <p:nvSpPr>
-            <p:cNvPr id="21" name="pl20"/>
+            <p:cNvPr id="23" name="pl22"/>
             <p:cNvSpPr/>
             <p:nvPr/>
           </p:nvSpPr>
@@ -2932,6 +3060,9 @@
                   <a:lnTo>
                     <a:pt x="0" y="0"/>
                   </a:lnTo>
+                  <a:lnTo>
+                    <a:pt x="0" y="0"/>
+                  </a:lnTo>
                 </a:path>
               </a:pathLst>
             </a:custGeom>
@@ -2953,7 +3084,7 @@
         </p:sp>
         <p:sp>
           <p:nvSpPr>
-            <p:cNvPr id="22" name="pl21"/>
+            <p:cNvPr id="24" name="pl23"/>
             <p:cNvSpPr/>
             <p:nvPr/>
           </p:nvSpPr>
@@ -2972,6 +3103,9 @@
                   <a:lnTo>
                     <a:pt x="0" y="0"/>
                   </a:lnTo>
+                  <a:lnTo>
+                    <a:pt x="0" y="0"/>
+                  </a:lnTo>
                 </a:path>
               </a:pathLst>
             </a:custGeom>
@@ -2993,7 +3127,7 @@
         </p:sp>
         <p:sp>
           <p:nvSpPr>
-            <p:cNvPr id="23" name="pl22"/>
+            <p:cNvPr id="25" name="pl24"/>
             <p:cNvSpPr/>
             <p:nvPr/>
           </p:nvSpPr>
@@ -3012,6 +3146,9 @@
                   <a:lnTo>
                     <a:pt x="0" y="0"/>
                   </a:lnTo>
+                  <a:lnTo>
+                    <a:pt x="0" y="0"/>
+                  </a:lnTo>
                 </a:path>
               </a:pathLst>
             </a:custGeom>
@@ -3033,7 +3170,7 @@
         </p:sp>
         <p:sp>
           <p:nvSpPr>
-            <p:cNvPr id="24" name="pl23"/>
+            <p:cNvPr id="26" name="pl25"/>
             <p:cNvSpPr/>
             <p:nvPr/>
           </p:nvSpPr>
@@ -3052,6 +3189,9 @@
                   <a:lnTo>
                     <a:pt x="0" y="0"/>
                   </a:lnTo>
+                  <a:lnTo>
+                    <a:pt x="0" y="0"/>
+                  </a:lnTo>
                 </a:path>
               </a:pathLst>
             </a:custGeom>
@@ -3073,7 +3213,7 @@
         </p:sp>
         <p:sp>
           <p:nvSpPr>
-            <p:cNvPr id="25" name="pl24"/>
+            <p:cNvPr id="27" name="pl26"/>
             <p:cNvSpPr/>
             <p:nvPr/>
           </p:nvSpPr>
@@ -3092,6 +3232,9 @@
                   <a:lnTo>
                     <a:pt x="0" y="0"/>
                   </a:lnTo>
+                  <a:lnTo>
+                    <a:pt x="0" y="0"/>
+                  </a:lnTo>
                 </a:path>
               </a:pathLst>
             </a:custGeom>
@@ -3113,7 +3256,7 @@
         </p:sp>
         <p:sp>
           <p:nvSpPr>
-            <p:cNvPr id="26" name="pl25"/>
+            <p:cNvPr id="28" name="pl27"/>
             <p:cNvSpPr/>
             <p:nvPr/>
           </p:nvSpPr>
@@ -3132,6 +3275,9 @@
                   <a:lnTo>
                     <a:pt x="0" y="0"/>
                   </a:lnTo>
+                  <a:lnTo>
+                    <a:pt x="0" y="0"/>
+                  </a:lnTo>
                 </a:path>
               </a:pathLst>
             </a:custGeom>
@@ -3153,7 +3299,7 @@
         </p:sp>
         <p:sp>
           <p:nvSpPr>
-            <p:cNvPr id="27" name="pl26"/>
+            <p:cNvPr id="29" name="pl28"/>
             <p:cNvSpPr/>
             <p:nvPr/>
           </p:nvSpPr>
@@ -3172,6 +3318,9 @@
                   <a:lnTo>
                     <a:pt x="0" y="0"/>
                   </a:lnTo>
+                  <a:lnTo>
+                    <a:pt x="0" y="0"/>
+                  </a:lnTo>
                 </a:path>
               </a:pathLst>
             </a:custGeom>
@@ -3193,7 +3342,7 @@
         </p:sp>
         <p:sp>
           <p:nvSpPr>
-            <p:cNvPr id="28" name="pl27"/>
+            <p:cNvPr id="30" name="pl29"/>
             <p:cNvSpPr/>
             <p:nvPr/>
           </p:nvSpPr>
@@ -3212,6 +3361,9 @@
                   <a:lnTo>
                     <a:pt x="0" y="0"/>
                   </a:lnTo>
+                  <a:lnTo>
+                    <a:pt x="0" y="0"/>
+                  </a:lnTo>
                 </a:path>
               </a:pathLst>
             </a:custGeom>
@@ -3233,7 +3385,7 @@
         </p:sp>
         <p:sp>
           <p:nvSpPr>
-            <p:cNvPr id="29" name="pl28"/>
+            <p:cNvPr id="31" name="pl30"/>
             <p:cNvSpPr/>
             <p:nvPr/>
           </p:nvSpPr>
@@ -3249,6 +3401,9 @@
                   <a:moveTo>
                     <a:pt x="0" y="0"/>
                   </a:moveTo>
+                  <a:lnTo>
+                    <a:pt x="4130307" y="0"/>
+                  </a:lnTo>
                   <a:lnTo>
                     <a:pt x="4130307" y="0"/>
                   </a:lnTo>
@@ -3273,13 +3428,13 @@
         </p:sp>
         <p:sp>
           <p:nvSpPr>
-            <p:cNvPr id="30" name="pl29"/>
-            <p:cNvSpPr/>
-            <p:nvPr/>
-          </p:nvSpPr>
-          <p:spPr>
-            <a:xfrm>
-              <a:off x="1531823" y="3721032"/>
+            <p:cNvPr id="32" name="pl31"/>
+            <p:cNvSpPr/>
+            <p:nvPr/>
+          </p:nvSpPr>
+          <p:spPr>
+            <a:xfrm>
+              <a:off x="1531823" y="3734995"/>
               <a:ext cx="4130307" cy="0"/>
             </a:xfrm>
             <a:custGeom>
@@ -3289,6 +3444,9 @@
                   <a:moveTo>
                     <a:pt x="0" y="0"/>
                   </a:moveTo>
+                  <a:lnTo>
+                    <a:pt x="4130307" y="0"/>
+                  </a:lnTo>
                   <a:lnTo>
                     <a:pt x="4130307" y="0"/>
                   </a:lnTo>
@@ -3313,13 +3471,13 @@
         </p:sp>
         <p:sp>
           <p:nvSpPr>
-            <p:cNvPr id="31" name="pl30"/>
-            <p:cNvSpPr/>
-            <p:nvPr/>
-          </p:nvSpPr>
-          <p:spPr>
-            <a:xfrm>
-              <a:off x="1531823" y="3417490"/>
+            <p:cNvPr id="33" name="pl32"/>
+            <p:cNvSpPr/>
+            <p:nvPr/>
+          </p:nvSpPr>
+          <p:spPr>
+            <a:xfrm>
+              <a:off x="1531823" y="3445416"/>
               <a:ext cx="4130307" cy="0"/>
             </a:xfrm>
             <a:custGeom>
@@ -3329,6 +3487,9 @@
                   <a:moveTo>
                     <a:pt x="0" y="0"/>
                   </a:moveTo>
+                  <a:lnTo>
+                    <a:pt x="4130307" y="0"/>
+                  </a:lnTo>
                   <a:lnTo>
                     <a:pt x="4130307" y="0"/>
                   </a:lnTo>
@@ -3353,13 +3514,13 @@
         </p:sp>
         <p:sp>
           <p:nvSpPr>
-            <p:cNvPr id="32" name="pl31"/>
-            <p:cNvSpPr/>
-            <p:nvPr/>
-          </p:nvSpPr>
-          <p:spPr>
-            <a:xfrm>
-              <a:off x="1531823" y="3113947"/>
+            <p:cNvPr id="34" name="pl33"/>
+            <p:cNvSpPr/>
+            <p:nvPr/>
+          </p:nvSpPr>
+          <p:spPr>
+            <a:xfrm>
+              <a:off x="1531823" y="3155836"/>
               <a:ext cx="4130307" cy="0"/>
             </a:xfrm>
             <a:custGeom>
@@ -3369,6 +3530,9 @@
                   <a:moveTo>
                     <a:pt x="0" y="0"/>
                   </a:moveTo>
+                  <a:lnTo>
+                    <a:pt x="4130307" y="0"/>
+                  </a:lnTo>
                   <a:lnTo>
                     <a:pt x="4130307" y="0"/>
                   </a:lnTo>
@@ -3393,13 +3557,13 @@
         </p:sp>
         <p:sp>
           <p:nvSpPr>
-            <p:cNvPr id="33" name="pl32"/>
-            <p:cNvSpPr/>
-            <p:nvPr/>
-          </p:nvSpPr>
-          <p:spPr>
-            <a:xfrm>
-              <a:off x="1531823" y="2810405"/>
+            <p:cNvPr id="35" name="pl34"/>
+            <p:cNvSpPr/>
+            <p:nvPr/>
+          </p:nvSpPr>
+          <p:spPr>
+            <a:xfrm>
+              <a:off x="1531823" y="2866256"/>
               <a:ext cx="4130307" cy="0"/>
             </a:xfrm>
             <a:custGeom>
@@ -3409,6 +3573,9 @@
                   <a:moveTo>
                     <a:pt x="0" y="0"/>
                   </a:moveTo>
+                  <a:lnTo>
+                    <a:pt x="4130307" y="0"/>
+                  </a:lnTo>
                   <a:lnTo>
                     <a:pt x="4130307" y="0"/>
                   </a:lnTo>
@@ -3433,13 +3600,13 @@
         </p:sp>
         <p:sp>
           <p:nvSpPr>
-            <p:cNvPr id="34" name="pl33"/>
-            <p:cNvSpPr/>
-            <p:nvPr/>
-          </p:nvSpPr>
-          <p:spPr>
-            <a:xfrm>
-              <a:off x="1531823" y="2506862"/>
+            <p:cNvPr id="36" name="pl35"/>
+            <p:cNvSpPr/>
+            <p:nvPr/>
+          </p:nvSpPr>
+          <p:spPr>
+            <a:xfrm>
+              <a:off x="1531823" y="2576677"/>
               <a:ext cx="4130307" cy="0"/>
             </a:xfrm>
             <a:custGeom>
@@ -3449,6 +3616,9 @@
                   <a:moveTo>
                     <a:pt x="0" y="0"/>
                   </a:moveTo>
+                  <a:lnTo>
+                    <a:pt x="4130307" y="0"/>
+                  </a:lnTo>
                   <a:lnTo>
                     <a:pt x="4130307" y="0"/>
                   </a:lnTo>
@@ -3473,13 +3643,13 @@
         </p:sp>
         <p:sp>
           <p:nvSpPr>
-            <p:cNvPr id="35" name="pl34"/>
-            <p:cNvSpPr/>
-            <p:nvPr/>
-          </p:nvSpPr>
-          <p:spPr>
-            <a:xfrm>
-              <a:off x="1531823" y="2203319"/>
+            <p:cNvPr id="37" name="pl36"/>
+            <p:cNvSpPr/>
+            <p:nvPr/>
+          </p:nvSpPr>
+          <p:spPr>
+            <a:xfrm>
+              <a:off x="1531823" y="2287097"/>
               <a:ext cx="4130307" cy="0"/>
             </a:xfrm>
             <a:custGeom>
@@ -3489,6 +3659,9 @@
                   <a:moveTo>
                     <a:pt x="0" y="0"/>
                   </a:moveTo>
+                  <a:lnTo>
+                    <a:pt x="4130307" y="0"/>
+                  </a:lnTo>
                   <a:lnTo>
                     <a:pt x="4130307" y="0"/>
                   </a:lnTo>
@@ -3513,13 +3686,13 @@
         </p:sp>
         <p:sp>
           <p:nvSpPr>
-            <p:cNvPr id="36" name="pl35"/>
-            <p:cNvSpPr/>
-            <p:nvPr/>
-          </p:nvSpPr>
-          <p:spPr>
-            <a:xfrm>
-              <a:off x="1531823" y="1899777"/>
+            <p:cNvPr id="38" name="pl37"/>
+            <p:cNvSpPr/>
+            <p:nvPr/>
+          </p:nvSpPr>
+          <p:spPr>
+            <a:xfrm>
+              <a:off x="1531823" y="1997517"/>
               <a:ext cx="4130307" cy="0"/>
             </a:xfrm>
             <a:custGeom>
@@ -3529,6 +3702,9 @@
                   <a:moveTo>
                     <a:pt x="0" y="0"/>
                   </a:moveTo>
+                  <a:lnTo>
+                    <a:pt x="4130307" y="0"/>
+                  </a:lnTo>
                   <a:lnTo>
                     <a:pt x="4130307" y="0"/>
                   </a:lnTo>
@@ -3553,13 +3729,13 @@
         </p:sp>
         <p:sp>
           <p:nvSpPr>
-            <p:cNvPr id="37" name="pl36"/>
-            <p:cNvSpPr/>
-            <p:nvPr/>
-          </p:nvSpPr>
-          <p:spPr>
-            <a:xfrm>
-              <a:off x="1531823" y="1596234"/>
+            <p:cNvPr id="39" name="pl38"/>
+            <p:cNvSpPr/>
+            <p:nvPr/>
+          </p:nvSpPr>
+          <p:spPr>
+            <a:xfrm>
+              <a:off x="1531823" y="1707938"/>
               <a:ext cx="4130307" cy="0"/>
             </a:xfrm>
             <a:custGeom>
@@ -3569,6 +3745,9 @@
                   <a:moveTo>
                     <a:pt x="0" y="0"/>
                   </a:moveTo>
+                  <a:lnTo>
+                    <a:pt x="4130307" y="0"/>
+                  </a:lnTo>
                   <a:lnTo>
                     <a:pt x="4130307" y="0"/>
                   </a:lnTo>
@@ -3593,13 +3772,13 @@
         </p:sp>
         <p:sp>
           <p:nvSpPr>
-            <p:cNvPr id="38" name="pl37"/>
-            <p:cNvSpPr/>
-            <p:nvPr/>
-          </p:nvSpPr>
-          <p:spPr>
-            <a:xfrm>
-              <a:off x="1531823" y="1292691"/>
+            <p:cNvPr id="40" name="pl39"/>
+            <p:cNvSpPr/>
+            <p:nvPr/>
+          </p:nvSpPr>
+          <p:spPr>
+            <a:xfrm>
+              <a:off x="1531823" y="1418358"/>
               <a:ext cx="4130307" cy="0"/>
             </a:xfrm>
             <a:custGeom>
@@ -3609,6 +3788,9 @@
                   <a:moveTo>
                     <a:pt x="0" y="0"/>
                   </a:moveTo>
+                  <a:lnTo>
+                    <a:pt x="4130307" y="0"/>
+                  </a:lnTo>
                   <a:lnTo>
                     <a:pt x="4130307" y="0"/>
                   </a:lnTo>
@@ -3633,13 +3815,13 @@
         </p:sp>
         <p:sp>
           <p:nvSpPr>
-            <p:cNvPr id="39" name="pl38"/>
-            <p:cNvSpPr/>
-            <p:nvPr/>
-          </p:nvSpPr>
-          <p:spPr>
-            <a:xfrm>
-              <a:off x="1531823" y="989149"/>
+            <p:cNvPr id="41" name="pl40"/>
+            <p:cNvSpPr/>
+            <p:nvPr/>
+          </p:nvSpPr>
+          <p:spPr>
+            <a:xfrm>
+              <a:off x="1531823" y="1128778"/>
               <a:ext cx="4130307" cy="0"/>
             </a:xfrm>
             <a:custGeom>
@@ -3649,6 +3831,9 @@
                   <a:moveTo>
                     <a:pt x="0" y="0"/>
                   </a:moveTo>
+                  <a:lnTo>
+                    <a:pt x="4130307" y="0"/>
+                  </a:lnTo>
                   <a:lnTo>
                     <a:pt x="4130307" y="0"/>
                   </a:lnTo>
@@ -3673,7 +3858,7 @@
         </p:sp>
         <p:sp>
           <p:nvSpPr>
-            <p:cNvPr id="40" name="pl39"/>
+            <p:cNvPr id="42" name="pl41"/>
             <p:cNvSpPr/>
             <p:nvPr/>
           </p:nvSpPr>
@@ -3692,6 +3877,9 @@
                   <a:lnTo>
                     <a:pt x="0" y="0"/>
                   </a:lnTo>
+                  <a:lnTo>
+                    <a:pt x="0" y="0"/>
+                  </a:lnTo>
                 </a:path>
               </a:pathLst>
             </a:custGeom>
@@ -3713,7 +3901,7 @@
         </p:sp>
         <p:sp>
           <p:nvSpPr>
-            <p:cNvPr id="41" name="pl40"/>
+            <p:cNvPr id="43" name="pl42"/>
             <p:cNvSpPr/>
             <p:nvPr/>
           </p:nvSpPr>
@@ -3732,6 +3920,9 @@
                   <a:lnTo>
                     <a:pt x="0" y="0"/>
                   </a:lnTo>
+                  <a:lnTo>
+                    <a:pt x="0" y="0"/>
+                  </a:lnTo>
                 </a:path>
               </a:pathLst>
             </a:custGeom>
@@ -3753,7 +3944,7 @@
         </p:sp>
         <p:sp>
           <p:nvSpPr>
-            <p:cNvPr id="42" name="pl41"/>
+            <p:cNvPr id="44" name="pl43"/>
             <p:cNvSpPr/>
             <p:nvPr/>
           </p:nvSpPr>
@@ -3772,6 +3963,9 @@
                   <a:lnTo>
                     <a:pt x="0" y="0"/>
                   </a:lnTo>
+                  <a:lnTo>
+                    <a:pt x="0" y="0"/>
+                  </a:lnTo>
                 </a:path>
               </a:pathLst>
             </a:custGeom>
@@ -3793,7 +3987,7 @@
         </p:sp>
         <p:sp>
           <p:nvSpPr>
-            <p:cNvPr id="43" name="pl42"/>
+            <p:cNvPr id="45" name="pl44"/>
             <p:cNvSpPr/>
             <p:nvPr/>
           </p:nvSpPr>
@@ -3812,6 +4006,9 @@
                   <a:lnTo>
                     <a:pt x="0" y="0"/>
                   </a:lnTo>
+                  <a:lnTo>
+                    <a:pt x="0" y="0"/>
+                  </a:lnTo>
                 </a:path>
               </a:pathLst>
             </a:custGeom>
@@ -3833,7 +4030,7 @@
         </p:sp>
         <p:sp>
           <p:nvSpPr>
-            <p:cNvPr id="44" name="pl43"/>
+            <p:cNvPr id="46" name="pl45"/>
             <p:cNvSpPr/>
             <p:nvPr/>
           </p:nvSpPr>
@@ -3852,6 +4049,9 @@
                   <a:lnTo>
                     <a:pt x="0" y="0"/>
                   </a:lnTo>
+                  <a:lnTo>
+                    <a:pt x="0" y="0"/>
+                  </a:lnTo>
                 </a:path>
               </a:pathLst>
             </a:custGeom>
@@ -3873,7 +4073,7 @@
         </p:sp>
         <p:sp>
           <p:nvSpPr>
-            <p:cNvPr id="45" name="pl44"/>
+            <p:cNvPr id="47" name="pl46"/>
             <p:cNvSpPr/>
             <p:nvPr/>
           </p:nvSpPr>
@@ -3892,6 +4092,9 @@
                   <a:lnTo>
                     <a:pt x="0" y="0"/>
                   </a:lnTo>
+                  <a:lnTo>
+                    <a:pt x="0" y="0"/>
+                  </a:lnTo>
                 </a:path>
               </a:pathLst>
             </a:custGeom>
@@ -3913,7 +4116,7 @@
         </p:sp>
         <p:sp>
           <p:nvSpPr>
-            <p:cNvPr id="46" name="pl45"/>
+            <p:cNvPr id="48" name="pl47"/>
             <p:cNvSpPr/>
             <p:nvPr/>
           </p:nvSpPr>
@@ -3932,6 +4135,9 @@
                   <a:lnTo>
                     <a:pt x="0" y="0"/>
                   </a:lnTo>
+                  <a:lnTo>
+                    <a:pt x="0" y="0"/>
+                  </a:lnTo>
                 </a:path>
               </a:pathLst>
             </a:custGeom>
@@ -3953,7 +4159,7 @@
         </p:sp>
         <p:sp>
           <p:nvSpPr>
-            <p:cNvPr id="47" name="pl46"/>
+            <p:cNvPr id="49" name="pl48"/>
             <p:cNvSpPr/>
             <p:nvPr/>
           </p:nvSpPr>
@@ -3972,6 +4178,9 @@
                   <a:lnTo>
                     <a:pt x="0" y="0"/>
                   </a:lnTo>
+                  <a:lnTo>
+                    <a:pt x="0" y="0"/>
+                  </a:lnTo>
                 </a:path>
               </a:pathLst>
             </a:custGeom>
@@ -3993,7 +4202,7 @@
         </p:sp>
         <p:sp>
           <p:nvSpPr>
-            <p:cNvPr id="48" name="pl47"/>
+            <p:cNvPr id="50" name="pl49"/>
             <p:cNvSpPr/>
             <p:nvPr/>
           </p:nvSpPr>
@@ -4012,6 +4221,9 @@
                   <a:lnTo>
                     <a:pt x="0" y="0"/>
                   </a:lnTo>
+                  <a:lnTo>
+                    <a:pt x="0" y="0"/>
+                  </a:lnTo>
                 </a:path>
               </a:pathLst>
             </a:custGeom>
@@ -4033,7 +4245,7 @@
         </p:sp>
         <p:sp>
           <p:nvSpPr>
-            <p:cNvPr id="49" name="pl48"/>
+            <p:cNvPr id="51" name="pl50"/>
             <p:cNvSpPr/>
             <p:nvPr/>
           </p:nvSpPr>
@@ -4052,6 +4264,9 @@
                   <a:lnTo>
                     <a:pt x="0" y="0"/>
                   </a:lnTo>
+                  <a:lnTo>
+                    <a:pt x="0" y="0"/>
+                  </a:lnTo>
                 </a:path>
               </a:pathLst>
             </a:custGeom>
@@ -4073,7 +4288,7 @@
         </p:sp>
         <p:sp>
           <p:nvSpPr>
-            <p:cNvPr id="50" name="pl49"/>
+            <p:cNvPr id="52" name="pl51"/>
             <p:cNvSpPr/>
             <p:nvPr/>
           </p:nvSpPr>
@@ -4092,6 +4307,9 @@
                   <a:lnTo>
                     <a:pt x="0" y="0"/>
                   </a:lnTo>
+                  <a:lnTo>
+                    <a:pt x="0" y="0"/>
+                  </a:lnTo>
                 </a:path>
               </a:pathLst>
             </a:custGeom>
@@ -4113,7 +4331,7 @@
         </p:sp>
         <p:sp>
           <p:nvSpPr>
-            <p:cNvPr id="51" name="pl50"/>
+            <p:cNvPr id="53" name="pl52"/>
             <p:cNvSpPr/>
             <p:nvPr/>
           </p:nvSpPr>
@@ -4132,6 +4350,9 @@
                   <a:lnTo>
                     <a:pt x="0" y="0"/>
                   </a:lnTo>
+                  <a:lnTo>
+                    <a:pt x="0" y="0"/>
+                  </a:lnTo>
                 </a:path>
               </a:pathLst>
             </a:custGeom>
@@ -4153,19 +4374,19 @@
         </p:sp>
         <p:sp>
           <p:nvSpPr>
-            <p:cNvPr id="52" name="pl51"/>
-            <p:cNvSpPr/>
-            <p:nvPr/>
-          </p:nvSpPr>
-          <p:spPr>
-            <a:xfrm>
-              <a:off x="1719564" y="989149"/>
-              <a:ext cx="3754825" cy="1082635"/>
+            <p:cNvPr id="54" name="pl53"/>
+            <p:cNvSpPr/>
+            <p:nvPr/>
+          </p:nvSpPr>
+          <p:spPr>
+            <a:xfrm>
+              <a:off x="1719564" y="1128778"/>
+              <a:ext cx="3754825" cy="1032834"/>
             </a:xfrm>
             <a:custGeom>
               <a:avLst/>
               <a:pathLst>
-                <a:path w="3754825" h="1082635">
+                <a:path w="3754825" h="1032834">
                   <a:moveTo>
                     <a:pt x="0" y="0"/>
                   </a:moveTo>
@@ -4173,151 +4394,151 @@
                     <a:pt x="1599277" y="0"/>
                   </a:lnTo>
                   <a:lnTo>
-                    <a:pt x="1599277" y="10118"/>
-                  </a:lnTo>
-                  <a:lnTo>
-                    <a:pt x="1807878" y="10118"/>
-                  </a:lnTo>
-                  <a:lnTo>
-                    <a:pt x="1807878" y="60708"/>
-                  </a:lnTo>
-                  <a:lnTo>
-                    <a:pt x="1877412" y="60708"/>
-                  </a:lnTo>
-                  <a:lnTo>
-                    <a:pt x="1877412" y="101180"/>
-                  </a:lnTo>
-                  <a:lnTo>
-                    <a:pt x="2016480" y="101180"/>
-                  </a:lnTo>
-                  <a:lnTo>
-                    <a:pt x="2016480" y="111298"/>
-                  </a:lnTo>
-                  <a:lnTo>
-                    <a:pt x="2086014" y="111298"/>
-                  </a:lnTo>
-                  <a:lnTo>
-                    <a:pt x="2086014" y="141653"/>
-                  </a:lnTo>
-                  <a:lnTo>
-                    <a:pt x="2155547" y="141653"/>
-                  </a:lnTo>
-                  <a:lnTo>
-                    <a:pt x="2155547" y="182125"/>
-                  </a:lnTo>
-                  <a:lnTo>
-                    <a:pt x="2225081" y="182125"/>
-                  </a:lnTo>
-                  <a:lnTo>
-                    <a:pt x="2225081" y="263070"/>
-                  </a:lnTo>
-                  <a:lnTo>
-                    <a:pt x="2294615" y="263070"/>
-                  </a:lnTo>
-                  <a:lnTo>
-                    <a:pt x="2294615" y="323778"/>
-                  </a:lnTo>
-                  <a:lnTo>
-                    <a:pt x="2364149" y="323778"/>
-                  </a:lnTo>
-                  <a:lnTo>
-                    <a:pt x="2364149" y="384487"/>
-                  </a:lnTo>
-                  <a:lnTo>
-                    <a:pt x="2433683" y="384487"/>
-                  </a:lnTo>
-                  <a:lnTo>
-                    <a:pt x="2433683" y="465432"/>
-                  </a:lnTo>
-                  <a:lnTo>
-                    <a:pt x="2503216" y="465432"/>
-                  </a:lnTo>
-                  <a:lnTo>
-                    <a:pt x="2503216" y="576730"/>
-                  </a:lnTo>
-                  <a:lnTo>
-                    <a:pt x="2572750" y="576730"/>
-                  </a:lnTo>
-                  <a:lnTo>
-                    <a:pt x="2572750" y="657675"/>
-                  </a:lnTo>
-                  <a:lnTo>
-                    <a:pt x="2642284" y="657675"/>
-                  </a:lnTo>
-                  <a:lnTo>
-                    <a:pt x="2642284" y="688029"/>
-                  </a:lnTo>
-                  <a:lnTo>
-                    <a:pt x="2711818" y="688029"/>
-                  </a:lnTo>
-                  <a:lnTo>
-                    <a:pt x="2711818" y="728502"/>
-                  </a:lnTo>
-                  <a:lnTo>
-                    <a:pt x="2781352" y="728502"/>
-                  </a:lnTo>
-                  <a:lnTo>
-                    <a:pt x="2781352" y="789210"/>
-                  </a:lnTo>
-                  <a:lnTo>
-                    <a:pt x="2850885" y="789210"/>
-                  </a:lnTo>
-                  <a:lnTo>
-                    <a:pt x="2850885" y="809446"/>
-                  </a:lnTo>
-                  <a:lnTo>
-                    <a:pt x="2989953" y="809446"/>
-                  </a:lnTo>
-                  <a:lnTo>
-                    <a:pt x="2989953" y="829683"/>
-                  </a:lnTo>
-                  <a:lnTo>
-                    <a:pt x="3059487" y="829683"/>
-                  </a:lnTo>
-                  <a:lnTo>
-                    <a:pt x="3059487" y="849919"/>
-                  </a:lnTo>
-                  <a:lnTo>
-                    <a:pt x="3129021" y="849919"/>
-                  </a:lnTo>
-                  <a:lnTo>
-                    <a:pt x="3129021" y="910627"/>
-                  </a:lnTo>
-                  <a:lnTo>
-                    <a:pt x="3198554" y="910627"/>
-                  </a:lnTo>
-                  <a:lnTo>
-                    <a:pt x="3198554" y="920745"/>
-                  </a:lnTo>
-                  <a:lnTo>
-                    <a:pt x="3268088" y="920745"/>
-                  </a:lnTo>
-                  <a:lnTo>
-                    <a:pt x="3268088" y="961218"/>
-                  </a:lnTo>
-                  <a:lnTo>
-                    <a:pt x="3337622" y="961218"/>
-                  </a:lnTo>
-                  <a:lnTo>
-                    <a:pt x="3337622" y="1021926"/>
-                  </a:lnTo>
-                  <a:lnTo>
-                    <a:pt x="3407156" y="1021926"/>
-                  </a:lnTo>
-                  <a:lnTo>
-                    <a:pt x="3407156" y="1052281"/>
-                  </a:lnTo>
-                  <a:lnTo>
-                    <a:pt x="3476690" y="1052281"/>
-                  </a:lnTo>
-                  <a:lnTo>
-                    <a:pt x="3476690" y="1072517"/>
-                  </a:lnTo>
-                  <a:lnTo>
-                    <a:pt x="3754825" y="1072517"/>
-                  </a:lnTo>
-                  <a:lnTo>
-                    <a:pt x="3754825" y="1082635"/>
+                    <a:pt x="1599277" y="9652"/>
+                  </a:lnTo>
+                  <a:lnTo>
+                    <a:pt x="1807878" y="9652"/>
+                  </a:lnTo>
+                  <a:lnTo>
+                    <a:pt x="1807878" y="57915"/>
+                  </a:lnTo>
+                  <a:lnTo>
+                    <a:pt x="1877412" y="57915"/>
+                  </a:lnTo>
+                  <a:lnTo>
+                    <a:pt x="1877412" y="96526"/>
+                  </a:lnTo>
+                  <a:lnTo>
+                    <a:pt x="2016480" y="96526"/>
+                  </a:lnTo>
+                  <a:lnTo>
+                    <a:pt x="2016480" y="106179"/>
+                  </a:lnTo>
+                  <a:lnTo>
+                    <a:pt x="2086014" y="106179"/>
+                  </a:lnTo>
+                  <a:lnTo>
+                    <a:pt x="2086014" y="135137"/>
+                  </a:lnTo>
+                  <a:lnTo>
+                    <a:pt x="2155547" y="135137"/>
+                  </a:lnTo>
+                  <a:lnTo>
+                    <a:pt x="2155547" y="173747"/>
+                  </a:lnTo>
+                  <a:lnTo>
+                    <a:pt x="2225081" y="173747"/>
+                  </a:lnTo>
+                  <a:lnTo>
+                    <a:pt x="2225081" y="250969"/>
+                  </a:lnTo>
+                  <a:lnTo>
+                    <a:pt x="2294615" y="250969"/>
+                  </a:lnTo>
+                  <a:lnTo>
+                    <a:pt x="2294615" y="308884"/>
+                  </a:lnTo>
+                  <a:lnTo>
+                    <a:pt x="2364149" y="308884"/>
+                  </a:lnTo>
+                  <a:lnTo>
+                    <a:pt x="2364149" y="366800"/>
+                  </a:lnTo>
+                  <a:lnTo>
+                    <a:pt x="2433683" y="366800"/>
+                  </a:lnTo>
+                  <a:lnTo>
+                    <a:pt x="2433683" y="444022"/>
+                  </a:lnTo>
+                  <a:lnTo>
+                    <a:pt x="2503216" y="444022"/>
+                  </a:lnTo>
+                  <a:lnTo>
+                    <a:pt x="2503216" y="550201"/>
+                  </a:lnTo>
+                  <a:lnTo>
+                    <a:pt x="2572750" y="550201"/>
+                  </a:lnTo>
+                  <a:lnTo>
+                    <a:pt x="2572750" y="627422"/>
+                  </a:lnTo>
+                  <a:lnTo>
+                    <a:pt x="2642284" y="627422"/>
+                  </a:lnTo>
+                  <a:lnTo>
+                    <a:pt x="2642284" y="656380"/>
+                  </a:lnTo>
+                  <a:lnTo>
+                    <a:pt x="2711818" y="656380"/>
+                  </a:lnTo>
+                  <a:lnTo>
+                    <a:pt x="2711818" y="694991"/>
+                  </a:lnTo>
+                  <a:lnTo>
+                    <a:pt x="2781352" y="694991"/>
+                  </a:lnTo>
+                  <a:lnTo>
+                    <a:pt x="2781352" y="752907"/>
+                  </a:lnTo>
+                  <a:lnTo>
+                    <a:pt x="2850885" y="752907"/>
+                  </a:lnTo>
+                  <a:lnTo>
+                    <a:pt x="2850885" y="772212"/>
+                  </a:lnTo>
+                  <a:lnTo>
+                    <a:pt x="2989953" y="772212"/>
+                  </a:lnTo>
+                  <a:lnTo>
+                    <a:pt x="2989953" y="791517"/>
+                  </a:lnTo>
+                  <a:lnTo>
+                    <a:pt x="3059487" y="791517"/>
+                  </a:lnTo>
+                  <a:lnTo>
+                    <a:pt x="3059487" y="810823"/>
+                  </a:lnTo>
+                  <a:lnTo>
+                    <a:pt x="3129021" y="810823"/>
+                  </a:lnTo>
+                  <a:lnTo>
+                    <a:pt x="3129021" y="868738"/>
+                  </a:lnTo>
+                  <a:lnTo>
+                    <a:pt x="3198554" y="868738"/>
+                  </a:lnTo>
+                  <a:lnTo>
+                    <a:pt x="3198554" y="878391"/>
+                  </a:lnTo>
+                  <a:lnTo>
+                    <a:pt x="3268088" y="878391"/>
+                  </a:lnTo>
+                  <a:lnTo>
+                    <a:pt x="3268088" y="917002"/>
+                  </a:lnTo>
+                  <a:lnTo>
+                    <a:pt x="3337622" y="917002"/>
+                  </a:lnTo>
+                  <a:lnTo>
+                    <a:pt x="3337622" y="974918"/>
+                  </a:lnTo>
+                  <a:lnTo>
+                    <a:pt x="3407156" y="974918"/>
+                  </a:lnTo>
+                  <a:lnTo>
+                    <a:pt x="3407156" y="1003876"/>
+                  </a:lnTo>
+                  <a:lnTo>
+                    <a:pt x="3476690" y="1003876"/>
+                  </a:lnTo>
+                  <a:lnTo>
+                    <a:pt x="3476690" y="1023181"/>
+                  </a:lnTo>
+                  <a:lnTo>
+                    <a:pt x="3754825" y="1023181"/>
+                  </a:lnTo>
+                  <a:lnTo>
+                    <a:pt x="3754825" y="1032834"/>
                   </a:lnTo>
                 </a:path>
               </a:pathLst>
@@ -4340,13 +4561,13 @@
         </p:sp>
         <p:sp>
           <p:nvSpPr>
-            <p:cNvPr id="53" name="tx52"/>
-            <p:cNvSpPr/>
-            <p:nvPr/>
-          </p:nvSpPr>
-          <p:spPr>
-            <a:xfrm>
-              <a:off x="5401239" y="2017049"/>
+            <p:cNvPr id="55" name="tx54"/>
+            <p:cNvSpPr/>
+            <p:nvPr/>
+          </p:nvSpPr>
+          <p:spPr>
+            <a:xfrm>
+              <a:off x="5401239" y="2106877"/>
               <a:ext cx="146301" cy="109470"/>
             </a:xfrm>
             <a:prstGeom prst="rect">
@@ -4386,7 +4607,7 @@
         </p:sp>
         <p:sp>
           <p:nvSpPr>
-            <p:cNvPr id="54" name="tx53"/>
+            <p:cNvPr id="56" name="tx55"/>
             <p:cNvSpPr/>
             <p:nvPr/>
           </p:nvSpPr>
@@ -4432,13 +4653,13 @@
         </p:sp>
         <p:sp>
           <p:nvSpPr>
-            <p:cNvPr id="55" name="tx54"/>
-            <p:cNvSpPr/>
-            <p:nvPr/>
-          </p:nvSpPr>
-          <p:spPr>
-            <a:xfrm>
-              <a:off x="1220789" y="3677240"/>
+            <p:cNvPr id="57" name="tx56"/>
+            <p:cNvSpPr/>
+            <p:nvPr/>
+          </p:nvSpPr>
+          <p:spPr>
+            <a:xfrm>
+              <a:off x="1220789" y="3691203"/>
               <a:ext cx="248404" cy="84529"/>
             </a:xfrm>
             <a:prstGeom prst="rect">
@@ -4478,13 +4699,13 @@
         </p:sp>
         <p:sp>
           <p:nvSpPr>
-            <p:cNvPr id="56" name="tx55"/>
-            <p:cNvSpPr/>
-            <p:nvPr/>
-          </p:nvSpPr>
-          <p:spPr>
-            <a:xfrm>
-              <a:off x="1220789" y="3373697"/>
+            <p:cNvPr id="58" name="tx57"/>
+            <p:cNvSpPr/>
+            <p:nvPr/>
+          </p:nvSpPr>
+          <p:spPr>
+            <a:xfrm>
+              <a:off x="1220789" y="3401623"/>
               <a:ext cx="248404" cy="84529"/>
             </a:xfrm>
             <a:prstGeom prst="rect">
@@ -4524,13 +4745,13 @@
         </p:sp>
         <p:sp>
           <p:nvSpPr>
-            <p:cNvPr id="57" name="tx56"/>
-            <p:cNvSpPr/>
-            <p:nvPr/>
-          </p:nvSpPr>
-          <p:spPr>
-            <a:xfrm>
-              <a:off x="1220789" y="3070154"/>
+            <p:cNvPr id="59" name="tx58"/>
+            <p:cNvSpPr/>
+            <p:nvPr/>
+          </p:nvSpPr>
+          <p:spPr>
+            <a:xfrm>
+              <a:off x="1220789" y="3112043"/>
               <a:ext cx="248404" cy="84529"/>
             </a:xfrm>
             <a:prstGeom prst="rect">
@@ -4570,13 +4791,13 @@
         </p:sp>
         <p:sp>
           <p:nvSpPr>
-            <p:cNvPr id="58" name="tx57"/>
-            <p:cNvSpPr/>
-            <p:nvPr/>
-          </p:nvSpPr>
-          <p:spPr>
-            <a:xfrm>
-              <a:off x="1220789" y="2766612"/>
+            <p:cNvPr id="60" name="tx59"/>
+            <p:cNvSpPr/>
+            <p:nvPr/>
+          </p:nvSpPr>
+          <p:spPr>
+            <a:xfrm>
+              <a:off x="1220789" y="2822464"/>
               <a:ext cx="248404" cy="84529"/>
             </a:xfrm>
             <a:prstGeom prst="rect">
@@ -4616,13 +4837,13 @@
         </p:sp>
         <p:sp>
           <p:nvSpPr>
-            <p:cNvPr id="59" name="tx58"/>
-            <p:cNvSpPr/>
-            <p:nvPr/>
-          </p:nvSpPr>
-          <p:spPr>
-            <a:xfrm>
-              <a:off x="1220789" y="2463069"/>
+            <p:cNvPr id="61" name="tx60"/>
+            <p:cNvSpPr/>
+            <p:nvPr/>
+          </p:nvSpPr>
+          <p:spPr>
+            <a:xfrm>
+              <a:off x="1220789" y="2532884"/>
               <a:ext cx="248404" cy="84529"/>
             </a:xfrm>
             <a:prstGeom prst="rect">
@@ -4662,13 +4883,13 @@
         </p:sp>
         <p:sp>
           <p:nvSpPr>
-            <p:cNvPr id="60" name="tx59"/>
-            <p:cNvSpPr/>
-            <p:nvPr/>
-          </p:nvSpPr>
-          <p:spPr>
-            <a:xfrm>
-              <a:off x="1220789" y="2159527"/>
+            <p:cNvPr id="62" name="tx61"/>
+            <p:cNvSpPr/>
+            <p:nvPr/>
+          </p:nvSpPr>
+          <p:spPr>
+            <a:xfrm>
+              <a:off x="1220789" y="2243304"/>
               <a:ext cx="248404" cy="84529"/>
             </a:xfrm>
             <a:prstGeom prst="rect">
@@ -4708,13 +4929,13 @@
         </p:sp>
         <p:sp>
           <p:nvSpPr>
-            <p:cNvPr id="61" name="tx60"/>
-            <p:cNvSpPr/>
-            <p:nvPr/>
-          </p:nvSpPr>
-          <p:spPr>
-            <a:xfrm>
-              <a:off x="1220789" y="1855984"/>
+            <p:cNvPr id="63" name="tx62"/>
+            <p:cNvSpPr/>
+            <p:nvPr/>
+          </p:nvSpPr>
+          <p:spPr>
+            <a:xfrm>
+              <a:off x="1220789" y="1953725"/>
               <a:ext cx="248404" cy="84529"/>
             </a:xfrm>
             <a:prstGeom prst="rect">
@@ -4754,13 +4975,13 @@
         </p:sp>
         <p:sp>
           <p:nvSpPr>
-            <p:cNvPr id="62" name="tx61"/>
-            <p:cNvSpPr/>
-            <p:nvPr/>
-          </p:nvSpPr>
-          <p:spPr>
-            <a:xfrm>
-              <a:off x="1220789" y="1552441"/>
+            <p:cNvPr id="64" name="tx63"/>
+            <p:cNvSpPr/>
+            <p:nvPr/>
+          </p:nvSpPr>
+          <p:spPr>
+            <a:xfrm>
+              <a:off x="1220789" y="1664145"/>
               <a:ext cx="248404" cy="84529"/>
             </a:xfrm>
             <a:prstGeom prst="rect">
@@ -4800,13 +5021,13 @@
         </p:sp>
         <p:sp>
           <p:nvSpPr>
-            <p:cNvPr id="63" name="tx62"/>
-            <p:cNvSpPr/>
-            <p:nvPr/>
-          </p:nvSpPr>
-          <p:spPr>
-            <a:xfrm>
-              <a:off x="1220789" y="1248899"/>
+            <p:cNvPr id="65" name="tx64"/>
+            <p:cNvSpPr/>
+            <p:nvPr/>
+          </p:nvSpPr>
+          <p:spPr>
+            <a:xfrm>
+              <a:off x="1220789" y="1374565"/>
               <a:ext cx="248404" cy="84529"/>
             </a:xfrm>
             <a:prstGeom prst="rect">
@@ -4846,13 +5067,13 @@
         </p:sp>
         <p:sp>
           <p:nvSpPr>
-            <p:cNvPr id="64" name="tx63"/>
-            <p:cNvSpPr/>
-            <p:nvPr/>
-          </p:nvSpPr>
-          <p:spPr>
-            <a:xfrm>
-              <a:off x="1149684" y="945356"/>
+            <p:cNvPr id="66" name="tx65"/>
+            <p:cNvSpPr/>
+            <p:nvPr/>
+          </p:nvSpPr>
+          <p:spPr>
+            <a:xfrm>
+              <a:off x="1149684" y="1084986"/>
               <a:ext cx="319509" cy="84529"/>
             </a:xfrm>
             <a:prstGeom prst="rect">
@@ -4892,7 +5113,7 @@
         </p:sp>
         <p:sp>
           <p:nvSpPr>
-            <p:cNvPr id="65" name="pl64"/>
+            <p:cNvPr id="67" name="pl66"/>
             <p:cNvSpPr/>
             <p:nvPr/>
           </p:nvSpPr>
@@ -4932,13 +5153,13 @@
         </p:sp>
         <p:sp>
           <p:nvSpPr>
-            <p:cNvPr id="66" name="pl65"/>
-            <p:cNvSpPr/>
-            <p:nvPr/>
-          </p:nvSpPr>
-          <p:spPr>
-            <a:xfrm>
-              <a:off x="1497028" y="3721032"/>
+            <p:cNvPr id="68" name="pl67"/>
+            <p:cNvSpPr/>
+            <p:nvPr/>
+          </p:nvSpPr>
+          <p:spPr>
+            <a:xfrm>
+              <a:off x="1497028" y="3734995"/>
               <a:ext cx="34794" cy="0"/>
             </a:xfrm>
             <a:custGeom>
@@ -4972,13 +5193,13 @@
         </p:sp>
         <p:sp>
           <p:nvSpPr>
-            <p:cNvPr id="67" name="pl66"/>
-            <p:cNvSpPr/>
-            <p:nvPr/>
-          </p:nvSpPr>
-          <p:spPr>
-            <a:xfrm>
-              <a:off x="1497028" y="3417490"/>
+            <p:cNvPr id="69" name="pl68"/>
+            <p:cNvSpPr/>
+            <p:nvPr/>
+          </p:nvSpPr>
+          <p:spPr>
+            <a:xfrm>
+              <a:off x="1497028" y="3445416"/>
               <a:ext cx="34794" cy="0"/>
             </a:xfrm>
             <a:custGeom>
@@ -5012,13 +5233,13 @@
         </p:sp>
         <p:sp>
           <p:nvSpPr>
-            <p:cNvPr id="68" name="pl67"/>
-            <p:cNvSpPr/>
-            <p:nvPr/>
-          </p:nvSpPr>
-          <p:spPr>
-            <a:xfrm>
-              <a:off x="1497028" y="3113947"/>
+            <p:cNvPr id="70" name="pl69"/>
+            <p:cNvSpPr/>
+            <p:nvPr/>
+          </p:nvSpPr>
+          <p:spPr>
+            <a:xfrm>
+              <a:off x="1497028" y="3155836"/>
               <a:ext cx="34794" cy="0"/>
             </a:xfrm>
             <a:custGeom>
@@ -5052,13 +5273,13 @@
         </p:sp>
         <p:sp>
           <p:nvSpPr>
-            <p:cNvPr id="69" name="pl68"/>
-            <p:cNvSpPr/>
-            <p:nvPr/>
-          </p:nvSpPr>
-          <p:spPr>
-            <a:xfrm>
-              <a:off x="1497028" y="2810405"/>
+            <p:cNvPr id="71" name="pl70"/>
+            <p:cNvSpPr/>
+            <p:nvPr/>
+          </p:nvSpPr>
+          <p:spPr>
+            <a:xfrm>
+              <a:off x="1497028" y="2866256"/>
               <a:ext cx="34794" cy="0"/>
             </a:xfrm>
             <a:custGeom>
@@ -5092,13 +5313,13 @@
         </p:sp>
         <p:sp>
           <p:nvSpPr>
-            <p:cNvPr id="70" name="pl69"/>
-            <p:cNvSpPr/>
-            <p:nvPr/>
-          </p:nvSpPr>
-          <p:spPr>
-            <a:xfrm>
-              <a:off x="1497028" y="2506862"/>
+            <p:cNvPr id="72" name="pl71"/>
+            <p:cNvSpPr/>
+            <p:nvPr/>
+          </p:nvSpPr>
+          <p:spPr>
+            <a:xfrm>
+              <a:off x="1497028" y="2576677"/>
               <a:ext cx="34794" cy="0"/>
             </a:xfrm>
             <a:custGeom>
@@ -5132,13 +5353,13 @@
         </p:sp>
         <p:sp>
           <p:nvSpPr>
-            <p:cNvPr id="71" name="pl70"/>
-            <p:cNvSpPr/>
-            <p:nvPr/>
-          </p:nvSpPr>
-          <p:spPr>
-            <a:xfrm>
-              <a:off x="1497028" y="2203319"/>
+            <p:cNvPr id="73" name="pl72"/>
+            <p:cNvSpPr/>
+            <p:nvPr/>
+          </p:nvSpPr>
+          <p:spPr>
+            <a:xfrm>
+              <a:off x="1497028" y="2287097"/>
               <a:ext cx="34794" cy="0"/>
             </a:xfrm>
             <a:custGeom>
@@ -5172,13 +5393,13 @@
         </p:sp>
         <p:sp>
           <p:nvSpPr>
-            <p:cNvPr id="72" name="pl71"/>
-            <p:cNvSpPr/>
-            <p:nvPr/>
-          </p:nvSpPr>
-          <p:spPr>
-            <a:xfrm>
-              <a:off x="1497028" y="1899777"/>
+            <p:cNvPr id="74" name="pl73"/>
+            <p:cNvSpPr/>
+            <p:nvPr/>
+          </p:nvSpPr>
+          <p:spPr>
+            <a:xfrm>
+              <a:off x="1497028" y="1997517"/>
               <a:ext cx="34794" cy="0"/>
             </a:xfrm>
             <a:custGeom>
@@ -5212,13 +5433,13 @@
         </p:sp>
         <p:sp>
           <p:nvSpPr>
-            <p:cNvPr id="73" name="pl72"/>
-            <p:cNvSpPr/>
-            <p:nvPr/>
-          </p:nvSpPr>
-          <p:spPr>
-            <a:xfrm>
-              <a:off x="1497028" y="1596234"/>
+            <p:cNvPr id="75" name="pl74"/>
+            <p:cNvSpPr/>
+            <p:nvPr/>
+          </p:nvSpPr>
+          <p:spPr>
+            <a:xfrm>
+              <a:off x="1497028" y="1707938"/>
               <a:ext cx="34794" cy="0"/>
             </a:xfrm>
             <a:custGeom>
@@ -5252,13 +5473,13 @@
         </p:sp>
         <p:sp>
           <p:nvSpPr>
-            <p:cNvPr id="74" name="pl73"/>
-            <p:cNvSpPr/>
-            <p:nvPr/>
-          </p:nvSpPr>
-          <p:spPr>
-            <a:xfrm>
-              <a:off x="1497028" y="1292691"/>
+            <p:cNvPr id="76" name="pl75"/>
+            <p:cNvSpPr/>
+            <p:nvPr/>
+          </p:nvSpPr>
+          <p:spPr>
+            <a:xfrm>
+              <a:off x="1497028" y="1418358"/>
               <a:ext cx="34794" cy="0"/>
             </a:xfrm>
             <a:custGeom>
@@ -5292,13 +5513,13 @@
         </p:sp>
         <p:sp>
           <p:nvSpPr>
-            <p:cNvPr id="75" name="pl74"/>
-            <p:cNvSpPr/>
-            <p:nvPr/>
-          </p:nvSpPr>
-          <p:spPr>
-            <a:xfrm>
-              <a:off x="1497028" y="989149"/>
+            <p:cNvPr id="77" name="pl76"/>
+            <p:cNvSpPr/>
+            <p:nvPr/>
+          </p:nvSpPr>
+          <p:spPr>
+            <a:xfrm>
+              <a:off x="1497028" y="1128778"/>
               <a:ext cx="34794" cy="0"/>
             </a:xfrm>
             <a:custGeom>
@@ -5332,7 +5553,7 @@
         </p:sp>
         <p:sp>
           <p:nvSpPr>
-            <p:cNvPr id="76" name="pl75"/>
+            <p:cNvPr id="78" name="pl77"/>
             <p:cNvSpPr/>
             <p:nvPr/>
           </p:nvSpPr>
@@ -5372,7 +5593,7 @@
         </p:sp>
         <p:sp>
           <p:nvSpPr>
-            <p:cNvPr id="77" name="pl76"/>
+            <p:cNvPr id="79" name="pl78"/>
             <p:cNvSpPr/>
             <p:nvPr/>
           </p:nvSpPr>
@@ -5412,7 +5633,7 @@
         </p:sp>
         <p:sp>
           <p:nvSpPr>
-            <p:cNvPr id="78" name="pl77"/>
+            <p:cNvPr id="80" name="pl79"/>
             <p:cNvSpPr/>
             <p:nvPr/>
           </p:nvSpPr>
@@ -5452,7 +5673,7 @@
         </p:sp>
         <p:sp>
           <p:nvSpPr>
-            <p:cNvPr id="79" name="pl78"/>
+            <p:cNvPr id="81" name="pl80"/>
             <p:cNvSpPr/>
             <p:nvPr/>
           </p:nvSpPr>
@@ -5492,7 +5713,7 @@
         </p:sp>
         <p:sp>
           <p:nvSpPr>
-            <p:cNvPr id="80" name="pl79"/>
+            <p:cNvPr id="82" name="pl81"/>
             <p:cNvSpPr/>
             <p:nvPr/>
           </p:nvSpPr>
@@ -5532,7 +5753,7 @@
         </p:sp>
         <p:sp>
           <p:nvSpPr>
-            <p:cNvPr id="81" name="pl80"/>
+            <p:cNvPr id="83" name="pl82"/>
             <p:cNvSpPr/>
             <p:nvPr/>
           </p:nvSpPr>
@@ -5572,7 +5793,7 @@
         </p:sp>
         <p:sp>
           <p:nvSpPr>
-            <p:cNvPr id="82" name="pl81"/>
+            <p:cNvPr id="84" name="pl83"/>
             <p:cNvSpPr/>
             <p:nvPr/>
           </p:nvSpPr>
@@ -5612,7 +5833,7 @@
         </p:sp>
         <p:sp>
           <p:nvSpPr>
-            <p:cNvPr id="83" name="pl82"/>
+            <p:cNvPr id="85" name="pl84"/>
             <p:cNvSpPr/>
             <p:nvPr/>
           </p:nvSpPr>
@@ -5652,7 +5873,7 @@
         </p:sp>
         <p:sp>
           <p:nvSpPr>
-            <p:cNvPr id="84" name="pl83"/>
+            <p:cNvPr id="86" name="pl85"/>
             <p:cNvSpPr/>
             <p:nvPr/>
           </p:nvSpPr>
@@ -5692,7 +5913,7 @@
         </p:sp>
         <p:sp>
           <p:nvSpPr>
-            <p:cNvPr id="85" name="pl84"/>
+            <p:cNvPr id="87" name="pl86"/>
             <p:cNvSpPr/>
             <p:nvPr/>
           </p:nvSpPr>
@@ -5732,7 +5953,7 @@
         </p:sp>
         <p:sp>
           <p:nvSpPr>
-            <p:cNvPr id="86" name="pl85"/>
+            <p:cNvPr id="88" name="pl87"/>
             <p:cNvSpPr/>
             <p:nvPr/>
           </p:nvSpPr>
@@ -5772,7 +5993,7 @@
         </p:sp>
         <p:sp>
           <p:nvSpPr>
-            <p:cNvPr id="87" name="pl86"/>
+            <p:cNvPr id="89" name="pl88"/>
             <p:cNvSpPr/>
             <p:nvPr/>
           </p:nvSpPr>
@@ -5812,7 +6033,7 @@
         </p:sp>
         <p:sp>
           <p:nvSpPr>
-            <p:cNvPr id="88" name="tx87"/>
+            <p:cNvPr id="90" name="tx89"/>
             <p:cNvSpPr/>
             <p:nvPr/>
           </p:nvSpPr>
@@ -5858,7 +6079,7 @@
         </p:sp>
         <p:sp>
           <p:nvSpPr>
-            <p:cNvPr id="89" name="tx88"/>
+            <p:cNvPr id="91" name="tx90"/>
             <p:cNvSpPr/>
             <p:nvPr/>
           </p:nvSpPr>
@@ -5904,7 +6125,7 @@
         </p:sp>
         <p:sp>
           <p:nvSpPr>
-            <p:cNvPr id="90" name="tx89"/>
+            <p:cNvPr id="92" name="tx91"/>
             <p:cNvSpPr/>
             <p:nvPr/>
           </p:nvSpPr>
@@ -5950,7 +6171,7 @@
         </p:sp>
         <p:sp>
           <p:nvSpPr>
-            <p:cNvPr id="91" name="tx90"/>
+            <p:cNvPr id="93" name="tx92"/>
             <p:cNvSpPr/>
             <p:nvPr/>
           </p:nvSpPr>
@@ -5996,7 +6217,7 @@
         </p:sp>
         <p:sp>
           <p:nvSpPr>
-            <p:cNvPr id="92" name="tx91"/>
+            <p:cNvPr id="94" name="tx93"/>
             <p:cNvSpPr/>
             <p:nvPr/>
           </p:nvSpPr>
@@ -6042,7 +6263,7 @@
         </p:sp>
         <p:sp>
           <p:nvSpPr>
-            <p:cNvPr id="93" name="tx92"/>
+            <p:cNvPr id="95" name="tx94"/>
             <p:cNvSpPr/>
             <p:nvPr/>
           </p:nvSpPr>
@@ -6088,7 +6309,7 @@
         </p:sp>
         <p:sp>
           <p:nvSpPr>
-            <p:cNvPr id="94" name="tx93"/>
+            <p:cNvPr id="96" name="tx95"/>
             <p:cNvSpPr/>
             <p:nvPr/>
           </p:nvSpPr>
@@ -6134,7 +6355,7 @@
         </p:sp>
         <p:sp>
           <p:nvSpPr>
-            <p:cNvPr id="95" name="tx94"/>
+            <p:cNvPr id="97" name="tx96"/>
             <p:cNvSpPr/>
             <p:nvPr/>
           </p:nvSpPr>
@@ -6180,7 +6401,7 @@
         </p:sp>
         <p:sp>
           <p:nvSpPr>
-            <p:cNvPr id="96" name="tx95"/>
+            <p:cNvPr id="98" name="tx97"/>
             <p:cNvSpPr/>
             <p:nvPr/>
           </p:nvSpPr>
@@ -6226,7 +6447,7 @@
         </p:sp>
         <p:sp>
           <p:nvSpPr>
-            <p:cNvPr id="97" name="tx96"/>
+            <p:cNvPr id="99" name="tx98"/>
             <p:cNvSpPr/>
             <p:nvPr/>
           </p:nvSpPr>
@@ -6272,7 +6493,7 @@
         </p:sp>
         <p:sp>
           <p:nvSpPr>
-            <p:cNvPr id="98" name="tx97"/>
+            <p:cNvPr id="100" name="tx99"/>
             <p:cNvSpPr/>
             <p:nvPr/>
           </p:nvSpPr>
@@ -6318,7 +6539,7 @@
         </p:sp>
         <p:sp>
           <p:nvSpPr>
-            <p:cNvPr id="99" name="tx98"/>
+            <p:cNvPr id="101" name="tx100"/>
             <p:cNvSpPr/>
             <p:nvPr/>
           </p:nvSpPr>
@@ -6364,7 +6585,7 @@
         </p:sp>
         <p:sp>
           <p:nvSpPr>
-            <p:cNvPr id="100" name="tx99"/>
+            <p:cNvPr id="102" name="tx101"/>
             <p:cNvSpPr/>
             <p:nvPr/>
           </p:nvSpPr>
@@ -6410,7 +6631,7 @@
         </p:sp>
         <p:sp>
           <p:nvSpPr>
-            <p:cNvPr id="101" name="tx100"/>
+            <p:cNvPr id="103" name="tx102"/>
             <p:cNvSpPr/>
             <p:nvPr/>
           </p:nvSpPr>
@@ -6456,7 +6677,7 @@
         </p:sp>
         <p:sp>
           <p:nvSpPr>
-            <p:cNvPr id="102" name="rc101"/>
+            <p:cNvPr id="104" name="rc103"/>
             <p:cNvSpPr/>
             <p:nvPr/>
           </p:nvSpPr>
@@ -6482,7 +6703,7 @@
         </p:sp>
         <p:sp>
           <p:nvSpPr>
-            <p:cNvPr id="103" name="tx102"/>
+            <p:cNvPr id="105" name="tx104"/>
             <p:cNvSpPr/>
             <p:nvPr/>
           </p:nvSpPr>
@@ -6528,7 +6749,7 @@
         </p:sp>
         <p:sp>
           <p:nvSpPr>
-            <p:cNvPr id="104" name="rc103"/>
+            <p:cNvPr id="106" name="rc105"/>
             <p:cNvSpPr/>
             <p:nvPr/>
           </p:nvSpPr>
@@ -6554,7 +6775,7 @@
         </p:sp>
         <p:sp>
           <p:nvSpPr>
-            <p:cNvPr id="105" name="pl104"/>
+            <p:cNvPr id="107" name="pl106"/>
             <p:cNvSpPr/>
             <p:nvPr/>
           </p:nvSpPr>
@@ -6594,7 +6815,7 @@
         </p:sp>
         <p:sp>
           <p:nvSpPr>
-            <p:cNvPr id="106" name="tx105"/>
+            <p:cNvPr id="108" name="tx107"/>
             <p:cNvSpPr/>
             <p:nvPr/>
           </p:nvSpPr>
@@ -6640,7 +6861,7 @@
         </p:sp>
         <p:sp>
           <p:nvSpPr>
-            <p:cNvPr id="107" name="tx106"/>
+            <p:cNvPr id="109" name="tx108"/>
             <p:cNvSpPr/>
             <p:nvPr/>
           </p:nvSpPr>
